--- a/Angular/EmpowHer - Tech Curriculum (1).pptx
+++ b/Angular/EmpowHer - Tech Curriculum (1).pptx
@@ -5,10 +5,10 @@
     <p:sldMasterId id="2147483648" r:id="rId4"/>
   </p:sldMasterIdLst>
   <p:notesMasterIdLst>
-    <p:notesMasterId r:id="rId30"/>
+    <p:notesMasterId r:id="rId31"/>
   </p:notesMasterIdLst>
   <p:handoutMasterIdLst>
-    <p:handoutMasterId r:id="rId31"/>
+    <p:handoutMasterId r:id="rId32"/>
   </p:handoutMasterIdLst>
   <p:sldIdLst>
     <p:sldId id="256" r:id="rId5"/>
@@ -21,21 +21,22 @@
     <p:sldId id="263" r:id="rId12"/>
     <p:sldId id="264" r:id="rId13"/>
     <p:sldId id="265" r:id="rId14"/>
-    <p:sldId id="266" r:id="rId15"/>
-    <p:sldId id="279" r:id="rId16"/>
-    <p:sldId id="280" r:id="rId17"/>
-    <p:sldId id="281" r:id="rId18"/>
-    <p:sldId id="267" r:id="rId19"/>
-    <p:sldId id="268" r:id="rId20"/>
-    <p:sldId id="269" r:id="rId21"/>
-    <p:sldId id="270" r:id="rId22"/>
-    <p:sldId id="271" r:id="rId23"/>
-    <p:sldId id="272" r:id="rId24"/>
-    <p:sldId id="273" r:id="rId25"/>
-    <p:sldId id="274" r:id="rId26"/>
-    <p:sldId id="275" r:id="rId27"/>
-    <p:sldId id="276" r:id="rId28"/>
-    <p:sldId id="277" r:id="rId29"/>
+    <p:sldId id="279" r:id="rId15"/>
+    <p:sldId id="280" r:id="rId16"/>
+    <p:sldId id="281" r:id="rId17"/>
+    <p:sldId id="282" r:id="rId18"/>
+    <p:sldId id="283" r:id="rId19"/>
+    <p:sldId id="267" r:id="rId20"/>
+    <p:sldId id="268" r:id="rId21"/>
+    <p:sldId id="269" r:id="rId22"/>
+    <p:sldId id="270" r:id="rId23"/>
+    <p:sldId id="271" r:id="rId24"/>
+    <p:sldId id="272" r:id="rId25"/>
+    <p:sldId id="273" r:id="rId26"/>
+    <p:sldId id="274" r:id="rId27"/>
+    <p:sldId id="275" r:id="rId28"/>
+    <p:sldId id="276" r:id="rId29"/>
+    <p:sldId id="277" r:id="rId30"/>
   </p:sldIdLst>
   <p:sldSz cx="12192000" cy="6858000"/>
   <p:notesSz cx="6858000" cy="9144000"/>
@@ -149,10 +150,11 @@
             <p14:sldId id="263"/>
             <p14:sldId id="264"/>
             <p14:sldId id="265"/>
-            <p14:sldId id="266"/>
             <p14:sldId id="279"/>
             <p14:sldId id="280"/>
             <p14:sldId id="281"/>
+            <p14:sldId id="282"/>
+            <p14:sldId id="283"/>
             <p14:sldId id="267"/>
             <p14:sldId id="268"/>
             <p14:sldId id="269"/>
@@ -1674,6 +1676,753 @@
 </file>
 
 <file path=ppt/diagrams/colors3.xml><?xml version="1.0" encoding="utf-8"?>
+<dgm:colorsDef xmlns:dgm="http://schemas.openxmlformats.org/drawingml/2006/diagram" xmlns:a="http://schemas.openxmlformats.org/drawingml/2006/main" uniqueId="urn:microsoft.com/office/officeart/2005/8/colors/accent1_2">
+  <dgm:title val=""/>
+  <dgm:desc val=""/>
+  <dgm:catLst>
+    <dgm:cat type="accent1" pri="11200"/>
+  </dgm:catLst>
+  <dgm:styleLbl name="node0">
+    <dgm:fillClrLst meth="repeat">
+      <a:schemeClr val="accent1"/>
+    </dgm:fillClrLst>
+    <dgm:linClrLst meth="repeat">
+      <a:schemeClr val="lt1"/>
+    </dgm:linClrLst>
+    <dgm:effectClrLst/>
+    <dgm:txLinClrLst/>
+    <dgm:txFillClrLst/>
+    <dgm:txEffectClrLst/>
+  </dgm:styleLbl>
+  <dgm:styleLbl name="alignNode1">
+    <dgm:fillClrLst meth="repeat">
+      <a:schemeClr val="accent1"/>
+    </dgm:fillClrLst>
+    <dgm:linClrLst meth="repeat">
+      <a:schemeClr val="accent1"/>
+    </dgm:linClrLst>
+    <dgm:effectClrLst/>
+    <dgm:txLinClrLst/>
+    <dgm:txFillClrLst/>
+    <dgm:txEffectClrLst/>
+  </dgm:styleLbl>
+  <dgm:styleLbl name="node1">
+    <dgm:fillClrLst meth="repeat">
+      <a:schemeClr val="accent1"/>
+    </dgm:fillClrLst>
+    <dgm:linClrLst meth="repeat">
+      <a:schemeClr val="lt1"/>
+    </dgm:linClrLst>
+    <dgm:effectClrLst/>
+    <dgm:txLinClrLst/>
+    <dgm:txFillClrLst/>
+    <dgm:txEffectClrLst/>
+  </dgm:styleLbl>
+  <dgm:styleLbl name="lnNode1">
+    <dgm:fillClrLst meth="repeat">
+      <a:schemeClr val="accent1"/>
+    </dgm:fillClrLst>
+    <dgm:linClrLst meth="repeat">
+      <a:schemeClr val="lt1"/>
+    </dgm:linClrLst>
+    <dgm:effectClrLst/>
+    <dgm:txLinClrLst/>
+    <dgm:txFillClrLst/>
+    <dgm:txEffectClrLst/>
+  </dgm:styleLbl>
+  <dgm:styleLbl name="vennNode1">
+    <dgm:fillClrLst meth="repeat">
+      <a:schemeClr val="accent1">
+        <a:alpha val="50000"/>
+      </a:schemeClr>
+    </dgm:fillClrLst>
+    <dgm:linClrLst meth="repeat">
+      <a:schemeClr val="lt1"/>
+    </dgm:linClrLst>
+    <dgm:effectClrLst/>
+    <dgm:txLinClrLst/>
+    <dgm:txFillClrLst/>
+    <dgm:txEffectClrLst/>
+  </dgm:styleLbl>
+  <dgm:styleLbl name="node2">
+    <dgm:fillClrLst meth="repeat">
+      <a:schemeClr val="accent1"/>
+    </dgm:fillClrLst>
+    <dgm:linClrLst meth="repeat">
+      <a:schemeClr val="lt1"/>
+    </dgm:linClrLst>
+    <dgm:effectClrLst/>
+    <dgm:txLinClrLst/>
+    <dgm:txFillClrLst/>
+    <dgm:txEffectClrLst/>
+  </dgm:styleLbl>
+  <dgm:styleLbl name="node3">
+    <dgm:fillClrLst meth="repeat">
+      <a:schemeClr val="accent1"/>
+    </dgm:fillClrLst>
+    <dgm:linClrLst meth="repeat">
+      <a:schemeClr val="lt1"/>
+    </dgm:linClrLst>
+    <dgm:effectClrLst/>
+    <dgm:txLinClrLst/>
+    <dgm:txFillClrLst/>
+    <dgm:txEffectClrLst/>
+  </dgm:styleLbl>
+  <dgm:styleLbl name="node4">
+    <dgm:fillClrLst meth="repeat">
+      <a:schemeClr val="accent1"/>
+    </dgm:fillClrLst>
+    <dgm:linClrLst meth="repeat">
+      <a:schemeClr val="lt1"/>
+    </dgm:linClrLst>
+    <dgm:effectClrLst/>
+    <dgm:txLinClrLst/>
+    <dgm:txFillClrLst/>
+    <dgm:txEffectClrLst/>
+  </dgm:styleLbl>
+  <dgm:styleLbl name="fgImgPlace1">
+    <dgm:fillClrLst meth="repeat">
+      <a:schemeClr val="accent1">
+        <a:tint val="50000"/>
+      </a:schemeClr>
+    </dgm:fillClrLst>
+    <dgm:linClrLst meth="repeat">
+      <a:schemeClr val="lt1"/>
+    </dgm:linClrLst>
+    <dgm:effectClrLst/>
+    <dgm:txLinClrLst/>
+    <dgm:txFillClrLst meth="repeat">
+      <a:schemeClr val="lt1"/>
+    </dgm:txFillClrLst>
+    <dgm:txEffectClrLst/>
+  </dgm:styleLbl>
+  <dgm:styleLbl name="alignImgPlace1">
+    <dgm:fillClrLst meth="repeat">
+      <a:schemeClr val="accent1">
+        <a:tint val="50000"/>
+      </a:schemeClr>
+    </dgm:fillClrLst>
+    <dgm:linClrLst meth="repeat">
+      <a:schemeClr val="lt1"/>
+    </dgm:linClrLst>
+    <dgm:effectClrLst/>
+    <dgm:txLinClrLst/>
+    <dgm:txFillClrLst meth="repeat">
+      <a:schemeClr val="lt1"/>
+    </dgm:txFillClrLst>
+    <dgm:txEffectClrLst/>
+  </dgm:styleLbl>
+  <dgm:styleLbl name="bgImgPlace1">
+    <dgm:fillClrLst meth="repeat">
+      <a:schemeClr val="accent1">
+        <a:tint val="50000"/>
+      </a:schemeClr>
+    </dgm:fillClrLst>
+    <dgm:linClrLst meth="repeat">
+      <a:schemeClr val="lt1"/>
+    </dgm:linClrLst>
+    <dgm:effectClrLst/>
+    <dgm:txLinClrLst/>
+    <dgm:txFillClrLst meth="repeat">
+      <a:schemeClr val="lt1"/>
+    </dgm:txFillClrLst>
+    <dgm:txEffectClrLst/>
+  </dgm:styleLbl>
+  <dgm:styleLbl name="sibTrans2D1">
+    <dgm:fillClrLst meth="repeat">
+      <a:schemeClr val="accent1">
+        <a:tint val="60000"/>
+      </a:schemeClr>
+    </dgm:fillClrLst>
+    <dgm:linClrLst meth="repeat">
+      <a:schemeClr val="accent1">
+        <a:tint val="60000"/>
+      </a:schemeClr>
+    </dgm:linClrLst>
+    <dgm:effectClrLst/>
+    <dgm:txLinClrLst/>
+    <dgm:txFillClrLst/>
+    <dgm:txEffectClrLst/>
+  </dgm:styleLbl>
+  <dgm:styleLbl name="fgSibTrans2D1">
+    <dgm:fillClrLst meth="repeat">
+      <a:schemeClr val="accent1">
+        <a:tint val="60000"/>
+      </a:schemeClr>
+    </dgm:fillClrLst>
+    <dgm:linClrLst meth="repeat">
+      <a:schemeClr val="accent1">
+        <a:tint val="60000"/>
+      </a:schemeClr>
+    </dgm:linClrLst>
+    <dgm:effectClrLst/>
+    <dgm:txLinClrLst/>
+    <dgm:txFillClrLst/>
+    <dgm:txEffectClrLst/>
+  </dgm:styleLbl>
+  <dgm:styleLbl name="bgSibTrans2D1">
+    <dgm:fillClrLst meth="repeat">
+      <a:schemeClr val="accent1">
+        <a:tint val="60000"/>
+      </a:schemeClr>
+    </dgm:fillClrLst>
+    <dgm:linClrLst meth="repeat">
+      <a:schemeClr val="accent1">
+        <a:tint val="60000"/>
+      </a:schemeClr>
+    </dgm:linClrLst>
+    <dgm:effectClrLst/>
+    <dgm:txLinClrLst/>
+    <dgm:txFillClrLst/>
+    <dgm:txEffectClrLst/>
+  </dgm:styleLbl>
+  <dgm:styleLbl name="sibTrans1D1">
+    <dgm:fillClrLst meth="repeat">
+      <a:schemeClr val="accent1"/>
+    </dgm:fillClrLst>
+    <dgm:linClrLst meth="repeat">
+      <a:schemeClr val="accent1"/>
+    </dgm:linClrLst>
+    <dgm:effectClrLst/>
+    <dgm:txLinClrLst/>
+    <dgm:txFillClrLst meth="repeat">
+      <a:schemeClr val="tx1"/>
+    </dgm:txFillClrLst>
+    <dgm:txEffectClrLst/>
+  </dgm:styleLbl>
+  <dgm:styleLbl name="callout">
+    <dgm:fillClrLst meth="repeat">
+      <a:schemeClr val="accent1"/>
+    </dgm:fillClrLst>
+    <dgm:linClrLst meth="repeat">
+      <a:schemeClr val="accent1">
+        <a:tint val="50000"/>
+      </a:schemeClr>
+    </dgm:linClrLst>
+    <dgm:effectClrLst/>
+    <dgm:txLinClrLst/>
+    <dgm:txFillClrLst meth="repeat">
+      <a:schemeClr val="tx1"/>
+    </dgm:txFillClrLst>
+    <dgm:txEffectClrLst/>
+  </dgm:styleLbl>
+  <dgm:styleLbl name="asst0">
+    <dgm:fillClrLst meth="repeat">
+      <a:schemeClr val="accent1"/>
+    </dgm:fillClrLst>
+    <dgm:linClrLst meth="repeat">
+      <a:schemeClr val="lt1"/>
+    </dgm:linClrLst>
+    <dgm:effectClrLst/>
+    <dgm:txLinClrLst/>
+    <dgm:txFillClrLst/>
+    <dgm:txEffectClrLst/>
+  </dgm:styleLbl>
+  <dgm:styleLbl name="asst1">
+    <dgm:fillClrLst meth="repeat">
+      <a:schemeClr val="accent1"/>
+    </dgm:fillClrLst>
+    <dgm:linClrLst meth="repeat">
+      <a:schemeClr val="lt1"/>
+    </dgm:linClrLst>
+    <dgm:effectClrLst/>
+    <dgm:txLinClrLst/>
+    <dgm:txFillClrLst/>
+    <dgm:txEffectClrLst/>
+  </dgm:styleLbl>
+  <dgm:styleLbl name="asst2">
+    <dgm:fillClrLst meth="repeat">
+      <a:schemeClr val="accent1"/>
+    </dgm:fillClrLst>
+    <dgm:linClrLst meth="repeat">
+      <a:schemeClr val="lt1"/>
+    </dgm:linClrLst>
+    <dgm:effectClrLst/>
+    <dgm:txLinClrLst/>
+    <dgm:txFillClrLst/>
+    <dgm:txEffectClrLst/>
+  </dgm:styleLbl>
+  <dgm:styleLbl name="asst3">
+    <dgm:fillClrLst meth="repeat">
+      <a:schemeClr val="accent1"/>
+    </dgm:fillClrLst>
+    <dgm:linClrLst meth="repeat">
+      <a:schemeClr val="lt1"/>
+    </dgm:linClrLst>
+    <dgm:effectClrLst/>
+    <dgm:txLinClrLst/>
+    <dgm:txFillClrLst/>
+    <dgm:txEffectClrLst/>
+  </dgm:styleLbl>
+  <dgm:styleLbl name="asst4">
+    <dgm:fillClrLst meth="repeat">
+      <a:schemeClr val="accent1"/>
+    </dgm:fillClrLst>
+    <dgm:linClrLst meth="repeat">
+      <a:schemeClr val="lt1"/>
+    </dgm:linClrLst>
+    <dgm:effectClrLst/>
+    <dgm:txLinClrLst/>
+    <dgm:txFillClrLst/>
+    <dgm:txEffectClrLst/>
+  </dgm:styleLbl>
+  <dgm:styleLbl name="parChTrans2D1">
+    <dgm:fillClrLst meth="repeat">
+      <a:schemeClr val="accent1">
+        <a:tint val="60000"/>
+      </a:schemeClr>
+    </dgm:fillClrLst>
+    <dgm:linClrLst meth="repeat">
+      <a:schemeClr val="accent1">
+        <a:tint val="60000"/>
+      </a:schemeClr>
+    </dgm:linClrLst>
+    <dgm:effectClrLst/>
+    <dgm:txLinClrLst/>
+    <dgm:txFillClrLst meth="repeat">
+      <a:schemeClr val="lt1"/>
+    </dgm:txFillClrLst>
+    <dgm:txEffectClrLst/>
+  </dgm:styleLbl>
+  <dgm:styleLbl name="parChTrans2D2">
+    <dgm:fillClrLst meth="repeat">
+      <a:schemeClr val="accent1"/>
+    </dgm:fillClrLst>
+    <dgm:linClrLst meth="repeat">
+      <a:schemeClr val="accent1"/>
+    </dgm:linClrLst>
+    <dgm:effectClrLst/>
+    <dgm:txLinClrLst/>
+    <dgm:txFillClrLst meth="repeat">
+      <a:schemeClr val="lt1"/>
+    </dgm:txFillClrLst>
+    <dgm:txEffectClrLst/>
+  </dgm:styleLbl>
+  <dgm:styleLbl name="parChTrans2D3">
+    <dgm:fillClrLst meth="repeat">
+      <a:schemeClr val="accent1"/>
+    </dgm:fillClrLst>
+    <dgm:linClrLst meth="repeat">
+      <a:schemeClr val="accent1"/>
+    </dgm:linClrLst>
+    <dgm:effectClrLst/>
+    <dgm:txLinClrLst/>
+    <dgm:txFillClrLst meth="repeat">
+      <a:schemeClr val="lt1"/>
+    </dgm:txFillClrLst>
+    <dgm:txEffectClrLst/>
+  </dgm:styleLbl>
+  <dgm:styleLbl name="parChTrans2D4">
+    <dgm:fillClrLst meth="repeat">
+      <a:schemeClr val="accent1"/>
+    </dgm:fillClrLst>
+    <dgm:linClrLst meth="repeat">
+      <a:schemeClr val="accent1"/>
+    </dgm:linClrLst>
+    <dgm:effectClrLst/>
+    <dgm:txLinClrLst/>
+    <dgm:txFillClrLst meth="repeat">
+      <a:schemeClr val="lt1"/>
+    </dgm:txFillClrLst>
+    <dgm:txEffectClrLst/>
+  </dgm:styleLbl>
+  <dgm:styleLbl name="parChTrans1D1">
+    <dgm:fillClrLst meth="repeat">
+      <a:schemeClr val="accent1"/>
+    </dgm:fillClrLst>
+    <dgm:linClrLst meth="repeat">
+      <a:schemeClr val="accent1">
+        <a:shade val="60000"/>
+      </a:schemeClr>
+    </dgm:linClrLst>
+    <dgm:effectClrLst/>
+    <dgm:txLinClrLst/>
+    <dgm:txFillClrLst meth="repeat">
+      <a:schemeClr val="tx1"/>
+    </dgm:txFillClrLst>
+    <dgm:txEffectClrLst/>
+  </dgm:styleLbl>
+  <dgm:styleLbl name="parChTrans1D2">
+    <dgm:fillClrLst meth="repeat">
+      <a:schemeClr val="accent1"/>
+    </dgm:fillClrLst>
+    <dgm:linClrLst meth="repeat">
+      <a:schemeClr val="accent1">
+        <a:shade val="60000"/>
+      </a:schemeClr>
+    </dgm:linClrLst>
+    <dgm:effectClrLst/>
+    <dgm:txLinClrLst/>
+    <dgm:txFillClrLst meth="repeat">
+      <a:schemeClr val="tx1"/>
+    </dgm:txFillClrLst>
+    <dgm:txEffectClrLst/>
+  </dgm:styleLbl>
+  <dgm:styleLbl name="parChTrans1D3">
+    <dgm:fillClrLst meth="repeat">
+      <a:schemeClr val="accent1"/>
+    </dgm:fillClrLst>
+    <dgm:linClrLst meth="repeat">
+      <a:schemeClr val="accent1">
+        <a:shade val="80000"/>
+      </a:schemeClr>
+    </dgm:linClrLst>
+    <dgm:effectClrLst/>
+    <dgm:txLinClrLst/>
+    <dgm:txFillClrLst meth="repeat">
+      <a:schemeClr val="tx1"/>
+    </dgm:txFillClrLst>
+    <dgm:txEffectClrLst/>
+  </dgm:styleLbl>
+  <dgm:styleLbl name="parChTrans1D4">
+    <dgm:fillClrLst meth="repeat">
+      <a:schemeClr val="accent1"/>
+    </dgm:fillClrLst>
+    <dgm:linClrLst meth="repeat">
+      <a:schemeClr val="accent1">
+        <a:shade val="80000"/>
+      </a:schemeClr>
+    </dgm:linClrLst>
+    <dgm:effectClrLst/>
+    <dgm:txLinClrLst/>
+    <dgm:txFillClrLst meth="repeat">
+      <a:schemeClr val="tx1"/>
+    </dgm:txFillClrLst>
+    <dgm:txEffectClrLst/>
+  </dgm:styleLbl>
+  <dgm:styleLbl name="fgAcc1">
+    <dgm:fillClrLst meth="repeat">
+      <a:schemeClr val="lt1">
+        <a:alpha val="90000"/>
+      </a:schemeClr>
+    </dgm:fillClrLst>
+    <dgm:linClrLst meth="repeat">
+      <a:schemeClr val="accent1"/>
+    </dgm:linClrLst>
+    <dgm:effectClrLst/>
+    <dgm:txLinClrLst/>
+    <dgm:txFillClrLst meth="repeat">
+      <a:schemeClr val="dk1"/>
+    </dgm:txFillClrLst>
+    <dgm:txEffectClrLst/>
+  </dgm:styleLbl>
+  <dgm:styleLbl name="conFgAcc1">
+    <dgm:fillClrLst meth="repeat">
+      <a:schemeClr val="lt1">
+        <a:alpha val="90000"/>
+      </a:schemeClr>
+    </dgm:fillClrLst>
+    <dgm:linClrLst meth="repeat">
+      <a:schemeClr val="accent1"/>
+    </dgm:linClrLst>
+    <dgm:effectClrLst/>
+    <dgm:txLinClrLst/>
+    <dgm:txFillClrLst meth="repeat">
+      <a:schemeClr val="dk1"/>
+    </dgm:txFillClrLst>
+    <dgm:txEffectClrLst/>
+  </dgm:styleLbl>
+  <dgm:styleLbl name="alignAcc1">
+    <dgm:fillClrLst meth="repeat">
+      <a:schemeClr val="lt1">
+        <a:alpha val="90000"/>
+      </a:schemeClr>
+    </dgm:fillClrLst>
+    <dgm:linClrLst meth="repeat">
+      <a:schemeClr val="accent1"/>
+    </dgm:linClrLst>
+    <dgm:effectClrLst/>
+    <dgm:txLinClrLst/>
+    <dgm:txFillClrLst meth="repeat">
+      <a:schemeClr val="dk1"/>
+    </dgm:txFillClrLst>
+    <dgm:txEffectClrLst/>
+  </dgm:styleLbl>
+  <dgm:styleLbl name="trAlignAcc1">
+    <dgm:fillClrLst meth="repeat">
+      <a:schemeClr val="lt1">
+        <a:alpha val="40000"/>
+      </a:schemeClr>
+    </dgm:fillClrLst>
+    <dgm:linClrLst meth="repeat">
+      <a:schemeClr val="accent1"/>
+    </dgm:linClrLst>
+    <dgm:effectClrLst/>
+    <dgm:txLinClrLst/>
+    <dgm:txFillClrLst meth="repeat">
+      <a:schemeClr val="dk1"/>
+    </dgm:txFillClrLst>
+    <dgm:txEffectClrLst/>
+  </dgm:styleLbl>
+  <dgm:styleLbl name="bgAcc1">
+    <dgm:fillClrLst meth="repeat">
+      <a:schemeClr val="lt1">
+        <a:alpha val="90000"/>
+      </a:schemeClr>
+    </dgm:fillClrLst>
+    <dgm:linClrLst meth="repeat">
+      <a:schemeClr val="accent1"/>
+    </dgm:linClrLst>
+    <dgm:effectClrLst/>
+    <dgm:txLinClrLst/>
+    <dgm:txFillClrLst meth="repeat">
+      <a:schemeClr val="dk1"/>
+    </dgm:txFillClrLst>
+    <dgm:txEffectClrLst/>
+  </dgm:styleLbl>
+  <dgm:styleLbl name="solidFgAcc1">
+    <dgm:fillClrLst meth="repeat">
+      <a:schemeClr val="lt1"/>
+    </dgm:fillClrLst>
+    <dgm:linClrLst meth="repeat">
+      <a:schemeClr val="accent1"/>
+    </dgm:linClrLst>
+    <dgm:effectClrLst/>
+    <dgm:txLinClrLst/>
+    <dgm:txFillClrLst meth="repeat">
+      <a:schemeClr val="dk1"/>
+    </dgm:txFillClrLst>
+    <dgm:txEffectClrLst/>
+  </dgm:styleLbl>
+  <dgm:styleLbl name="solidAlignAcc1">
+    <dgm:fillClrLst meth="repeat">
+      <a:schemeClr val="lt1"/>
+    </dgm:fillClrLst>
+    <dgm:linClrLst meth="repeat">
+      <a:schemeClr val="accent1"/>
+    </dgm:linClrLst>
+    <dgm:effectClrLst/>
+    <dgm:txLinClrLst/>
+    <dgm:txFillClrLst meth="repeat">
+      <a:schemeClr val="dk1"/>
+    </dgm:txFillClrLst>
+    <dgm:txEffectClrLst/>
+  </dgm:styleLbl>
+  <dgm:styleLbl name="solidBgAcc1">
+    <dgm:fillClrLst meth="repeat">
+      <a:schemeClr val="lt1"/>
+    </dgm:fillClrLst>
+    <dgm:linClrLst meth="repeat">
+      <a:schemeClr val="accent1"/>
+    </dgm:linClrLst>
+    <dgm:effectClrLst/>
+    <dgm:txLinClrLst/>
+    <dgm:txFillClrLst meth="repeat">
+      <a:schemeClr val="dk1"/>
+    </dgm:txFillClrLst>
+    <dgm:txEffectClrLst/>
+  </dgm:styleLbl>
+  <dgm:styleLbl name="fgAccFollowNode1">
+    <dgm:fillClrLst meth="repeat">
+      <a:schemeClr val="accent1">
+        <a:alpha val="90000"/>
+        <a:tint val="40000"/>
+      </a:schemeClr>
+    </dgm:fillClrLst>
+    <dgm:linClrLst meth="repeat">
+      <a:schemeClr val="accent1">
+        <a:alpha val="90000"/>
+        <a:tint val="40000"/>
+      </a:schemeClr>
+    </dgm:linClrLst>
+    <dgm:effectClrLst/>
+    <dgm:txLinClrLst/>
+    <dgm:txFillClrLst meth="repeat">
+      <a:schemeClr val="dk1"/>
+    </dgm:txFillClrLst>
+    <dgm:txEffectClrLst/>
+  </dgm:styleLbl>
+  <dgm:styleLbl name="alignAccFollowNode1">
+    <dgm:fillClrLst meth="repeat">
+      <a:schemeClr val="accent1">
+        <a:alpha val="90000"/>
+        <a:tint val="40000"/>
+      </a:schemeClr>
+    </dgm:fillClrLst>
+    <dgm:linClrLst meth="repeat">
+      <a:schemeClr val="accent1">
+        <a:alpha val="90000"/>
+        <a:tint val="40000"/>
+      </a:schemeClr>
+    </dgm:linClrLst>
+    <dgm:effectClrLst/>
+    <dgm:txLinClrLst/>
+    <dgm:txFillClrLst meth="repeat">
+      <a:schemeClr val="dk1"/>
+    </dgm:txFillClrLst>
+    <dgm:txEffectClrLst/>
+  </dgm:styleLbl>
+  <dgm:styleLbl name="bgAccFollowNode1">
+    <dgm:fillClrLst meth="repeat">
+      <a:schemeClr val="accent1">
+        <a:alpha val="90000"/>
+        <a:tint val="40000"/>
+      </a:schemeClr>
+    </dgm:fillClrLst>
+    <dgm:linClrLst meth="repeat">
+      <a:schemeClr val="accent1">
+        <a:alpha val="90000"/>
+        <a:tint val="40000"/>
+      </a:schemeClr>
+    </dgm:linClrLst>
+    <dgm:effectClrLst/>
+    <dgm:txLinClrLst/>
+    <dgm:txFillClrLst meth="repeat">
+      <a:schemeClr val="dk1"/>
+    </dgm:txFillClrLst>
+    <dgm:txEffectClrLst/>
+  </dgm:styleLbl>
+  <dgm:styleLbl name="fgAcc0">
+    <dgm:fillClrLst meth="repeat">
+      <a:schemeClr val="lt1">
+        <a:alpha val="90000"/>
+      </a:schemeClr>
+    </dgm:fillClrLst>
+    <dgm:linClrLst meth="repeat">
+      <a:schemeClr val="accent1"/>
+    </dgm:linClrLst>
+    <dgm:effectClrLst/>
+    <dgm:txLinClrLst/>
+    <dgm:txFillClrLst meth="repeat">
+      <a:schemeClr val="dk1"/>
+    </dgm:txFillClrLst>
+    <dgm:txEffectClrLst/>
+  </dgm:styleLbl>
+  <dgm:styleLbl name="fgAcc2">
+    <dgm:fillClrLst meth="repeat">
+      <a:schemeClr val="lt1">
+        <a:alpha val="90000"/>
+      </a:schemeClr>
+    </dgm:fillClrLst>
+    <dgm:linClrLst meth="repeat">
+      <a:schemeClr val="accent1"/>
+    </dgm:linClrLst>
+    <dgm:effectClrLst/>
+    <dgm:txLinClrLst/>
+    <dgm:txFillClrLst meth="repeat">
+      <a:schemeClr val="dk1"/>
+    </dgm:txFillClrLst>
+    <dgm:txEffectClrLst/>
+  </dgm:styleLbl>
+  <dgm:styleLbl name="fgAcc3">
+    <dgm:fillClrLst meth="repeat">
+      <a:schemeClr val="lt1">
+        <a:alpha val="90000"/>
+      </a:schemeClr>
+    </dgm:fillClrLst>
+    <dgm:linClrLst meth="repeat">
+      <a:schemeClr val="accent1"/>
+    </dgm:linClrLst>
+    <dgm:effectClrLst/>
+    <dgm:txLinClrLst/>
+    <dgm:txFillClrLst meth="repeat">
+      <a:schemeClr val="dk1"/>
+    </dgm:txFillClrLst>
+    <dgm:txEffectClrLst/>
+  </dgm:styleLbl>
+  <dgm:styleLbl name="fgAcc4">
+    <dgm:fillClrLst meth="repeat">
+      <a:schemeClr val="lt1">
+        <a:alpha val="90000"/>
+      </a:schemeClr>
+    </dgm:fillClrLst>
+    <dgm:linClrLst meth="repeat">
+      <a:schemeClr val="accent1"/>
+    </dgm:linClrLst>
+    <dgm:effectClrLst/>
+    <dgm:txLinClrLst/>
+    <dgm:txFillClrLst meth="repeat">
+      <a:schemeClr val="dk1"/>
+    </dgm:txFillClrLst>
+    <dgm:txEffectClrLst/>
+  </dgm:styleLbl>
+  <dgm:styleLbl name="bgShp">
+    <dgm:fillClrLst meth="repeat">
+      <a:schemeClr val="accent1">
+        <a:tint val="40000"/>
+      </a:schemeClr>
+    </dgm:fillClrLst>
+    <dgm:linClrLst meth="repeat">
+      <a:schemeClr val="accent1"/>
+    </dgm:linClrLst>
+    <dgm:effectClrLst/>
+    <dgm:txLinClrLst/>
+    <dgm:txFillClrLst meth="repeat">
+      <a:schemeClr val="dk1"/>
+    </dgm:txFillClrLst>
+    <dgm:txEffectClrLst/>
+  </dgm:styleLbl>
+  <dgm:styleLbl name="dkBgShp">
+    <dgm:fillClrLst meth="repeat">
+      <a:schemeClr val="accent1">
+        <a:shade val="80000"/>
+      </a:schemeClr>
+    </dgm:fillClrLst>
+    <dgm:linClrLst meth="repeat">
+      <a:schemeClr val="accent1"/>
+    </dgm:linClrLst>
+    <dgm:effectClrLst/>
+    <dgm:txLinClrLst/>
+    <dgm:txFillClrLst meth="repeat">
+      <a:schemeClr val="lt1"/>
+    </dgm:txFillClrLst>
+    <dgm:txEffectClrLst/>
+  </dgm:styleLbl>
+  <dgm:styleLbl name="trBgShp">
+    <dgm:fillClrLst meth="repeat">
+      <a:schemeClr val="accent1">
+        <a:tint val="50000"/>
+        <a:alpha val="40000"/>
+      </a:schemeClr>
+    </dgm:fillClrLst>
+    <dgm:linClrLst meth="repeat">
+      <a:schemeClr val="accent1"/>
+    </dgm:linClrLst>
+    <dgm:effectClrLst/>
+    <dgm:txLinClrLst/>
+    <dgm:txFillClrLst meth="repeat">
+      <a:schemeClr val="lt1"/>
+    </dgm:txFillClrLst>
+    <dgm:txEffectClrLst/>
+  </dgm:styleLbl>
+  <dgm:styleLbl name="fgShp">
+    <dgm:fillClrLst meth="repeat">
+      <a:schemeClr val="accent1">
+        <a:tint val="60000"/>
+      </a:schemeClr>
+    </dgm:fillClrLst>
+    <dgm:linClrLst meth="repeat">
+      <a:schemeClr val="lt1"/>
+    </dgm:linClrLst>
+    <dgm:effectClrLst/>
+    <dgm:txLinClrLst/>
+    <dgm:txFillClrLst meth="repeat">
+      <a:schemeClr val="dk1"/>
+    </dgm:txFillClrLst>
+    <dgm:txEffectClrLst/>
+  </dgm:styleLbl>
+  <dgm:styleLbl name="revTx">
+    <dgm:fillClrLst meth="repeat">
+      <a:schemeClr val="lt1">
+        <a:alpha val="0"/>
+      </a:schemeClr>
+    </dgm:fillClrLst>
+    <dgm:linClrLst meth="repeat">
+      <a:schemeClr val="dk1">
+        <a:alpha val="0"/>
+      </a:schemeClr>
+    </dgm:linClrLst>
+    <dgm:effectClrLst/>
+    <dgm:txLinClrLst/>
+    <dgm:txFillClrLst meth="repeat">
+      <a:schemeClr val="tx1"/>
+    </dgm:txFillClrLst>
+    <dgm:txEffectClrLst/>
+  </dgm:styleLbl>
+</dgm:colorsDef>
+</file>
+
+<file path=ppt/diagrams/colors4.xml><?xml version="1.0" encoding="utf-8"?>
 <dgm:colorsDef xmlns:dgm="http://schemas.openxmlformats.org/drawingml/2006/diagram" xmlns:a="http://schemas.openxmlformats.org/drawingml/2006/main" uniqueId="urn:microsoft.com/office/officeart/2005/8/colors/accent1_2">
   <dgm:title val=""/>
   <dgm:desc val=""/>
@@ -3625,6 +4374,414 @@
 </file>
 
 <file path=ppt/diagrams/data3.xml><?xml version="1.0" encoding="utf-8"?>
+<dgm:dataModel xmlns:dgm="http://schemas.openxmlformats.org/drawingml/2006/diagram" xmlns:a="http://schemas.openxmlformats.org/drawingml/2006/main">
+  <dgm:ptLst>
+    <dgm:pt modelId="{3D7F4E65-D62D-4A99-9248-EC4FACD6DF94}" type="doc">
+      <dgm:prSet loTypeId="urn:microsoft.com/office/officeart/2005/8/layout/orgChart1" loCatId="hierarchy" qsTypeId="urn:microsoft.com/office/officeart/2005/8/quickstyle/simple1" qsCatId="simple" csTypeId="urn:microsoft.com/office/officeart/2005/8/colors/accent1_2" csCatId="accent1" phldr="1"/>
+      <dgm:spPr/>
+      <dgm:t>
+        <a:bodyPr/>
+        <a:lstStyle/>
+        <a:p>
+          <a:endParaRPr lang="en-US"/>
+        </a:p>
+      </dgm:t>
+    </dgm:pt>
+    <dgm:pt modelId="{557B018B-6225-46E8-BCA2-24F3FA031565}">
+      <dgm:prSet phldrT="[Text]" custT="1"/>
+      <dgm:spPr>
+        <a:solidFill>
+          <a:schemeClr val="accent1"/>
+        </a:solidFill>
+      </dgm:spPr>
+      <dgm:t>
+        <a:bodyPr/>
+        <a:lstStyle/>
+        <a:p>
+          <a:r>
+            <a:rPr lang="en-US" sz="1600" kern="1200" dirty="0">
+              <a:latin typeface="Roboto" panose="02000000000000000000" pitchFamily="2" charset="0"/>
+              <a:ea typeface="Roboto" panose="02000000000000000000" pitchFamily="2" charset="0"/>
+              <a:cs typeface="Roboto" panose="02000000000000000000" pitchFamily="2" charset="0"/>
+            </a:rPr>
+            <a:t>Pipes</a:t>
+          </a:r>
+        </a:p>
+        <a:p>
+          <a:r>
+            <a:rPr lang="en-US" sz="1200" b="0" i="0" kern="1200" dirty="0">
+              <a:solidFill>
+                <a:schemeClr val="bg1"/>
+              </a:solidFill>
+              <a:effectLst/>
+              <a:latin typeface="Roboto" panose="020B0604020202020204" pitchFamily="2" charset="0"/>
+            </a:rPr>
+            <a:t>Pipes </a:t>
+          </a:r>
+          <a:r>
+            <a:rPr lang="en-US" sz="1200" b="0" i="0" kern="1200" dirty="0">
+              <a:solidFill>
+                <a:prstClr val="white"/>
+              </a:solidFill>
+              <a:effectLst/>
+              <a:latin typeface="Roboto" panose="020B0604020202020204" pitchFamily="2" charset="0"/>
+              <a:ea typeface="+mn-ea"/>
+              <a:cs typeface="+mn-cs"/>
+            </a:rPr>
+            <a:t>are to transform strings, currency amounts, dates, and other data for display. Pipes are simple functions to use in </a:t>
+          </a:r>
+          <a:r>
+            <a:rPr lang="en-US" sz="1200" b="0" i="0" kern="1200" dirty="0">
+              <a:solidFill>
+                <a:prstClr val="white"/>
+              </a:solidFill>
+              <a:effectLst/>
+              <a:latin typeface="Roboto" panose="020B0604020202020204" pitchFamily="2" charset="0"/>
+              <a:ea typeface="+mn-ea"/>
+              <a:cs typeface="+mn-cs"/>
+              <a:hlinkClick xmlns:r="http://schemas.openxmlformats.org/officeDocument/2006/relationships" r:id="rId1" tooltip="Definition of template expression">
+                <a:extLst>
+                  <a:ext uri="{A12FA001-AC4F-418D-AE19-62706E023703}">
+                    <ahyp:hlinkClr xmlns:ahyp="http://schemas.microsoft.com/office/drawing/2018/hyperlinkcolor" val="tx"/>
+                  </a:ext>
+                </a:extLst>
+              </a:hlinkClick>
+            </a:rPr>
+            <a:t>template expressions</a:t>
+          </a:r>
+          <a:r>
+            <a:rPr lang="en-US" sz="1200" b="0" i="0" kern="1200" dirty="0">
+              <a:solidFill>
+                <a:prstClr val="white"/>
+              </a:solidFill>
+              <a:effectLst/>
+              <a:latin typeface="Roboto" panose="020B0604020202020204" pitchFamily="2" charset="0"/>
+              <a:ea typeface="+mn-ea"/>
+              <a:cs typeface="+mn-cs"/>
+            </a:rPr>
+            <a:t> to accept an input value and return a transformed value.</a:t>
+          </a:r>
+        </a:p>
+      </dgm:t>
+    </dgm:pt>
+    <dgm:pt modelId="{E91C1ECB-CEC7-4E8A-BC35-277793327F95}" type="parTrans" cxnId="{33A959DA-E02C-42AD-95BC-19AD79B9B583}">
+      <dgm:prSet/>
+      <dgm:spPr/>
+      <dgm:t>
+        <a:bodyPr/>
+        <a:lstStyle/>
+        <a:p>
+          <a:endParaRPr lang="en-US"/>
+        </a:p>
+      </dgm:t>
+    </dgm:pt>
+    <dgm:pt modelId="{9F16F8E7-A565-4177-8620-C7324C810165}" type="sibTrans" cxnId="{33A959DA-E02C-42AD-95BC-19AD79B9B583}">
+      <dgm:prSet/>
+      <dgm:spPr/>
+      <dgm:t>
+        <a:bodyPr/>
+        <a:lstStyle/>
+        <a:p>
+          <a:endParaRPr lang="en-US"/>
+        </a:p>
+      </dgm:t>
+    </dgm:pt>
+    <dgm:pt modelId="{C856E1A3-6193-40D6-8149-76EBACB3C990}">
+      <dgm:prSet phldrT="[Text]" custT="1"/>
+      <dgm:spPr>
+        <a:solidFill>
+          <a:schemeClr val="accent1"/>
+        </a:solidFill>
+      </dgm:spPr>
+      <dgm:t>
+        <a:bodyPr/>
+        <a:lstStyle/>
+        <a:p>
+          <a:r>
+            <a:rPr lang="en-US" sz="1600" dirty="0">
+              <a:solidFill>
+                <a:prstClr val="white"/>
+              </a:solidFill>
+              <a:latin typeface="Roboto" panose="02000000000000000000" pitchFamily="2" charset="0"/>
+              <a:ea typeface="Roboto" panose="02000000000000000000" pitchFamily="2" charset="0"/>
+              <a:cs typeface="Roboto" panose="02000000000000000000" pitchFamily="2" charset="0"/>
+            </a:rPr>
+            <a:t>Impure Pipes</a:t>
+          </a:r>
+        </a:p>
+        <a:p>
+          <a:r>
+            <a:rPr lang="en-US" sz="1200" b="0" i="0" dirty="0"/>
+            <a:t>Impure pipes are pipes that can detect changes within objects. Changes within objects include things like changing array entries or object properties.</a:t>
+          </a:r>
+          <a:endParaRPr lang="en-US" sz="1200" dirty="0">
+            <a:solidFill>
+              <a:schemeClr val="bg1"/>
+            </a:solidFill>
+          </a:endParaRPr>
+        </a:p>
+      </dgm:t>
+    </dgm:pt>
+    <dgm:pt modelId="{A5592191-7EE0-40EC-8D33-9AC243B08EA7}" type="parTrans" cxnId="{D502A080-E7B6-44FE-A5F7-B60A5194377F}">
+      <dgm:prSet/>
+      <dgm:spPr/>
+      <dgm:t>
+        <a:bodyPr/>
+        <a:lstStyle/>
+        <a:p>
+          <a:endParaRPr lang="en-US"/>
+        </a:p>
+      </dgm:t>
+    </dgm:pt>
+    <dgm:pt modelId="{E82BEC04-C929-441C-A87D-47ED8F48FD72}" type="sibTrans" cxnId="{D502A080-E7B6-44FE-A5F7-B60A5194377F}">
+      <dgm:prSet/>
+      <dgm:spPr/>
+      <dgm:t>
+        <a:bodyPr/>
+        <a:lstStyle/>
+        <a:p>
+          <a:endParaRPr lang="en-US"/>
+        </a:p>
+      </dgm:t>
+    </dgm:pt>
+    <dgm:pt modelId="{A6CBB1E3-F135-4558-A51C-76B99602E063}">
+      <dgm:prSet phldrT="[Text]" custT="1"/>
+      <dgm:spPr>
+        <a:solidFill>
+          <a:schemeClr val="accent1"/>
+        </a:solidFill>
+      </dgm:spPr>
+      <dgm:t>
+        <a:bodyPr/>
+        <a:lstStyle/>
+        <a:p>
+          <a:r>
+            <a:rPr lang="en-US" sz="1600" dirty="0">
+              <a:latin typeface="Roboto" panose="02000000000000000000" pitchFamily="2" charset="0"/>
+              <a:ea typeface="Roboto" panose="02000000000000000000" pitchFamily="2" charset="0"/>
+              <a:cs typeface="Roboto" panose="02000000000000000000" pitchFamily="2" charset="0"/>
+            </a:rPr>
+            <a:t>Pure Pipes</a:t>
+          </a:r>
+        </a:p>
+        <a:p>
+          <a:r>
+            <a:rPr lang="en-US" sz="1200" b="0" i="0" dirty="0"/>
+            <a:t>A pure pipe is a pipe that is run when a pure change is detected. A pure change is a change to a primitive JavaScript input value like strings, numbers, </a:t>
+          </a:r>
+          <a:r>
+            <a:rPr lang="en-US" sz="1200" b="0" i="0" dirty="0" err="1"/>
+            <a:t>booleans</a:t>
+          </a:r>
+          <a:r>
+            <a:rPr lang="en-US" sz="1200" b="0" i="0" dirty="0"/>
+            <a:t>, symbols or an object reference change.</a:t>
+          </a:r>
+          <a:r>
+            <a:rPr lang="en-US" sz="1200" b="0" i="0" dirty="0">
+              <a:solidFill>
+                <a:schemeClr val="bg1"/>
+              </a:solidFill>
+              <a:effectLst/>
+              <a:latin typeface="Roboto" panose="020B0604020202020204" pitchFamily="2" charset="0"/>
+              <a:ea typeface="+mn-ea"/>
+              <a:cs typeface="+mn-cs"/>
+            </a:rPr>
+            <a:t> </a:t>
+          </a:r>
+          <a:endParaRPr lang="en-US" sz="1200" dirty="0">
+            <a:solidFill>
+              <a:schemeClr val="bg1"/>
+            </a:solidFill>
+          </a:endParaRPr>
+        </a:p>
+      </dgm:t>
+    </dgm:pt>
+    <dgm:pt modelId="{6F68FFC5-40EF-4A16-9479-929F8CB50B81}" type="sibTrans" cxnId="{2EC0BAE4-BDE3-4A21-8551-E07EDA0383D8}">
+      <dgm:prSet/>
+      <dgm:spPr/>
+      <dgm:t>
+        <a:bodyPr/>
+        <a:lstStyle/>
+        <a:p>
+          <a:endParaRPr lang="en-US"/>
+        </a:p>
+      </dgm:t>
+    </dgm:pt>
+    <dgm:pt modelId="{9711B073-3328-4BCF-9E6C-48E5EFED3E95}" type="parTrans" cxnId="{2EC0BAE4-BDE3-4A21-8551-E07EDA0383D8}">
+      <dgm:prSet/>
+      <dgm:spPr/>
+      <dgm:t>
+        <a:bodyPr/>
+        <a:lstStyle/>
+        <a:p>
+          <a:endParaRPr lang="en-US"/>
+        </a:p>
+      </dgm:t>
+    </dgm:pt>
+    <dgm:pt modelId="{1C3B572A-DB68-4C01-93B3-166C4A5D9B63}" type="pres">
+      <dgm:prSet presAssocID="{3D7F4E65-D62D-4A99-9248-EC4FACD6DF94}" presName="hierChild1" presStyleCnt="0">
+        <dgm:presLayoutVars>
+          <dgm:orgChart val="1"/>
+          <dgm:chPref val="1"/>
+          <dgm:dir/>
+          <dgm:animOne val="branch"/>
+          <dgm:animLvl val="lvl"/>
+          <dgm:resizeHandles/>
+        </dgm:presLayoutVars>
+      </dgm:prSet>
+      <dgm:spPr/>
+    </dgm:pt>
+    <dgm:pt modelId="{435EF648-3687-46CA-BB09-004237F6EA37}" type="pres">
+      <dgm:prSet presAssocID="{557B018B-6225-46E8-BCA2-24F3FA031565}" presName="hierRoot1" presStyleCnt="0">
+        <dgm:presLayoutVars>
+          <dgm:hierBranch val="init"/>
+        </dgm:presLayoutVars>
+      </dgm:prSet>
+      <dgm:spPr/>
+    </dgm:pt>
+    <dgm:pt modelId="{580BF095-0E2D-4F2F-B6A4-42702A011A7C}" type="pres">
+      <dgm:prSet presAssocID="{557B018B-6225-46E8-BCA2-24F3FA031565}" presName="rootComposite1" presStyleCnt="0"/>
+      <dgm:spPr/>
+    </dgm:pt>
+    <dgm:pt modelId="{1E86BD52-E3D2-4407-B5D0-4D46C748F76D}" type="pres">
+      <dgm:prSet presAssocID="{557B018B-6225-46E8-BCA2-24F3FA031565}" presName="rootText1" presStyleLbl="node0" presStyleIdx="0" presStyleCnt="1" custScaleX="254944" custScaleY="117755" custLinFactNeighborX="-15402" custLinFactNeighborY="-67445">
+        <dgm:presLayoutVars>
+          <dgm:chPref val="3"/>
+        </dgm:presLayoutVars>
+      </dgm:prSet>
+      <dgm:spPr/>
+    </dgm:pt>
+    <dgm:pt modelId="{9BB6F5F0-7FB7-428A-95A5-BF89929655CE}" type="pres">
+      <dgm:prSet presAssocID="{557B018B-6225-46E8-BCA2-24F3FA031565}" presName="rootConnector1" presStyleLbl="node1" presStyleIdx="0" presStyleCnt="0"/>
+      <dgm:spPr/>
+    </dgm:pt>
+    <dgm:pt modelId="{E8736DC0-80C4-4866-A95F-1096E641738B}" type="pres">
+      <dgm:prSet presAssocID="{557B018B-6225-46E8-BCA2-24F3FA031565}" presName="hierChild2" presStyleCnt="0"/>
+      <dgm:spPr/>
+    </dgm:pt>
+    <dgm:pt modelId="{21D468D0-FC6C-4498-986F-7860DD3C3C8C}" type="pres">
+      <dgm:prSet presAssocID="{9711B073-3328-4BCF-9E6C-48E5EFED3E95}" presName="Name37" presStyleLbl="parChTrans1D2" presStyleIdx="0" presStyleCnt="2"/>
+      <dgm:spPr/>
+    </dgm:pt>
+    <dgm:pt modelId="{C5F71C52-57FA-44B8-BE91-FFCA0AE0FCA2}" type="pres">
+      <dgm:prSet presAssocID="{A6CBB1E3-F135-4558-A51C-76B99602E063}" presName="hierRoot2" presStyleCnt="0">
+        <dgm:presLayoutVars>
+          <dgm:hierBranch val="init"/>
+        </dgm:presLayoutVars>
+      </dgm:prSet>
+      <dgm:spPr/>
+    </dgm:pt>
+    <dgm:pt modelId="{C9C81E6A-D4A5-41AE-8507-CF5EBA23697A}" type="pres">
+      <dgm:prSet presAssocID="{A6CBB1E3-F135-4558-A51C-76B99602E063}" presName="rootComposite" presStyleCnt="0"/>
+      <dgm:spPr/>
+    </dgm:pt>
+    <dgm:pt modelId="{02DDA60F-49DF-4AFA-9F56-336B88AF3691}" type="pres">
+      <dgm:prSet presAssocID="{A6CBB1E3-F135-4558-A51C-76B99602E063}" presName="rootText" presStyleLbl="node2" presStyleIdx="0" presStyleCnt="2" custScaleY="169474" custLinFactNeighborX="2749" custLinFactNeighborY="-16040">
+        <dgm:presLayoutVars>
+          <dgm:chPref val="3"/>
+        </dgm:presLayoutVars>
+      </dgm:prSet>
+      <dgm:spPr/>
+    </dgm:pt>
+    <dgm:pt modelId="{36645CA7-DAAE-4E0C-8FE5-8DCCD8BB9FDE}" type="pres">
+      <dgm:prSet presAssocID="{A6CBB1E3-F135-4558-A51C-76B99602E063}" presName="rootConnector" presStyleLbl="node2" presStyleIdx="0" presStyleCnt="2"/>
+      <dgm:spPr/>
+    </dgm:pt>
+    <dgm:pt modelId="{DAA786C0-C31E-4AF5-BCFA-10083C7F26CE}" type="pres">
+      <dgm:prSet presAssocID="{A6CBB1E3-F135-4558-A51C-76B99602E063}" presName="hierChild4" presStyleCnt="0"/>
+      <dgm:spPr/>
+    </dgm:pt>
+    <dgm:pt modelId="{72CE77F2-168F-465D-8604-0808C7394D88}" type="pres">
+      <dgm:prSet presAssocID="{A6CBB1E3-F135-4558-A51C-76B99602E063}" presName="hierChild5" presStyleCnt="0"/>
+      <dgm:spPr/>
+    </dgm:pt>
+    <dgm:pt modelId="{8ED89F5E-B6C4-41C6-8889-302FF7B9A307}" type="pres">
+      <dgm:prSet presAssocID="{A5592191-7EE0-40EC-8D33-9AC243B08EA7}" presName="Name37" presStyleLbl="parChTrans1D2" presStyleIdx="1" presStyleCnt="2"/>
+      <dgm:spPr/>
+    </dgm:pt>
+    <dgm:pt modelId="{57B230CE-0E00-4107-B3A1-E40804AA97A7}" type="pres">
+      <dgm:prSet presAssocID="{C856E1A3-6193-40D6-8149-76EBACB3C990}" presName="hierRoot2" presStyleCnt="0">
+        <dgm:presLayoutVars>
+          <dgm:hierBranch val="init"/>
+        </dgm:presLayoutVars>
+      </dgm:prSet>
+      <dgm:spPr/>
+    </dgm:pt>
+    <dgm:pt modelId="{CD20011D-43FD-4FBC-8912-3304758E94A8}" type="pres">
+      <dgm:prSet presAssocID="{C856E1A3-6193-40D6-8149-76EBACB3C990}" presName="rootComposite" presStyleCnt="0"/>
+      <dgm:spPr/>
+    </dgm:pt>
+    <dgm:pt modelId="{0880DED7-6099-48D0-A876-849DB062DF51}" type="pres">
+      <dgm:prSet presAssocID="{C856E1A3-6193-40D6-8149-76EBACB3C990}" presName="rootText" presStyleLbl="node2" presStyleIdx="1" presStyleCnt="2" custScaleY="166259" custLinFactNeighborX="3796" custLinFactNeighborY="-16150">
+        <dgm:presLayoutVars>
+          <dgm:chPref val="3"/>
+        </dgm:presLayoutVars>
+      </dgm:prSet>
+      <dgm:spPr/>
+    </dgm:pt>
+    <dgm:pt modelId="{3EFA0C27-A087-4908-9D1B-7EA9744D1B4F}" type="pres">
+      <dgm:prSet presAssocID="{C856E1A3-6193-40D6-8149-76EBACB3C990}" presName="rootConnector" presStyleLbl="node2" presStyleIdx="1" presStyleCnt="2"/>
+      <dgm:spPr/>
+    </dgm:pt>
+    <dgm:pt modelId="{AAD2B48D-E413-430A-A62D-F3839C423450}" type="pres">
+      <dgm:prSet presAssocID="{C856E1A3-6193-40D6-8149-76EBACB3C990}" presName="hierChild4" presStyleCnt="0"/>
+      <dgm:spPr/>
+    </dgm:pt>
+    <dgm:pt modelId="{2E358427-C918-4ED2-92FD-648648DB466B}" type="pres">
+      <dgm:prSet presAssocID="{C856E1A3-6193-40D6-8149-76EBACB3C990}" presName="hierChild5" presStyleCnt="0"/>
+      <dgm:spPr/>
+    </dgm:pt>
+    <dgm:pt modelId="{DA187F24-2219-4A85-84FE-3BB78935DD56}" type="pres">
+      <dgm:prSet presAssocID="{557B018B-6225-46E8-BCA2-24F3FA031565}" presName="hierChild3" presStyleCnt="0"/>
+      <dgm:spPr/>
+    </dgm:pt>
+  </dgm:ptLst>
+  <dgm:cxnLst>
+    <dgm:cxn modelId="{3A4CB207-9CBF-4799-B93A-B0EDAF906E67}" type="presOf" srcId="{557B018B-6225-46E8-BCA2-24F3FA031565}" destId="{1E86BD52-E3D2-4407-B5D0-4D46C748F76D}" srcOrd="0" destOrd="0" presId="urn:microsoft.com/office/officeart/2005/8/layout/orgChart1"/>
+    <dgm:cxn modelId="{36FD9030-7C6A-442E-9CE7-1A5ABCCB2A80}" type="presOf" srcId="{A6CBB1E3-F135-4558-A51C-76B99602E063}" destId="{02DDA60F-49DF-4AFA-9F56-336B88AF3691}" srcOrd="0" destOrd="0" presId="urn:microsoft.com/office/officeart/2005/8/layout/orgChart1"/>
+    <dgm:cxn modelId="{5EC14667-DEA0-427E-9B48-40C30F3A3FF7}" type="presOf" srcId="{A6CBB1E3-F135-4558-A51C-76B99602E063}" destId="{36645CA7-DAAE-4E0C-8FE5-8DCCD8BB9FDE}" srcOrd="1" destOrd="0" presId="urn:microsoft.com/office/officeart/2005/8/layout/orgChart1"/>
+    <dgm:cxn modelId="{7E6B5E52-7BE6-4537-9396-F9CBC7A93DDC}" type="presOf" srcId="{557B018B-6225-46E8-BCA2-24F3FA031565}" destId="{9BB6F5F0-7FB7-428A-95A5-BF89929655CE}" srcOrd="1" destOrd="0" presId="urn:microsoft.com/office/officeart/2005/8/layout/orgChart1"/>
+    <dgm:cxn modelId="{EDA5BF7B-89B9-4D10-B898-837E661AFEAF}" type="presOf" srcId="{3D7F4E65-D62D-4A99-9248-EC4FACD6DF94}" destId="{1C3B572A-DB68-4C01-93B3-166C4A5D9B63}" srcOrd="0" destOrd="0" presId="urn:microsoft.com/office/officeart/2005/8/layout/orgChart1"/>
+    <dgm:cxn modelId="{D502A080-E7B6-44FE-A5F7-B60A5194377F}" srcId="{557B018B-6225-46E8-BCA2-24F3FA031565}" destId="{C856E1A3-6193-40D6-8149-76EBACB3C990}" srcOrd="1" destOrd="0" parTransId="{A5592191-7EE0-40EC-8D33-9AC243B08EA7}" sibTransId="{E82BEC04-C929-441C-A87D-47ED8F48FD72}"/>
+    <dgm:cxn modelId="{6D05419B-BE8D-4AE5-A043-EDF2655D3BD3}" type="presOf" srcId="{C856E1A3-6193-40D6-8149-76EBACB3C990}" destId="{3EFA0C27-A087-4908-9D1B-7EA9744D1B4F}" srcOrd="1" destOrd="0" presId="urn:microsoft.com/office/officeart/2005/8/layout/orgChart1"/>
+    <dgm:cxn modelId="{6D54129F-E55D-4310-8572-86ECA32D4F87}" type="presOf" srcId="{C856E1A3-6193-40D6-8149-76EBACB3C990}" destId="{0880DED7-6099-48D0-A876-849DB062DF51}" srcOrd="0" destOrd="0" presId="urn:microsoft.com/office/officeart/2005/8/layout/orgChart1"/>
+    <dgm:cxn modelId="{367114C6-FE8A-4D23-A4EB-F482B6532253}" type="presOf" srcId="{9711B073-3328-4BCF-9E6C-48E5EFED3E95}" destId="{21D468D0-FC6C-4498-986F-7860DD3C3C8C}" srcOrd="0" destOrd="0" presId="urn:microsoft.com/office/officeart/2005/8/layout/orgChart1"/>
+    <dgm:cxn modelId="{33A959DA-E02C-42AD-95BC-19AD79B9B583}" srcId="{3D7F4E65-D62D-4A99-9248-EC4FACD6DF94}" destId="{557B018B-6225-46E8-BCA2-24F3FA031565}" srcOrd="0" destOrd="0" parTransId="{E91C1ECB-CEC7-4E8A-BC35-277793327F95}" sibTransId="{9F16F8E7-A565-4177-8620-C7324C810165}"/>
+    <dgm:cxn modelId="{2EC0BAE4-BDE3-4A21-8551-E07EDA0383D8}" srcId="{557B018B-6225-46E8-BCA2-24F3FA031565}" destId="{A6CBB1E3-F135-4558-A51C-76B99602E063}" srcOrd="0" destOrd="0" parTransId="{9711B073-3328-4BCF-9E6C-48E5EFED3E95}" sibTransId="{6F68FFC5-40EF-4A16-9479-929F8CB50B81}"/>
+    <dgm:cxn modelId="{700221F1-ED54-4274-A849-96604AAC0912}" type="presOf" srcId="{A5592191-7EE0-40EC-8D33-9AC243B08EA7}" destId="{8ED89F5E-B6C4-41C6-8889-302FF7B9A307}" srcOrd="0" destOrd="0" presId="urn:microsoft.com/office/officeart/2005/8/layout/orgChart1"/>
+    <dgm:cxn modelId="{DC051128-FFCF-40CD-B3AE-535A509A5912}" type="presParOf" srcId="{1C3B572A-DB68-4C01-93B3-166C4A5D9B63}" destId="{435EF648-3687-46CA-BB09-004237F6EA37}" srcOrd="0" destOrd="0" presId="urn:microsoft.com/office/officeart/2005/8/layout/orgChart1"/>
+    <dgm:cxn modelId="{0BB4EF91-A218-40AD-80E4-399FEDFB8261}" type="presParOf" srcId="{435EF648-3687-46CA-BB09-004237F6EA37}" destId="{580BF095-0E2D-4F2F-B6A4-42702A011A7C}" srcOrd="0" destOrd="0" presId="urn:microsoft.com/office/officeart/2005/8/layout/orgChart1"/>
+    <dgm:cxn modelId="{46BA2381-C68C-49ED-8157-5FD52ED2A4F7}" type="presParOf" srcId="{580BF095-0E2D-4F2F-B6A4-42702A011A7C}" destId="{1E86BD52-E3D2-4407-B5D0-4D46C748F76D}" srcOrd="0" destOrd="0" presId="urn:microsoft.com/office/officeart/2005/8/layout/orgChart1"/>
+    <dgm:cxn modelId="{06B3F384-3AB2-4116-9FD3-D3DFDC2F5E42}" type="presParOf" srcId="{580BF095-0E2D-4F2F-B6A4-42702A011A7C}" destId="{9BB6F5F0-7FB7-428A-95A5-BF89929655CE}" srcOrd="1" destOrd="0" presId="urn:microsoft.com/office/officeart/2005/8/layout/orgChart1"/>
+    <dgm:cxn modelId="{0E49AF93-131E-4669-AD6A-B3A76D1E8C3B}" type="presParOf" srcId="{435EF648-3687-46CA-BB09-004237F6EA37}" destId="{E8736DC0-80C4-4866-A95F-1096E641738B}" srcOrd="1" destOrd="0" presId="urn:microsoft.com/office/officeart/2005/8/layout/orgChart1"/>
+    <dgm:cxn modelId="{1299503B-5D19-4FD9-8F4B-6E9A1884212A}" type="presParOf" srcId="{E8736DC0-80C4-4866-A95F-1096E641738B}" destId="{21D468D0-FC6C-4498-986F-7860DD3C3C8C}" srcOrd="0" destOrd="0" presId="urn:microsoft.com/office/officeart/2005/8/layout/orgChart1"/>
+    <dgm:cxn modelId="{639A253A-5A12-4D9D-97A3-380A4FF1D246}" type="presParOf" srcId="{E8736DC0-80C4-4866-A95F-1096E641738B}" destId="{C5F71C52-57FA-44B8-BE91-FFCA0AE0FCA2}" srcOrd="1" destOrd="0" presId="urn:microsoft.com/office/officeart/2005/8/layout/orgChart1"/>
+    <dgm:cxn modelId="{37D1CB1E-AC86-41C0-A4CC-01BCAC4CC540}" type="presParOf" srcId="{C5F71C52-57FA-44B8-BE91-FFCA0AE0FCA2}" destId="{C9C81E6A-D4A5-41AE-8507-CF5EBA23697A}" srcOrd="0" destOrd="0" presId="urn:microsoft.com/office/officeart/2005/8/layout/orgChart1"/>
+    <dgm:cxn modelId="{1CAB3F23-3E95-4CD7-8F45-4FAE32AEB70D}" type="presParOf" srcId="{C9C81E6A-D4A5-41AE-8507-CF5EBA23697A}" destId="{02DDA60F-49DF-4AFA-9F56-336B88AF3691}" srcOrd="0" destOrd="0" presId="urn:microsoft.com/office/officeart/2005/8/layout/orgChart1"/>
+    <dgm:cxn modelId="{D7F22DBF-5066-4CED-84F8-C1FBC759F775}" type="presParOf" srcId="{C9C81E6A-D4A5-41AE-8507-CF5EBA23697A}" destId="{36645CA7-DAAE-4E0C-8FE5-8DCCD8BB9FDE}" srcOrd="1" destOrd="0" presId="urn:microsoft.com/office/officeart/2005/8/layout/orgChart1"/>
+    <dgm:cxn modelId="{E2427E28-33B0-438A-80C5-C377B2BE9337}" type="presParOf" srcId="{C5F71C52-57FA-44B8-BE91-FFCA0AE0FCA2}" destId="{DAA786C0-C31E-4AF5-BCFA-10083C7F26CE}" srcOrd="1" destOrd="0" presId="urn:microsoft.com/office/officeart/2005/8/layout/orgChart1"/>
+    <dgm:cxn modelId="{6D238DBF-DC51-4231-9E94-B260CF57DD35}" type="presParOf" srcId="{C5F71C52-57FA-44B8-BE91-FFCA0AE0FCA2}" destId="{72CE77F2-168F-465D-8604-0808C7394D88}" srcOrd="2" destOrd="0" presId="urn:microsoft.com/office/officeart/2005/8/layout/orgChart1"/>
+    <dgm:cxn modelId="{950BDCC6-D55F-45FA-98F8-DBB99B10AAEE}" type="presParOf" srcId="{E8736DC0-80C4-4866-A95F-1096E641738B}" destId="{8ED89F5E-B6C4-41C6-8889-302FF7B9A307}" srcOrd="2" destOrd="0" presId="urn:microsoft.com/office/officeart/2005/8/layout/orgChart1"/>
+    <dgm:cxn modelId="{0D9EF6FD-FADA-456F-9711-55828D63B036}" type="presParOf" srcId="{E8736DC0-80C4-4866-A95F-1096E641738B}" destId="{57B230CE-0E00-4107-B3A1-E40804AA97A7}" srcOrd="3" destOrd="0" presId="urn:microsoft.com/office/officeart/2005/8/layout/orgChart1"/>
+    <dgm:cxn modelId="{63F1D32F-8B03-45A2-9894-2D33BBFC88D3}" type="presParOf" srcId="{57B230CE-0E00-4107-B3A1-E40804AA97A7}" destId="{CD20011D-43FD-4FBC-8912-3304758E94A8}" srcOrd="0" destOrd="0" presId="urn:microsoft.com/office/officeart/2005/8/layout/orgChart1"/>
+    <dgm:cxn modelId="{60221BB2-8B88-438C-8966-EA0D8FFCE7C4}" type="presParOf" srcId="{CD20011D-43FD-4FBC-8912-3304758E94A8}" destId="{0880DED7-6099-48D0-A876-849DB062DF51}" srcOrd="0" destOrd="0" presId="urn:microsoft.com/office/officeart/2005/8/layout/orgChart1"/>
+    <dgm:cxn modelId="{57E5E929-71A6-4E80-89C3-6214A4C747BA}" type="presParOf" srcId="{CD20011D-43FD-4FBC-8912-3304758E94A8}" destId="{3EFA0C27-A087-4908-9D1B-7EA9744D1B4F}" srcOrd="1" destOrd="0" presId="urn:microsoft.com/office/officeart/2005/8/layout/orgChart1"/>
+    <dgm:cxn modelId="{A30F7A85-A40B-445F-AF17-EF8F2D3E8E10}" type="presParOf" srcId="{57B230CE-0E00-4107-B3A1-E40804AA97A7}" destId="{AAD2B48D-E413-430A-A62D-F3839C423450}" srcOrd="1" destOrd="0" presId="urn:microsoft.com/office/officeart/2005/8/layout/orgChart1"/>
+    <dgm:cxn modelId="{EC31916C-F3B8-484B-838B-57D3504A8BFE}" type="presParOf" srcId="{57B230CE-0E00-4107-B3A1-E40804AA97A7}" destId="{2E358427-C918-4ED2-92FD-648648DB466B}" srcOrd="2" destOrd="0" presId="urn:microsoft.com/office/officeart/2005/8/layout/orgChart1"/>
+    <dgm:cxn modelId="{CC5975B1-7E08-4715-B1C4-E9D61425B5B9}" type="presParOf" srcId="{435EF648-3687-46CA-BB09-004237F6EA37}" destId="{DA187F24-2219-4A85-84FE-3BB78935DD56}" srcOrd="2" destOrd="0" presId="urn:microsoft.com/office/officeart/2005/8/layout/orgChart1"/>
+  </dgm:cxnLst>
+  <dgm:bg/>
+  <dgm:whole/>
+  <dgm:extLst>
+    <a:ext uri="http://schemas.microsoft.com/office/drawing/2008/diagram">
+      <dsp:dataModelExt xmlns:dsp="http://schemas.microsoft.com/office/drawing/2008/diagram" relId="rId6" minVer="http://schemas.openxmlformats.org/drawingml/2006/diagram"/>
+    </a:ext>
+  </dgm:extLst>
+</dgm:dataModel>
+</file>
+
+<file path=ppt/diagrams/data4.xml><?xml version="1.0" encoding="utf-8"?>
 <dgm:dataModel xmlns:dgm="http://schemas.openxmlformats.org/drawingml/2006/diagram" xmlns:a="http://schemas.openxmlformats.org/drawingml/2006/main">
   <dgm:ptLst>
     <dgm:pt modelId="{8047FB5B-810E-45D1-AFC9-81FDB503C999}" type="doc">
@@ -5617,6 +6774,509 @@
       <dsp:cNvGrpSpPr/>
     </dsp:nvGrpSpPr>
     <dsp:grpSpPr/>
+    <dsp:sp modelId="{8ED89F5E-B6C4-41C6-8889-302FF7B9A307}">
+      <dsp:nvSpPr>
+        <dsp:cNvPr id="0" name=""/>
+        <dsp:cNvSpPr/>
+      </dsp:nvSpPr>
+      <dsp:spPr>
+        <a:xfrm>
+          <a:off x="3361720" y="1552731"/>
+          <a:ext cx="1699037" cy="632140"/>
+        </a:xfrm>
+        <a:custGeom>
+          <a:avLst/>
+          <a:gdLst/>
+          <a:ahLst/>
+          <a:cxnLst/>
+          <a:rect l="0" t="0" r="0" b="0"/>
+          <a:pathLst>
+            <a:path>
+              <a:moveTo>
+                <a:pt x="0" y="0"/>
+              </a:moveTo>
+              <a:lnTo>
+                <a:pt x="0" y="355232"/>
+              </a:lnTo>
+              <a:lnTo>
+                <a:pt x="1699037" y="355232"/>
+              </a:lnTo>
+              <a:lnTo>
+                <a:pt x="1699037" y="632140"/>
+              </a:lnTo>
+            </a:path>
+          </a:pathLst>
+        </a:custGeom>
+        <a:noFill/>
+        <a:ln w="12700" cap="flat" cmpd="sng" algn="ctr">
+          <a:solidFill>
+            <a:schemeClr val="accent1">
+              <a:shade val="60000"/>
+              <a:hueOff val="0"/>
+              <a:satOff val="0"/>
+              <a:lumOff val="0"/>
+              <a:alphaOff val="0"/>
+            </a:schemeClr>
+          </a:solidFill>
+          <a:prstDash val="solid"/>
+          <a:miter lim="800000"/>
+        </a:ln>
+        <a:effectLst/>
+      </dsp:spPr>
+      <dsp:style>
+        <a:lnRef idx="2">
+          <a:scrgbClr r="0" g="0" b="0"/>
+        </a:lnRef>
+        <a:fillRef idx="0">
+          <a:scrgbClr r="0" g="0" b="0"/>
+        </a:fillRef>
+        <a:effectRef idx="0">
+          <a:scrgbClr r="0" g="0" b="0"/>
+        </a:effectRef>
+        <a:fontRef idx="minor"/>
+      </dsp:style>
+    </dsp:sp>
+    <dsp:sp modelId="{21D468D0-FC6C-4498-986F-7860DD3C3C8C}">
+      <dsp:nvSpPr>
+        <dsp:cNvPr id="0" name=""/>
+        <dsp:cNvSpPr/>
+      </dsp:nvSpPr>
+      <dsp:spPr>
+        <a:xfrm>
+          <a:off x="1842106" y="1552731"/>
+          <a:ext cx="1519614" cy="633591"/>
+        </a:xfrm>
+        <a:custGeom>
+          <a:avLst/>
+          <a:gdLst/>
+          <a:ahLst/>
+          <a:cxnLst/>
+          <a:rect l="0" t="0" r="0" b="0"/>
+          <a:pathLst>
+            <a:path>
+              <a:moveTo>
+                <a:pt x="1519614" y="0"/>
+              </a:moveTo>
+              <a:lnTo>
+                <a:pt x="1519614" y="356682"/>
+              </a:lnTo>
+              <a:lnTo>
+                <a:pt x="0" y="356682"/>
+              </a:lnTo>
+              <a:lnTo>
+                <a:pt x="0" y="633591"/>
+              </a:lnTo>
+            </a:path>
+          </a:pathLst>
+        </a:custGeom>
+        <a:noFill/>
+        <a:ln w="12700" cap="flat" cmpd="sng" algn="ctr">
+          <a:solidFill>
+            <a:schemeClr val="accent1">
+              <a:shade val="60000"/>
+              <a:hueOff val="0"/>
+              <a:satOff val="0"/>
+              <a:lumOff val="0"/>
+              <a:alphaOff val="0"/>
+            </a:schemeClr>
+          </a:solidFill>
+          <a:prstDash val="solid"/>
+          <a:miter lim="800000"/>
+        </a:ln>
+        <a:effectLst/>
+      </dsp:spPr>
+      <dsp:style>
+        <a:lnRef idx="2">
+          <a:scrgbClr r="0" g="0" b="0"/>
+        </a:lnRef>
+        <a:fillRef idx="0">
+          <a:scrgbClr r="0" g="0" b="0"/>
+        </a:fillRef>
+        <a:effectRef idx="0">
+          <a:scrgbClr r="0" g="0" b="0"/>
+        </a:effectRef>
+        <a:fontRef idx="minor"/>
+      </dsp:style>
+    </dsp:sp>
+    <dsp:sp modelId="{1E86BD52-E3D2-4407-B5D0-4D46C748F76D}">
+      <dsp:nvSpPr>
+        <dsp:cNvPr id="0" name=""/>
+        <dsp:cNvSpPr/>
+      </dsp:nvSpPr>
+      <dsp:spPr>
+        <a:xfrm>
+          <a:off x="0" y="0"/>
+          <a:ext cx="6723441" cy="1552731"/>
+        </a:xfrm>
+        <a:prstGeom prst="rect">
+          <a:avLst/>
+        </a:prstGeom>
+        <a:solidFill>
+          <a:schemeClr val="accent1"/>
+        </a:solidFill>
+        <a:ln w="12700" cap="flat" cmpd="sng" algn="ctr">
+          <a:solidFill>
+            <a:schemeClr val="lt1">
+              <a:hueOff val="0"/>
+              <a:satOff val="0"/>
+              <a:lumOff val="0"/>
+              <a:alphaOff val="0"/>
+            </a:schemeClr>
+          </a:solidFill>
+          <a:prstDash val="solid"/>
+          <a:miter lim="800000"/>
+        </a:ln>
+        <a:effectLst/>
+      </dsp:spPr>
+      <dsp:style>
+        <a:lnRef idx="2">
+          <a:scrgbClr r="0" g="0" b="0"/>
+        </a:lnRef>
+        <a:fillRef idx="1">
+          <a:scrgbClr r="0" g="0" b="0"/>
+        </a:fillRef>
+        <a:effectRef idx="0">
+          <a:scrgbClr r="0" g="0" b="0"/>
+        </a:effectRef>
+        <a:fontRef idx="minor">
+          <a:schemeClr val="lt1"/>
+        </a:fontRef>
+      </dsp:style>
+      <dsp:txBody>
+        <a:bodyPr spcFirstLastPara="0" vert="horz" wrap="square" lIns="10160" tIns="10160" rIns="10160" bIns="10160" numCol="1" spcCol="1270" anchor="ctr" anchorCtr="0">
+          <a:noAutofit/>
+        </a:bodyPr>
+        <a:lstStyle/>
+        <a:p>
+          <a:pPr marL="0" lvl="0" indent="0" algn="ctr" defTabSz="711200">
+            <a:lnSpc>
+              <a:spcPct val="90000"/>
+            </a:lnSpc>
+            <a:spcBef>
+              <a:spcPct val="0"/>
+            </a:spcBef>
+            <a:spcAft>
+              <a:spcPct val="35000"/>
+            </a:spcAft>
+            <a:buNone/>
+          </a:pPr>
+          <a:r>
+            <a:rPr lang="en-US" sz="1600" kern="1200" dirty="0">
+              <a:latin typeface="Roboto" panose="02000000000000000000" pitchFamily="2" charset="0"/>
+              <a:ea typeface="Roboto" panose="02000000000000000000" pitchFamily="2" charset="0"/>
+              <a:cs typeface="Roboto" panose="02000000000000000000" pitchFamily="2" charset="0"/>
+            </a:rPr>
+            <a:t>Pipes</a:t>
+          </a:r>
+        </a:p>
+        <a:p>
+          <a:pPr marL="0" lvl="0" indent="0" algn="ctr" defTabSz="711200">
+            <a:lnSpc>
+              <a:spcPct val="90000"/>
+            </a:lnSpc>
+            <a:spcBef>
+              <a:spcPct val="0"/>
+            </a:spcBef>
+            <a:spcAft>
+              <a:spcPct val="35000"/>
+            </a:spcAft>
+            <a:buNone/>
+          </a:pPr>
+          <a:r>
+            <a:rPr lang="en-US" sz="1200" b="0" i="0" kern="1200" dirty="0">
+              <a:solidFill>
+                <a:schemeClr val="bg1"/>
+              </a:solidFill>
+              <a:effectLst/>
+              <a:latin typeface="Roboto" panose="020B0604020202020204" pitchFamily="2" charset="0"/>
+            </a:rPr>
+            <a:t>Pipes </a:t>
+          </a:r>
+          <a:r>
+            <a:rPr lang="en-US" sz="1200" b="0" i="0" kern="1200" dirty="0">
+              <a:solidFill>
+                <a:prstClr val="white"/>
+              </a:solidFill>
+              <a:effectLst/>
+              <a:latin typeface="Roboto" panose="020B0604020202020204" pitchFamily="2" charset="0"/>
+              <a:ea typeface="+mn-ea"/>
+              <a:cs typeface="+mn-cs"/>
+            </a:rPr>
+            <a:t>are to transform strings, currency amounts, dates, and other data for display. Pipes are simple functions to use in </a:t>
+          </a:r>
+          <a:r>
+            <a:rPr lang="en-US" sz="1200" b="0" i="0" kern="1200" dirty="0">
+              <a:solidFill>
+                <a:prstClr val="white"/>
+              </a:solidFill>
+              <a:effectLst/>
+              <a:latin typeface="Roboto" panose="020B0604020202020204" pitchFamily="2" charset="0"/>
+              <a:ea typeface="+mn-ea"/>
+              <a:cs typeface="+mn-cs"/>
+              <a:hlinkClick xmlns:r="http://schemas.openxmlformats.org/officeDocument/2006/relationships" r:id="rId1" tooltip="Definition of template expression">
+                <a:extLst>
+                  <a:ext uri="{A12FA001-AC4F-418D-AE19-62706E023703}">
+                    <ahyp:hlinkClr xmlns:ahyp="http://schemas.microsoft.com/office/drawing/2018/hyperlinkcolor" val="tx"/>
+                  </a:ext>
+                </a:extLst>
+              </a:hlinkClick>
+            </a:rPr>
+            <a:t>template expressions</a:t>
+          </a:r>
+          <a:r>
+            <a:rPr lang="en-US" sz="1200" b="0" i="0" kern="1200" dirty="0">
+              <a:solidFill>
+                <a:prstClr val="white"/>
+              </a:solidFill>
+              <a:effectLst/>
+              <a:latin typeface="Roboto" panose="020B0604020202020204" pitchFamily="2" charset="0"/>
+              <a:ea typeface="+mn-ea"/>
+              <a:cs typeface="+mn-cs"/>
+            </a:rPr>
+            <a:t> to accept an input value and return a transformed value.</a:t>
+          </a:r>
+        </a:p>
+      </dsp:txBody>
+      <dsp:txXfrm>
+        <a:off x="0" y="0"/>
+        <a:ext cx="6723441" cy="1552731"/>
+      </dsp:txXfrm>
+    </dsp:sp>
+    <dsp:sp modelId="{02DDA60F-49DF-4AFA-9F56-336B88AF3691}">
+      <dsp:nvSpPr>
+        <dsp:cNvPr id="0" name=""/>
+        <dsp:cNvSpPr/>
+      </dsp:nvSpPr>
+      <dsp:spPr>
+        <a:xfrm>
+          <a:off x="523495" y="2186322"/>
+          <a:ext cx="2637223" cy="2234703"/>
+        </a:xfrm>
+        <a:prstGeom prst="rect">
+          <a:avLst/>
+        </a:prstGeom>
+        <a:solidFill>
+          <a:schemeClr val="accent1"/>
+        </a:solidFill>
+        <a:ln w="12700" cap="flat" cmpd="sng" algn="ctr">
+          <a:solidFill>
+            <a:schemeClr val="lt1">
+              <a:hueOff val="0"/>
+              <a:satOff val="0"/>
+              <a:lumOff val="0"/>
+              <a:alphaOff val="0"/>
+            </a:schemeClr>
+          </a:solidFill>
+          <a:prstDash val="solid"/>
+          <a:miter lim="800000"/>
+        </a:ln>
+        <a:effectLst/>
+      </dsp:spPr>
+      <dsp:style>
+        <a:lnRef idx="2">
+          <a:scrgbClr r="0" g="0" b="0"/>
+        </a:lnRef>
+        <a:fillRef idx="1">
+          <a:scrgbClr r="0" g="0" b="0"/>
+        </a:fillRef>
+        <a:effectRef idx="0">
+          <a:scrgbClr r="0" g="0" b="0"/>
+        </a:effectRef>
+        <a:fontRef idx="minor">
+          <a:schemeClr val="lt1"/>
+        </a:fontRef>
+      </dsp:style>
+      <dsp:txBody>
+        <a:bodyPr spcFirstLastPara="0" vert="horz" wrap="square" lIns="10160" tIns="10160" rIns="10160" bIns="10160" numCol="1" spcCol="1270" anchor="ctr" anchorCtr="0">
+          <a:noAutofit/>
+        </a:bodyPr>
+        <a:lstStyle/>
+        <a:p>
+          <a:pPr marL="0" lvl="0" indent="0" algn="ctr" defTabSz="711200">
+            <a:lnSpc>
+              <a:spcPct val="90000"/>
+            </a:lnSpc>
+            <a:spcBef>
+              <a:spcPct val="0"/>
+            </a:spcBef>
+            <a:spcAft>
+              <a:spcPct val="35000"/>
+            </a:spcAft>
+            <a:buNone/>
+          </a:pPr>
+          <a:r>
+            <a:rPr lang="en-US" sz="1600" kern="1200" dirty="0">
+              <a:latin typeface="Roboto" panose="02000000000000000000" pitchFamily="2" charset="0"/>
+              <a:ea typeface="Roboto" panose="02000000000000000000" pitchFamily="2" charset="0"/>
+              <a:cs typeface="Roboto" panose="02000000000000000000" pitchFamily="2" charset="0"/>
+            </a:rPr>
+            <a:t>Pure Pipes</a:t>
+          </a:r>
+        </a:p>
+        <a:p>
+          <a:pPr marL="0" lvl="0" indent="0" algn="ctr" defTabSz="711200">
+            <a:lnSpc>
+              <a:spcPct val="90000"/>
+            </a:lnSpc>
+            <a:spcBef>
+              <a:spcPct val="0"/>
+            </a:spcBef>
+            <a:spcAft>
+              <a:spcPct val="35000"/>
+            </a:spcAft>
+            <a:buNone/>
+          </a:pPr>
+          <a:r>
+            <a:rPr lang="en-US" sz="1200" b="0" i="0" kern="1200" dirty="0"/>
+            <a:t>A pure pipe is a pipe that is run when a pure change is detected. A pure change is a change to a primitive JavaScript input value like strings, numbers, </a:t>
+          </a:r>
+          <a:r>
+            <a:rPr lang="en-US" sz="1200" b="0" i="0" kern="1200" dirty="0" err="1"/>
+            <a:t>booleans</a:t>
+          </a:r>
+          <a:r>
+            <a:rPr lang="en-US" sz="1200" b="0" i="0" kern="1200" dirty="0"/>
+            <a:t>, symbols or an object reference change.</a:t>
+          </a:r>
+          <a:r>
+            <a:rPr lang="en-US" sz="1200" b="0" i="0" kern="1200" dirty="0">
+              <a:solidFill>
+                <a:schemeClr val="bg1"/>
+              </a:solidFill>
+              <a:effectLst/>
+              <a:latin typeface="Roboto" panose="020B0604020202020204" pitchFamily="2" charset="0"/>
+              <a:ea typeface="+mn-ea"/>
+              <a:cs typeface="+mn-cs"/>
+            </a:rPr>
+            <a:t> </a:t>
+          </a:r>
+          <a:endParaRPr lang="en-US" sz="1200" kern="1200" dirty="0">
+            <a:solidFill>
+              <a:schemeClr val="bg1"/>
+            </a:solidFill>
+          </a:endParaRPr>
+        </a:p>
+      </dsp:txBody>
+      <dsp:txXfrm>
+        <a:off x="523495" y="2186322"/>
+        <a:ext cx="2637223" cy="2234703"/>
+      </dsp:txXfrm>
+    </dsp:sp>
+    <dsp:sp modelId="{0880DED7-6099-48D0-A876-849DB062DF51}">
+      <dsp:nvSpPr>
+        <dsp:cNvPr id="0" name=""/>
+        <dsp:cNvSpPr/>
+      </dsp:nvSpPr>
+      <dsp:spPr>
+        <a:xfrm>
+          <a:off x="3742146" y="2184871"/>
+          <a:ext cx="2637223" cy="2192310"/>
+        </a:xfrm>
+        <a:prstGeom prst="rect">
+          <a:avLst/>
+        </a:prstGeom>
+        <a:solidFill>
+          <a:schemeClr val="accent1"/>
+        </a:solidFill>
+        <a:ln w="12700" cap="flat" cmpd="sng" algn="ctr">
+          <a:solidFill>
+            <a:schemeClr val="lt1">
+              <a:hueOff val="0"/>
+              <a:satOff val="0"/>
+              <a:lumOff val="0"/>
+              <a:alphaOff val="0"/>
+            </a:schemeClr>
+          </a:solidFill>
+          <a:prstDash val="solid"/>
+          <a:miter lim="800000"/>
+        </a:ln>
+        <a:effectLst/>
+      </dsp:spPr>
+      <dsp:style>
+        <a:lnRef idx="2">
+          <a:scrgbClr r="0" g="0" b="0"/>
+        </a:lnRef>
+        <a:fillRef idx="1">
+          <a:scrgbClr r="0" g="0" b="0"/>
+        </a:fillRef>
+        <a:effectRef idx="0">
+          <a:scrgbClr r="0" g="0" b="0"/>
+        </a:effectRef>
+        <a:fontRef idx="minor">
+          <a:schemeClr val="lt1"/>
+        </a:fontRef>
+      </dsp:style>
+      <dsp:txBody>
+        <a:bodyPr spcFirstLastPara="0" vert="horz" wrap="square" lIns="10160" tIns="10160" rIns="10160" bIns="10160" numCol="1" spcCol="1270" anchor="ctr" anchorCtr="0">
+          <a:noAutofit/>
+        </a:bodyPr>
+        <a:lstStyle/>
+        <a:p>
+          <a:pPr marL="0" lvl="0" indent="0" algn="ctr" defTabSz="711200">
+            <a:lnSpc>
+              <a:spcPct val="90000"/>
+            </a:lnSpc>
+            <a:spcBef>
+              <a:spcPct val="0"/>
+            </a:spcBef>
+            <a:spcAft>
+              <a:spcPct val="35000"/>
+            </a:spcAft>
+            <a:buNone/>
+          </a:pPr>
+          <a:r>
+            <a:rPr lang="en-US" sz="1600" kern="1200" dirty="0">
+              <a:solidFill>
+                <a:prstClr val="white"/>
+              </a:solidFill>
+              <a:latin typeface="Roboto" panose="02000000000000000000" pitchFamily="2" charset="0"/>
+              <a:ea typeface="Roboto" panose="02000000000000000000" pitchFamily="2" charset="0"/>
+              <a:cs typeface="Roboto" panose="02000000000000000000" pitchFamily="2" charset="0"/>
+            </a:rPr>
+            <a:t>Impure Pipes</a:t>
+          </a:r>
+        </a:p>
+        <a:p>
+          <a:pPr marL="0" lvl="0" indent="0" algn="ctr" defTabSz="711200">
+            <a:lnSpc>
+              <a:spcPct val="90000"/>
+            </a:lnSpc>
+            <a:spcBef>
+              <a:spcPct val="0"/>
+            </a:spcBef>
+            <a:spcAft>
+              <a:spcPct val="35000"/>
+            </a:spcAft>
+            <a:buNone/>
+          </a:pPr>
+          <a:r>
+            <a:rPr lang="en-US" sz="1200" b="0" i="0" kern="1200" dirty="0"/>
+            <a:t>Impure pipes are pipes that can detect changes within objects. Changes within objects include things like changing array entries or object properties.</a:t>
+          </a:r>
+          <a:endParaRPr lang="en-US" sz="1200" kern="1200" dirty="0">
+            <a:solidFill>
+              <a:schemeClr val="bg1"/>
+            </a:solidFill>
+          </a:endParaRPr>
+        </a:p>
+      </dsp:txBody>
+      <dsp:txXfrm>
+        <a:off x="3742146" y="2184871"/>
+        <a:ext cx="2637223" cy="2192310"/>
+      </dsp:txXfrm>
+    </dsp:sp>
+  </dsp:spTree>
+</dsp:drawing>
+</file>
+
+<file path=ppt/diagrams/drawing4.xml><?xml version="1.0" encoding="utf-8"?>
+<dsp:drawing xmlns:dgm="http://schemas.openxmlformats.org/drawingml/2006/diagram" xmlns:dsp="http://schemas.microsoft.com/office/drawing/2008/diagram" xmlns:a="http://schemas.openxmlformats.org/drawingml/2006/main">
+  <dsp:spTree>
+    <dsp:nvGrpSpPr>
+      <dsp:cNvPr id="0" name=""/>
+      <dsp:cNvGrpSpPr/>
+    </dsp:nvGrpSpPr>
+    <dsp:grpSpPr/>
     <dsp:sp modelId="{832F5D5D-F9DE-4C25-B536-A19F84E43D71}">
       <dsp:nvSpPr>
         <dsp:cNvPr id="0" name=""/>
@@ -7509,6 +9169,1152 @@
 </file>
 
 <file path=ppt/diagrams/layout3.xml><?xml version="1.0" encoding="utf-8"?>
+<dgm:layoutDef xmlns:dgm="http://schemas.openxmlformats.org/drawingml/2006/diagram" xmlns:a="http://schemas.openxmlformats.org/drawingml/2006/main" uniqueId="urn:microsoft.com/office/officeart/2005/8/layout/orgChart1">
+  <dgm:title val=""/>
+  <dgm:desc val=""/>
+  <dgm:catLst>
+    <dgm:cat type="hierarchy" pri="1000"/>
+    <dgm:cat type="convert" pri="6000"/>
+  </dgm:catLst>
+  <dgm:sampData>
+    <dgm:dataModel>
+      <dgm:ptLst>
+        <dgm:pt modelId="0" type="doc"/>
+        <dgm:pt modelId="1">
+          <dgm:prSet phldr="1"/>
+        </dgm:pt>
+        <dgm:pt modelId="2" type="asst">
+          <dgm:prSet phldr="1"/>
+        </dgm:pt>
+        <dgm:pt modelId="3">
+          <dgm:prSet phldr="1"/>
+        </dgm:pt>
+        <dgm:pt modelId="4">
+          <dgm:prSet phldr="1"/>
+        </dgm:pt>
+        <dgm:pt modelId="5">
+          <dgm:prSet phldr="1"/>
+        </dgm:pt>
+      </dgm:ptLst>
+      <dgm:cxnLst>
+        <dgm:cxn modelId="5" srcId="0" destId="1" srcOrd="0" destOrd="0"/>
+        <dgm:cxn modelId="6" srcId="1" destId="2" srcOrd="0" destOrd="0"/>
+        <dgm:cxn modelId="7" srcId="1" destId="3" srcOrd="1" destOrd="0"/>
+        <dgm:cxn modelId="8" srcId="1" destId="4" srcOrd="2" destOrd="0"/>
+        <dgm:cxn modelId="9" srcId="1" destId="5" srcOrd="3" destOrd="0"/>
+      </dgm:cxnLst>
+      <dgm:bg/>
+      <dgm:whole/>
+    </dgm:dataModel>
+  </dgm:sampData>
+  <dgm:styleData>
+    <dgm:dataModel>
+      <dgm:ptLst>
+        <dgm:pt modelId="0" type="doc"/>
+        <dgm:pt modelId="1"/>
+        <dgm:pt modelId="12"/>
+        <dgm:pt modelId="13"/>
+      </dgm:ptLst>
+      <dgm:cxnLst>
+        <dgm:cxn modelId="2" srcId="0" destId="1" srcOrd="0" destOrd="0"/>
+        <dgm:cxn modelId="16" srcId="1" destId="12" srcOrd="1" destOrd="0"/>
+        <dgm:cxn modelId="17" srcId="1" destId="13" srcOrd="2" destOrd="0"/>
+      </dgm:cxnLst>
+      <dgm:bg/>
+      <dgm:whole/>
+    </dgm:dataModel>
+  </dgm:styleData>
+  <dgm:clrData>
+    <dgm:dataModel>
+      <dgm:ptLst>
+        <dgm:pt modelId="0" type="doc"/>
+        <dgm:pt modelId="1"/>
+        <dgm:pt modelId="11" type="asst"/>
+        <dgm:pt modelId="12"/>
+        <dgm:pt modelId="13"/>
+        <dgm:pt modelId="14"/>
+      </dgm:ptLst>
+      <dgm:cxnLst>
+        <dgm:cxn modelId="2" srcId="0" destId="1" srcOrd="0" destOrd="0"/>
+        <dgm:cxn modelId="15" srcId="1" destId="11" srcOrd="0" destOrd="0"/>
+        <dgm:cxn modelId="16" srcId="1" destId="12" srcOrd="1" destOrd="0"/>
+        <dgm:cxn modelId="17" srcId="1" destId="13" srcOrd="2" destOrd="0"/>
+        <dgm:cxn modelId="18" srcId="1" destId="14" srcOrd="2" destOrd="0"/>
+      </dgm:cxnLst>
+      <dgm:bg/>
+      <dgm:whole/>
+    </dgm:dataModel>
+  </dgm:clrData>
+  <dgm:layoutNode name="hierChild1">
+    <dgm:varLst>
+      <dgm:orgChart val="1"/>
+      <dgm:chPref val="1"/>
+      <dgm:dir/>
+      <dgm:animOne val="branch"/>
+      <dgm:animLvl val="lvl"/>
+      <dgm:resizeHandles/>
+    </dgm:varLst>
+    <dgm:choose name="Name0">
+      <dgm:if name="Name1" func="var" arg="dir" op="equ" val="norm">
+        <dgm:alg type="hierChild">
+          <dgm:param type="linDir" val="fromL"/>
+        </dgm:alg>
+      </dgm:if>
+      <dgm:else name="Name2">
+        <dgm:alg type="hierChild">
+          <dgm:param type="linDir" val="fromR"/>
+        </dgm:alg>
+      </dgm:else>
+    </dgm:choose>
+    <dgm:shape xmlns:r="http://schemas.openxmlformats.org/officeDocument/2006/relationships" r:blip="">
+      <dgm:adjLst/>
+    </dgm:shape>
+    <dgm:presOf/>
+    <dgm:constrLst>
+      <dgm:constr type="w" for="des" forName="rootComposite1" refType="w" fact="10"/>
+      <dgm:constr type="h" for="des" forName="rootComposite1" refType="w" refFor="des" refForName="rootComposite1" fact="0.5"/>
+      <dgm:constr type="w" for="des" forName="rootComposite" refType="w" fact="10"/>
+      <dgm:constr type="h" for="des" forName="rootComposite" refType="w" refFor="des" refForName="rootComposite1" fact="0.5"/>
+      <dgm:constr type="w" for="des" forName="rootComposite3" refType="w" fact="10"/>
+      <dgm:constr type="h" for="des" forName="rootComposite3" refType="w" refFor="des" refForName="rootComposite1" fact="0.5"/>
+      <dgm:constr type="primFontSz" for="des" ptType="node" op="equ"/>
+      <dgm:constr type="sp" for="des" op="equ"/>
+      <dgm:constr type="sp" for="des" forName="hierRoot1" refType="w" refFor="des" refForName="rootComposite1" fact="0.21"/>
+      <dgm:constr type="sp" for="des" forName="hierRoot2" refType="sp" refFor="des" refForName="hierRoot1"/>
+      <dgm:constr type="sp" for="des" forName="hierRoot3" refType="sp" refFor="des" refForName="hierRoot1"/>
+      <dgm:constr type="sibSp" refType="w" refFor="des" refForName="rootComposite1" fact="0.21"/>
+      <dgm:constr type="sibSp" for="des" forName="hierChild2" refType="sibSp"/>
+      <dgm:constr type="sibSp" for="des" forName="hierChild3" refType="sibSp"/>
+      <dgm:constr type="sibSp" for="des" forName="hierChild4" refType="sibSp"/>
+      <dgm:constr type="sibSp" for="des" forName="hierChild5" refType="sibSp"/>
+      <dgm:constr type="sibSp" for="des" forName="hierChild6" refType="sibSp"/>
+      <dgm:constr type="sibSp" for="des" forName="hierChild7" refType="sibSp"/>
+      <dgm:constr type="secSibSp" refType="w" refFor="des" refForName="rootComposite1" fact="0.21"/>
+      <dgm:constr type="secSibSp" for="des" forName="hierChild2" refType="secSibSp"/>
+      <dgm:constr type="secSibSp" for="des" forName="hierChild3" refType="secSibSp"/>
+      <dgm:constr type="secSibSp" for="des" forName="hierChild4" refType="secSibSp"/>
+      <dgm:constr type="secSibSp" for="des" forName="hierChild5" refType="secSibSp"/>
+      <dgm:constr type="secSibSp" for="des" forName="hierChild6" refType="secSibSp"/>
+      <dgm:constr type="secSibSp" for="des" forName="hierChild7" refType="secSibSp"/>
+    </dgm:constrLst>
+    <dgm:ruleLst/>
+    <dgm:forEach name="Name3" axis="ch">
+      <dgm:forEach name="Name4" axis="self" ptType="node">
+        <dgm:layoutNode name="hierRoot1">
+          <dgm:varLst>
+            <dgm:hierBranch val="init"/>
+          </dgm:varLst>
+          <dgm:choose name="Name5">
+            <dgm:if name="Name6" func="var" arg="hierBranch" op="equ" val="l">
+              <dgm:choose name="Name7">
+                <dgm:if name="Name8" axis="ch" ptType="asst" func="cnt" op="gte" val="1">
+                  <dgm:alg type="hierRoot">
+                    <dgm:param type="hierAlign" val="tR"/>
+                  </dgm:alg>
+                  <dgm:constrLst>
+                    <dgm:constr type="alignOff" val="0.65"/>
+                  </dgm:constrLst>
+                </dgm:if>
+                <dgm:else name="Name9">
+                  <dgm:alg type="hierRoot">
+                    <dgm:param type="hierAlign" val="tR"/>
+                  </dgm:alg>
+                  <dgm:constrLst>
+                    <dgm:constr type="alignOff" val="0.25"/>
+                  </dgm:constrLst>
+                </dgm:else>
+              </dgm:choose>
+            </dgm:if>
+            <dgm:if name="Name10" func="var" arg="hierBranch" op="equ" val="r">
+              <dgm:choose name="Name11">
+                <dgm:if name="Name12" axis="ch" ptType="asst" func="cnt" op="gte" val="1">
+                  <dgm:alg type="hierRoot">
+                    <dgm:param type="hierAlign" val="tL"/>
+                  </dgm:alg>
+                  <dgm:constrLst>
+                    <dgm:constr type="alignOff" val="0.65"/>
+                  </dgm:constrLst>
+                </dgm:if>
+                <dgm:else name="Name13">
+                  <dgm:alg type="hierRoot">
+                    <dgm:param type="hierAlign" val="tL"/>
+                  </dgm:alg>
+                  <dgm:constrLst>
+                    <dgm:constr type="alignOff" val="0.25"/>
+                  </dgm:constrLst>
+                </dgm:else>
+              </dgm:choose>
+            </dgm:if>
+            <dgm:if name="Name14" func="var" arg="hierBranch" op="equ" val="hang">
+              <dgm:alg type="hierRoot"/>
+              <dgm:constrLst>
+                <dgm:constr type="alignOff" val="0.65"/>
+              </dgm:constrLst>
+            </dgm:if>
+            <dgm:else name="Name15">
+              <dgm:alg type="hierRoot"/>
+              <dgm:constrLst>
+                <dgm:constr type="alignOff"/>
+                <dgm:constr type="bendDist" for="des" ptType="parTrans" refType="sp" fact="0.5"/>
+              </dgm:constrLst>
+            </dgm:else>
+          </dgm:choose>
+          <dgm:shape xmlns:r="http://schemas.openxmlformats.org/officeDocument/2006/relationships" r:blip="">
+            <dgm:adjLst/>
+          </dgm:shape>
+          <dgm:presOf/>
+          <dgm:ruleLst/>
+          <dgm:layoutNode name="rootComposite1">
+            <dgm:alg type="composite"/>
+            <dgm:shape xmlns:r="http://schemas.openxmlformats.org/officeDocument/2006/relationships" r:blip="">
+              <dgm:adjLst/>
+            </dgm:shape>
+            <dgm:presOf axis="self" ptType="node" cnt="1"/>
+            <dgm:choose name="Name16">
+              <dgm:if name="Name17" func="var" arg="hierBranch" op="equ" val="init">
+                <dgm:constrLst>
+                  <dgm:constr type="l" for="ch" forName="rootText1"/>
+                  <dgm:constr type="t" for="ch" forName="rootText1"/>
+                  <dgm:constr type="w" for="ch" forName="rootText1" refType="w"/>
+                  <dgm:constr type="h" for="ch" forName="rootText1" refType="h"/>
+                  <dgm:constr type="l" for="ch" forName="rootConnector1"/>
+                  <dgm:constr type="t" for="ch" forName="rootConnector1"/>
+                  <dgm:constr type="w" for="ch" forName="rootConnector1" refType="w" refFor="ch" refForName="rootText1" fact="0.2"/>
+                  <dgm:constr type="h" for="ch" forName="rootConnector1" refType="h" refFor="ch" refForName="rootText1"/>
+                </dgm:constrLst>
+              </dgm:if>
+              <dgm:if name="Name18" func="var" arg="hierBranch" op="equ" val="l">
+                <dgm:constrLst>
+                  <dgm:constr type="l" for="ch" forName="rootText1"/>
+                  <dgm:constr type="t" for="ch" forName="rootText1"/>
+                  <dgm:constr type="w" for="ch" forName="rootText1" refType="w"/>
+                  <dgm:constr type="h" for="ch" forName="rootText1" refType="h"/>
+                  <dgm:constr type="r" for="ch" forName="rootConnector1" refType="w"/>
+                  <dgm:constr type="t" for="ch" forName="rootConnector1"/>
+                  <dgm:constr type="w" for="ch" forName="rootConnector1" refType="w" refFor="ch" refForName="rootText1" fact="0.2"/>
+                  <dgm:constr type="h" for="ch" forName="rootConnector1" refType="h" refFor="ch" refForName="rootText1"/>
+                </dgm:constrLst>
+              </dgm:if>
+              <dgm:if name="Name19" func="var" arg="hierBranch" op="equ" val="r">
+                <dgm:constrLst>
+                  <dgm:constr type="l" for="ch" forName="rootText1"/>
+                  <dgm:constr type="t" for="ch" forName="rootText1"/>
+                  <dgm:constr type="w" for="ch" forName="rootText1" refType="w"/>
+                  <dgm:constr type="h" for="ch" forName="rootText1" refType="h"/>
+                  <dgm:constr type="l" for="ch" forName="rootConnector1"/>
+                  <dgm:constr type="t" for="ch" forName="rootConnector1"/>
+                  <dgm:constr type="w" for="ch" forName="rootConnector1" refType="w" refFor="ch" refForName="rootText1" fact="0.2"/>
+                  <dgm:constr type="h" for="ch" forName="rootConnector1" refType="h" refFor="ch" refForName="rootText1"/>
+                </dgm:constrLst>
+              </dgm:if>
+              <dgm:else name="Name20">
+                <dgm:constrLst>
+                  <dgm:constr type="l" for="ch" forName="rootText1"/>
+                  <dgm:constr type="t" for="ch" forName="rootText1"/>
+                  <dgm:constr type="w" for="ch" forName="rootText1" refType="w"/>
+                  <dgm:constr type="h" for="ch" forName="rootText1" refType="h"/>
+                  <dgm:constr type="r" for="ch" forName="rootConnector1" refType="w"/>
+                  <dgm:constr type="t" for="ch" forName="rootConnector1"/>
+                  <dgm:constr type="w" for="ch" forName="rootConnector1" refType="w" refFor="ch" refForName="rootText1" fact="0.2"/>
+                  <dgm:constr type="h" for="ch" forName="rootConnector1" refType="h" refFor="ch" refForName="rootText1"/>
+                </dgm:constrLst>
+              </dgm:else>
+            </dgm:choose>
+            <dgm:ruleLst/>
+            <dgm:layoutNode name="rootText1" styleLbl="node0">
+              <dgm:varLst>
+                <dgm:chPref val="3"/>
+              </dgm:varLst>
+              <dgm:alg type="tx"/>
+              <dgm:shape xmlns:r="http://schemas.openxmlformats.org/officeDocument/2006/relationships" type="rect" r:blip="">
+                <dgm:adjLst/>
+              </dgm:shape>
+              <dgm:presOf axis="self" ptType="node" cnt="1"/>
+              <dgm:constrLst>
+                <dgm:constr type="primFontSz" val="65"/>
+                <dgm:constr type="lMarg" refType="primFontSz" fact="0.05"/>
+                <dgm:constr type="rMarg" refType="primFontSz" fact="0.05"/>
+                <dgm:constr type="tMarg" refType="primFontSz" fact="0.05"/>
+                <dgm:constr type="bMarg" refType="primFontSz" fact="0.05"/>
+              </dgm:constrLst>
+              <dgm:ruleLst>
+                <dgm:rule type="primFontSz" val="5" fact="NaN" max="NaN"/>
+              </dgm:ruleLst>
+            </dgm:layoutNode>
+            <dgm:layoutNode name="rootConnector1" moveWith="rootText1">
+              <dgm:alg type="sp"/>
+              <dgm:shape xmlns:r="http://schemas.openxmlformats.org/officeDocument/2006/relationships" type="rect" r:blip="" hideGeom="1">
+                <dgm:adjLst/>
+              </dgm:shape>
+              <dgm:presOf axis="self" ptType="node" cnt="1"/>
+              <dgm:constrLst/>
+              <dgm:ruleLst/>
+            </dgm:layoutNode>
+          </dgm:layoutNode>
+          <dgm:layoutNode name="hierChild2">
+            <dgm:choose name="Name21">
+              <dgm:if name="Name22" func="var" arg="hierBranch" op="equ" val="l">
+                <dgm:alg type="hierChild">
+                  <dgm:param type="chAlign" val="r"/>
+                  <dgm:param type="linDir" val="fromT"/>
+                </dgm:alg>
+              </dgm:if>
+              <dgm:if name="Name23" func="var" arg="hierBranch" op="equ" val="r">
+                <dgm:alg type="hierChild">
+                  <dgm:param type="chAlign" val="l"/>
+                  <dgm:param type="linDir" val="fromT"/>
+                </dgm:alg>
+              </dgm:if>
+              <dgm:if name="Name24" func="var" arg="hierBranch" op="equ" val="hang">
+                <dgm:choose name="Name25">
+                  <dgm:if name="Name26" func="var" arg="dir" op="equ" val="norm">
+                    <dgm:alg type="hierChild">
+                      <dgm:param type="chAlign" val="l"/>
+                      <dgm:param type="linDir" val="fromL"/>
+                      <dgm:param type="secChAlign" val="t"/>
+                      <dgm:param type="secLinDir" val="fromT"/>
+                    </dgm:alg>
+                  </dgm:if>
+                  <dgm:else name="Name27">
+                    <dgm:alg type="hierChild">
+                      <dgm:param type="chAlign" val="l"/>
+                      <dgm:param type="linDir" val="fromR"/>
+                      <dgm:param type="secChAlign" val="t"/>
+                      <dgm:param type="secLinDir" val="fromT"/>
+                    </dgm:alg>
+                  </dgm:else>
+                </dgm:choose>
+              </dgm:if>
+              <dgm:else name="Name28">
+                <dgm:choose name="Name29">
+                  <dgm:if name="Name30" func="var" arg="dir" op="equ" val="norm">
+                    <dgm:alg type="hierChild"/>
+                  </dgm:if>
+                  <dgm:else name="Name31">
+                    <dgm:alg type="hierChild">
+                      <dgm:param type="linDir" val="fromR"/>
+                    </dgm:alg>
+                  </dgm:else>
+                </dgm:choose>
+              </dgm:else>
+            </dgm:choose>
+            <dgm:shape xmlns:r="http://schemas.openxmlformats.org/officeDocument/2006/relationships" r:blip="">
+              <dgm:adjLst/>
+            </dgm:shape>
+            <dgm:presOf/>
+            <dgm:constrLst/>
+            <dgm:ruleLst/>
+            <dgm:forEach name="rep2a" axis="ch" ptType="nonAsst">
+              <dgm:forEach name="Name32" axis="precedSib" ptType="parTrans" st="-1" cnt="1">
+                <dgm:choose name="Name33">
+                  <dgm:if name="Name34" func="var" arg="hierBranch" op="equ" val="std">
+                    <dgm:layoutNode name="Name35">
+                      <dgm:alg type="conn">
+                        <dgm:param type="connRout" val="bend"/>
+                        <dgm:param type="dim" val="1D"/>
+                        <dgm:param type="endSty" val="noArr"/>
+                        <dgm:param type="begPts" val="bCtr"/>
+                        <dgm:param type="endPts" val="tCtr"/>
+                        <dgm:param type="bendPt" val="end"/>
+                      </dgm:alg>
+                      <dgm:shape xmlns:r="http://schemas.openxmlformats.org/officeDocument/2006/relationships" type="conn" r:blip="" zOrderOff="-99999">
+                        <dgm:adjLst/>
+                      </dgm:shape>
+                      <dgm:presOf axis="self"/>
+                      <dgm:constrLst>
+                        <dgm:constr type="begPad"/>
+                        <dgm:constr type="endPad"/>
+                      </dgm:constrLst>
+                      <dgm:ruleLst/>
+                    </dgm:layoutNode>
+                  </dgm:if>
+                  <dgm:if name="Name36" func="var" arg="hierBranch" op="equ" val="init">
+                    <dgm:layoutNode name="Name37">
+                      <dgm:choose name="Name38">
+                        <dgm:if name="Name39" axis="self" func="depth" op="lte" val="2">
+                          <dgm:alg type="conn">
+                            <dgm:param type="connRout" val="bend"/>
+                            <dgm:param type="dim" val="1D"/>
+                            <dgm:param type="endSty" val="noArr"/>
+                            <dgm:param type="begPts" val="bCtr"/>
+                            <dgm:param type="endPts" val="tCtr"/>
+                            <dgm:param type="bendPt" val="end"/>
+                          </dgm:alg>
+                        </dgm:if>
+                        <dgm:else name="Name40">
+                          <dgm:choose name="Name41">
+                            <dgm:if name="Name42" axis="par des" func="maxDepth" op="lte" val="1">
+                              <dgm:choose name="Name43">
+                                <dgm:if name="Name44" axis="par ch" ptType="node asst" func="cnt" op="gte" val="1">
+                                  <dgm:alg type="conn">
+                                    <dgm:param type="connRout" val="bend"/>
+                                    <dgm:param type="dim" val="1D"/>
+                                    <dgm:param type="endSty" val="noArr"/>
+                                    <dgm:param type="begPts" val="bCtr"/>
+                                    <dgm:param type="endPts" val="midL midR"/>
+                                  </dgm:alg>
+                                </dgm:if>
+                                <dgm:else name="Name45">
+                                  <dgm:alg type="conn">
+                                    <dgm:param type="connRout" val="bend"/>
+                                    <dgm:param type="dim" val="1D"/>
+                                    <dgm:param type="endSty" val="noArr"/>
+                                    <dgm:param type="begPts" val="bCtr"/>
+                                    <dgm:param type="endPts" val="midL midR"/>
+                                    <dgm:param type="srcNode" val="rootConnector"/>
+                                  </dgm:alg>
+                                </dgm:else>
+                              </dgm:choose>
+                            </dgm:if>
+                            <dgm:else name="Name46">
+                              <dgm:alg type="conn">
+                                <dgm:param type="connRout" val="bend"/>
+                                <dgm:param type="dim" val="1D"/>
+                                <dgm:param type="endSty" val="noArr"/>
+                                <dgm:param type="begPts" val="bCtr"/>
+                                <dgm:param type="endPts" val="tCtr"/>
+                                <dgm:param type="bendPt" val="end"/>
+                              </dgm:alg>
+                            </dgm:else>
+                          </dgm:choose>
+                        </dgm:else>
+                      </dgm:choose>
+                      <dgm:shape xmlns:r="http://schemas.openxmlformats.org/officeDocument/2006/relationships" type="conn" r:blip="" zOrderOff="-99999">
+                        <dgm:adjLst/>
+                      </dgm:shape>
+                      <dgm:presOf axis="self"/>
+                      <dgm:constrLst>
+                        <dgm:constr type="begPad"/>
+                        <dgm:constr type="endPad"/>
+                      </dgm:constrLst>
+                      <dgm:ruleLst/>
+                    </dgm:layoutNode>
+                  </dgm:if>
+                  <dgm:if name="Name47" func="var" arg="hierBranch" op="equ" val="hang">
+                    <dgm:layoutNode name="Name48">
+                      <dgm:alg type="conn">
+                        <dgm:param type="connRout" val="bend"/>
+                        <dgm:param type="dim" val="1D"/>
+                        <dgm:param type="endSty" val="noArr"/>
+                        <dgm:param type="begPts" val="bCtr"/>
+                        <dgm:param type="endPts" val="midL midR"/>
+                      </dgm:alg>
+                      <dgm:shape xmlns:r="http://schemas.openxmlformats.org/officeDocument/2006/relationships" type="conn" r:blip="" zOrderOff="-99999">
+                        <dgm:adjLst/>
+                      </dgm:shape>
+                      <dgm:presOf axis="self"/>
+                      <dgm:constrLst>
+                        <dgm:constr type="begPad"/>
+                        <dgm:constr type="endPad"/>
+                      </dgm:constrLst>
+                      <dgm:ruleLst/>
+                    </dgm:layoutNode>
+                  </dgm:if>
+                  <dgm:else name="Name49">
+                    <dgm:layoutNode name="Name50">
+                      <dgm:choose name="Name51">
+                        <dgm:if name="Name52" axis="self" func="depth" op="lte" val="2">
+                          <dgm:choose name="Name53">
+                            <dgm:if name="Name54" axis="par ch" ptType="node asst" func="cnt" op="gte" val="1">
+                              <dgm:alg type="conn">
+                                <dgm:param type="connRout" val="bend"/>
+                                <dgm:param type="dim" val="1D"/>
+                                <dgm:param type="endSty" val="noArr"/>
+                                <dgm:param type="begPts" val="bCtr"/>
+                                <dgm:param type="endPts" val="midL midR"/>
+                              </dgm:alg>
+                            </dgm:if>
+                            <dgm:else name="Name55">
+                              <dgm:alg type="conn">
+                                <dgm:param type="connRout" val="bend"/>
+                                <dgm:param type="dim" val="1D"/>
+                                <dgm:param type="endSty" val="noArr"/>
+                                <dgm:param type="begPts" val="bCtr"/>
+                                <dgm:param type="endPts" val="midL midR"/>
+                                <dgm:param type="srcNode" val="rootConnector1"/>
+                              </dgm:alg>
+                            </dgm:else>
+                          </dgm:choose>
+                        </dgm:if>
+                        <dgm:else name="Name56">
+                          <dgm:choose name="Name57">
+                            <dgm:if name="Name58" axis="par ch" ptType="node asst" func="cnt" op="gte" val="1">
+                              <dgm:alg type="conn">
+                                <dgm:param type="connRout" val="bend"/>
+                                <dgm:param type="dim" val="1D"/>
+                                <dgm:param type="endSty" val="noArr"/>
+                                <dgm:param type="begPts" val="bCtr"/>
+                                <dgm:param type="endPts" val="midL midR"/>
+                              </dgm:alg>
+                            </dgm:if>
+                            <dgm:else name="Name59">
+                              <dgm:alg type="conn">
+                                <dgm:param type="connRout" val="bend"/>
+                                <dgm:param type="dim" val="1D"/>
+                                <dgm:param type="endSty" val="noArr"/>
+                                <dgm:param type="begPts" val="bCtr"/>
+                                <dgm:param type="endPts" val="midL midR"/>
+                                <dgm:param type="srcNode" val="rootConnector"/>
+                              </dgm:alg>
+                            </dgm:else>
+                          </dgm:choose>
+                        </dgm:else>
+                      </dgm:choose>
+                      <dgm:shape xmlns:r="http://schemas.openxmlformats.org/officeDocument/2006/relationships" type="conn" r:blip="" zOrderOff="-99999">
+                        <dgm:adjLst/>
+                      </dgm:shape>
+                      <dgm:presOf axis="self"/>
+                      <dgm:constrLst>
+                        <dgm:constr type="begPad"/>
+                        <dgm:constr type="endPad"/>
+                      </dgm:constrLst>
+                      <dgm:ruleLst/>
+                    </dgm:layoutNode>
+                  </dgm:else>
+                </dgm:choose>
+              </dgm:forEach>
+              <dgm:layoutNode name="hierRoot2">
+                <dgm:varLst>
+                  <dgm:hierBranch val="init"/>
+                </dgm:varLst>
+                <dgm:choose name="Name60">
+                  <dgm:if name="Name61" func="var" arg="hierBranch" op="equ" val="l">
+                    <dgm:choose name="Name62">
+                      <dgm:if name="Name63" axis="ch" ptType="asst" func="cnt" op="gte" val="1">
+                        <dgm:alg type="hierRoot">
+                          <dgm:param type="hierAlign" val="tR"/>
+                        </dgm:alg>
+                        <dgm:shape xmlns:r="http://schemas.openxmlformats.org/officeDocument/2006/relationships" r:blip="">
+                          <dgm:adjLst/>
+                        </dgm:shape>
+                        <dgm:presOf/>
+                        <dgm:constrLst>
+                          <dgm:constr type="alignOff" val="0.65"/>
+                        </dgm:constrLst>
+                      </dgm:if>
+                      <dgm:else name="Name64">
+                        <dgm:alg type="hierRoot">
+                          <dgm:param type="hierAlign" val="tR"/>
+                        </dgm:alg>
+                        <dgm:shape xmlns:r="http://schemas.openxmlformats.org/officeDocument/2006/relationships" r:blip="">
+                          <dgm:adjLst/>
+                        </dgm:shape>
+                        <dgm:presOf/>
+                        <dgm:constrLst>
+                          <dgm:constr type="alignOff" val="0.25"/>
+                        </dgm:constrLst>
+                      </dgm:else>
+                    </dgm:choose>
+                  </dgm:if>
+                  <dgm:if name="Name65" func="var" arg="hierBranch" op="equ" val="r">
+                    <dgm:choose name="Name66">
+                      <dgm:if name="Name67" axis="ch" ptType="asst" func="cnt" op="gte" val="1">
+                        <dgm:alg type="hierRoot">
+                          <dgm:param type="hierAlign" val="tL"/>
+                        </dgm:alg>
+                        <dgm:shape xmlns:r="http://schemas.openxmlformats.org/officeDocument/2006/relationships" r:blip="">
+                          <dgm:adjLst/>
+                        </dgm:shape>
+                        <dgm:presOf/>
+                        <dgm:constrLst>
+                          <dgm:constr type="alignOff" val="0.65"/>
+                        </dgm:constrLst>
+                      </dgm:if>
+                      <dgm:else name="Name68">
+                        <dgm:alg type="hierRoot">
+                          <dgm:param type="hierAlign" val="tL"/>
+                        </dgm:alg>
+                        <dgm:shape xmlns:r="http://schemas.openxmlformats.org/officeDocument/2006/relationships" r:blip="">
+                          <dgm:adjLst/>
+                        </dgm:shape>
+                        <dgm:presOf/>
+                        <dgm:constrLst>
+                          <dgm:constr type="alignOff" val="0.25"/>
+                        </dgm:constrLst>
+                      </dgm:else>
+                    </dgm:choose>
+                  </dgm:if>
+                  <dgm:if name="Name69" func="var" arg="hierBranch" op="equ" val="std">
+                    <dgm:alg type="hierRoot"/>
+                    <dgm:shape xmlns:r="http://schemas.openxmlformats.org/officeDocument/2006/relationships" r:blip="">
+                      <dgm:adjLst/>
+                    </dgm:shape>
+                    <dgm:presOf/>
+                    <dgm:constrLst>
+                      <dgm:constr type="alignOff"/>
+                      <dgm:constr type="bendDist" for="des" ptType="parTrans" refType="sp" fact="0.5"/>
+                    </dgm:constrLst>
+                  </dgm:if>
+                  <dgm:if name="Name70" func="var" arg="hierBranch" op="equ" val="init">
+                    <dgm:choose name="Name71">
+                      <dgm:if name="Name72" axis="des" func="maxDepth" op="lte" val="1">
+                        <dgm:choose name="Name73">
+                          <dgm:if name="Name74" axis="ch" ptType="asst" func="cnt" op="gte" val="1">
+                            <dgm:alg type="hierRoot">
+                              <dgm:param type="hierAlign" val="tL"/>
+                            </dgm:alg>
+                            <dgm:shape xmlns:r="http://schemas.openxmlformats.org/officeDocument/2006/relationships" r:blip="">
+                              <dgm:adjLst/>
+                            </dgm:shape>
+                            <dgm:presOf/>
+                            <dgm:constrLst>
+                              <dgm:constr type="alignOff" val="0.65"/>
+                            </dgm:constrLst>
+                          </dgm:if>
+                          <dgm:else name="Name75">
+                            <dgm:alg type="hierRoot">
+                              <dgm:param type="hierAlign" val="tL"/>
+                            </dgm:alg>
+                            <dgm:shape xmlns:r="http://schemas.openxmlformats.org/officeDocument/2006/relationships" r:blip="">
+                              <dgm:adjLst/>
+                            </dgm:shape>
+                            <dgm:presOf/>
+                            <dgm:constrLst>
+                              <dgm:constr type="alignOff" val="0.25"/>
+                            </dgm:constrLst>
+                          </dgm:else>
+                        </dgm:choose>
+                      </dgm:if>
+                      <dgm:else name="Name76">
+                        <dgm:alg type="hierRoot"/>
+                        <dgm:shape xmlns:r="http://schemas.openxmlformats.org/officeDocument/2006/relationships" r:blip="">
+                          <dgm:adjLst/>
+                        </dgm:shape>
+                        <dgm:presOf/>
+                        <dgm:constrLst>
+                          <dgm:constr type="alignOff"/>
+                          <dgm:constr type="bendDist" for="des" ptType="parTrans" refType="sp" fact="0.5"/>
+                        </dgm:constrLst>
+                      </dgm:else>
+                    </dgm:choose>
+                  </dgm:if>
+                  <dgm:else name="Name77">
+                    <dgm:alg type="hierRoot"/>
+                    <dgm:shape xmlns:r="http://schemas.openxmlformats.org/officeDocument/2006/relationships" r:blip="">
+                      <dgm:adjLst/>
+                    </dgm:shape>
+                    <dgm:presOf/>
+                    <dgm:constrLst>
+                      <dgm:constr type="alignOff" val="0.65"/>
+                    </dgm:constrLst>
+                  </dgm:else>
+                </dgm:choose>
+                <dgm:ruleLst/>
+                <dgm:layoutNode name="rootComposite">
+                  <dgm:alg type="composite"/>
+                  <dgm:shape xmlns:r="http://schemas.openxmlformats.org/officeDocument/2006/relationships" r:blip="">
+                    <dgm:adjLst/>
+                  </dgm:shape>
+                  <dgm:presOf axis="self" ptType="node" cnt="1"/>
+                  <dgm:choose name="Name78">
+                    <dgm:if name="Name79" func="var" arg="hierBranch" op="equ" val="init">
+                      <dgm:constrLst>
+                        <dgm:constr type="l" for="ch" forName="rootText"/>
+                        <dgm:constr type="t" for="ch" forName="rootText"/>
+                        <dgm:constr type="w" for="ch" forName="rootText" refType="w"/>
+                        <dgm:constr type="h" for="ch" forName="rootText" refType="h"/>
+                        <dgm:constr type="l" for="ch" forName="rootConnector"/>
+                        <dgm:constr type="t" for="ch" forName="rootConnector"/>
+                        <dgm:constr type="w" for="ch" forName="rootConnector" refType="w" refFor="ch" refForName="rootText" fact="0.2"/>
+                        <dgm:constr type="h" for="ch" forName="rootConnector" refType="h" refFor="ch" refForName="rootText"/>
+                      </dgm:constrLst>
+                    </dgm:if>
+                    <dgm:if name="Name80" func="var" arg="hierBranch" op="equ" val="l">
+                      <dgm:constrLst>
+                        <dgm:constr type="l" for="ch" forName="rootText"/>
+                        <dgm:constr type="t" for="ch" forName="rootText"/>
+                        <dgm:constr type="w" for="ch" forName="rootText" refType="w"/>
+                        <dgm:constr type="h" for="ch" forName="rootText" refType="h"/>
+                        <dgm:constr type="r" for="ch" forName="rootConnector" refType="w"/>
+                        <dgm:constr type="t" for="ch" forName="rootConnector"/>
+                        <dgm:constr type="w" for="ch" forName="rootConnector" refType="w" refFor="ch" refForName="rootText" fact="0.2"/>
+                        <dgm:constr type="h" for="ch" forName="rootConnector" refType="h" refFor="ch" refForName="rootText"/>
+                      </dgm:constrLst>
+                    </dgm:if>
+                    <dgm:if name="Name81" func="var" arg="hierBranch" op="equ" val="r">
+                      <dgm:constrLst>
+                        <dgm:constr type="l" for="ch" forName="rootText"/>
+                        <dgm:constr type="t" for="ch" forName="rootText"/>
+                        <dgm:constr type="w" for="ch" forName="rootText" refType="w"/>
+                        <dgm:constr type="h" for="ch" forName="rootText" refType="h"/>
+                        <dgm:constr type="l" for="ch" forName="rootConnector"/>
+                        <dgm:constr type="t" for="ch" forName="rootConnector"/>
+                        <dgm:constr type="w" for="ch" forName="rootConnector" refType="w" refFor="ch" refForName="rootText" fact="0.2"/>
+                        <dgm:constr type="h" for="ch" forName="rootConnector" refType="h" refFor="ch" refForName="rootText"/>
+                      </dgm:constrLst>
+                    </dgm:if>
+                    <dgm:else name="Name82">
+                      <dgm:constrLst>
+                        <dgm:constr type="l" for="ch" forName="rootText"/>
+                        <dgm:constr type="t" for="ch" forName="rootText"/>
+                        <dgm:constr type="w" for="ch" forName="rootText" refType="w"/>
+                        <dgm:constr type="h" for="ch" forName="rootText" refType="h"/>
+                        <dgm:constr type="r" for="ch" forName="rootConnector" refType="w"/>
+                        <dgm:constr type="t" for="ch" forName="rootConnector"/>
+                        <dgm:constr type="w" for="ch" forName="rootConnector" refType="w" refFor="ch" refForName="rootText" fact="0.2"/>
+                        <dgm:constr type="h" for="ch" forName="rootConnector" refType="h" refFor="ch" refForName="rootText"/>
+                      </dgm:constrLst>
+                    </dgm:else>
+                  </dgm:choose>
+                  <dgm:ruleLst/>
+                  <dgm:layoutNode name="rootText">
+                    <dgm:varLst>
+                      <dgm:chPref val="3"/>
+                    </dgm:varLst>
+                    <dgm:alg type="tx"/>
+                    <dgm:shape xmlns:r="http://schemas.openxmlformats.org/officeDocument/2006/relationships" type="rect" r:blip="">
+                      <dgm:adjLst/>
+                    </dgm:shape>
+                    <dgm:presOf axis="self" ptType="node" cnt="1"/>
+                    <dgm:constrLst>
+                      <dgm:constr type="primFontSz" val="65"/>
+                      <dgm:constr type="lMarg" refType="primFontSz" fact="0.05"/>
+                      <dgm:constr type="rMarg" refType="primFontSz" fact="0.05"/>
+                      <dgm:constr type="tMarg" refType="primFontSz" fact="0.05"/>
+                      <dgm:constr type="bMarg" refType="primFontSz" fact="0.05"/>
+                    </dgm:constrLst>
+                    <dgm:ruleLst>
+                      <dgm:rule type="primFontSz" val="5" fact="NaN" max="NaN"/>
+                    </dgm:ruleLst>
+                  </dgm:layoutNode>
+                  <dgm:layoutNode name="rootConnector" moveWith="rootText">
+                    <dgm:alg type="sp"/>
+                    <dgm:shape xmlns:r="http://schemas.openxmlformats.org/officeDocument/2006/relationships" type="rect" r:blip="" hideGeom="1">
+                      <dgm:adjLst/>
+                    </dgm:shape>
+                    <dgm:presOf axis="self" ptType="node" cnt="1"/>
+                    <dgm:constrLst/>
+                    <dgm:ruleLst/>
+                  </dgm:layoutNode>
+                </dgm:layoutNode>
+                <dgm:layoutNode name="hierChild4">
+                  <dgm:choose name="Name83">
+                    <dgm:if name="Name84" func="var" arg="hierBranch" op="equ" val="l">
+                      <dgm:alg type="hierChild">
+                        <dgm:param type="chAlign" val="r"/>
+                        <dgm:param type="linDir" val="fromT"/>
+                      </dgm:alg>
+                    </dgm:if>
+                    <dgm:if name="Name85" func="var" arg="hierBranch" op="equ" val="r">
+                      <dgm:alg type="hierChild">
+                        <dgm:param type="chAlign" val="l"/>
+                        <dgm:param type="linDir" val="fromT"/>
+                      </dgm:alg>
+                    </dgm:if>
+                    <dgm:if name="Name86" func="var" arg="hierBranch" op="equ" val="hang">
+                      <dgm:choose name="Name87">
+                        <dgm:if name="Name88" func="var" arg="dir" op="equ" val="norm">
+                          <dgm:alg type="hierChild">
+                            <dgm:param type="chAlign" val="l"/>
+                            <dgm:param type="linDir" val="fromL"/>
+                            <dgm:param type="secChAlign" val="t"/>
+                            <dgm:param type="secLinDir" val="fromT"/>
+                          </dgm:alg>
+                        </dgm:if>
+                        <dgm:else name="Name89">
+                          <dgm:alg type="hierChild">
+                            <dgm:param type="chAlign" val="l"/>
+                            <dgm:param type="linDir" val="fromR"/>
+                            <dgm:param type="secChAlign" val="t"/>
+                            <dgm:param type="secLinDir" val="fromT"/>
+                          </dgm:alg>
+                        </dgm:else>
+                      </dgm:choose>
+                    </dgm:if>
+                    <dgm:if name="Name90" func="var" arg="hierBranch" op="equ" val="std">
+                      <dgm:choose name="Name91">
+                        <dgm:if name="Name92" func="var" arg="dir" op="equ" val="norm">
+                          <dgm:alg type="hierChild"/>
+                        </dgm:if>
+                        <dgm:else name="Name93">
+                          <dgm:alg type="hierChild">
+                            <dgm:param type="linDir" val="fromR"/>
+                          </dgm:alg>
+                        </dgm:else>
+                      </dgm:choose>
+                    </dgm:if>
+                    <dgm:if name="Name94" func="var" arg="hierBranch" op="equ" val="init">
+                      <dgm:choose name="Name95">
+                        <dgm:if name="Name96" axis="des" func="maxDepth" op="lte" val="1">
+                          <dgm:alg type="hierChild">
+                            <dgm:param type="chAlign" val="l"/>
+                            <dgm:param type="linDir" val="fromT"/>
+                          </dgm:alg>
+                        </dgm:if>
+                        <dgm:else name="Name97">
+                          <dgm:choose name="Name98">
+                            <dgm:if name="Name99" func="var" arg="dir" op="equ" val="norm">
+                              <dgm:alg type="hierChild"/>
+                            </dgm:if>
+                            <dgm:else name="Name100">
+                              <dgm:alg type="hierChild">
+                                <dgm:param type="linDir" val="fromR"/>
+                              </dgm:alg>
+                            </dgm:else>
+                          </dgm:choose>
+                        </dgm:else>
+                      </dgm:choose>
+                    </dgm:if>
+                    <dgm:else name="Name101"/>
+                  </dgm:choose>
+                  <dgm:shape xmlns:r="http://schemas.openxmlformats.org/officeDocument/2006/relationships" r:blip="">
+                    <dgm:adjLst/>
+                  </dgm:shape>
+                  <dgm:presOf/>
+                  <dgm:constrLst/>
+                  <dgm:ruleLst/>
+                  <dgm:forEach name="Name102" ref="rep2a"/>
+                </dgm:layoutNode>
+                <dgm:layoutNode name="hierChild5">
+                  <dgm:choose name="Name103">
+                    <dgm:if name="Name104" func="var" arg="dir" op="equ" val="norm">
+                      <dgm:alg type="hierChild">
+                        <dgm:param type="chAlign" val="l"/>
+                        <dgm:param type="linDir" val="fromL"/>
+                        <dgm:param type="secChAlign" val="t"/>
+                        <dgm:param type="secLinDir" val="fromT"/>
+                      </dgm:alg>
+                    </dgm:if>
+                    <dgm:else name="Name105">
+                      <dgm:alg type="hierChild">
+                        <dgm:param type="chAlign" val="l"/>
+                        <dgm:param type="linDir" val="fromR"/>
+                        <dgm:param type="secChAlign" val="t"/>
+                        <dgm:param type="secLinDir" val="fromT"/>
+                      </dgm:alg>
+                    </dgm:else>
+                  </dgm:choose>
+                  <dgm:shape xmlns:r="http://schemas.openxmlformats.org/officeDocument/2006/relationships" r:blip="">
+                    <dgm:adjLst/>
+                  </dgm:shape>
+                  <dgm:presOf/>
+                  <dgm:constrLst/>
+                  <dgm:ruleLst/>
+                  <dgm:forEach name="Name106" ref="rep2b"/>
+                </dgm:layoutNode>
+              </dgm:layoutNode>
+            </dgm:forEach>
+          </dgm:layoutNode>
+          <dgm:layoutNode name="hierChild3">
+            <dgm:choose name="Name107">
+              <dgm:if name="Name108" func="var" arg="dir" op="equ" val="norm">
+                <dgm:alg type="hierChild">
+                  <dgm:param type="chAlign" val="l"/>
+                  <dgm:param type="linDir" val="fromL"/>
+                  <dgm:param type="secChAlign" val="t"/>
+                  <dgm:param type="secLinDir" val="fromT"/>
+                </dgm:alg>
+              </dgm:if>
+              <dgm:else name="Name109">
+                <dgm:alg type="hierChild">
+                  <dgm:param type="chAlign" val="l"/>
+                  <dgm:param type="linDir" val="fromR"/>
+                  <dgm:param type="secChAlign" val="t"/>
+                  <dgm:param type="secLinDir" val="fromT"/>
+                </dgm:alg>
+              </dgm:else>
+            </dgm:choose>
+            <dgm:shape xmlns:r="http://schemas.openxmlformats.org/officeDocument/2006/relationships" r:blip="">
+              <dgm:adjLst/>
+            </dgm:shape>
+            <dgm:presOf/>
+            <dgm:constrLst/>
+            <dgm:ruleLst/>
+            <dgm:forEach name="rep2b" axis="ch" ptType="asst">
+              <dgm:forEach name="Name110" axis="precedSib" ptType="parTrans" st="-1" cnt="1">
+                <dgm:layoutNode name="Name111">
+                  <dgm:alg type="conn">
+                    <dgm:param type="connRout" val="bend"/>
+                    <dgm:param type="dim" val="1D"/>
+                    <dgm:param type="endSty" val="noArr"/>
+                    <dgm:param type="begPts" val="bCtr"/>
+                    <dgm:param type="endPts" val="midL midR"/>
+                  </dgm:alg>
+                  <dgm:shape xmlns:r="http://schemas.openxmlformats.org/officeDocument/2006/relationships" type="conn" r:blip="" zOrderOff="-99999">
+                    <dgm:adjLst/>
+                  </dgm:shape>
+                  <dgm:presOf axis="self"/>
+                  <dgm:constrLst>
+                    <dgm:constr type="begPad"/>
+                    <dgm:constr type="endPad"/>
+                  </dgm:constrLst>
+                  <dgm:ruleLst/>
+                </dgm:layoutNode>
+              </dgm:forEach>
+              <dgm:layoutNode name="hierRoot3">
+                <dgm:varLst>
+                  <dgm:hierBranch val="init"/>
+                </dgm:varLst>
+                <dgm:choose name="Name112">
+                  <dgm:if name="Name113" func="var" arg="hierBranch" op="equ" val="l">
+                    <dgm:alg type="hierRoot">
+                      <dgm:param type="hierAlign" val="tR"/>
+                    </dgm:alg>
+                    <dgm:shape xmlns:r="http://schemas.openxmlformats.org/officeDocument/2006/relationships" r:blip="">
+                      <dgm:adjLst/>
+                    </dgm:shape>
+                    <dgm:presOf/>
+                    <dgm:constrLst>
+                      <dgm:constr type="alignOff" val="0.65"/>
+                    </dgm:constrLst>
+                  </dgm:if>
+                  <dgm:if name="Name114" func="var" arg="hierBranch" op="equ" val="r">
+                    <dgm:alg type="hierRoot">
+                      <dgm:param type="hierAlign" val="tL"/>
+                    </dgm:alg>
+                    <dgm:shape xmlns:r="http://schemas.openxmlformats.org/officeDocument/2006/relationships" r:blip="">
+                      <dgm:adjLst/>
+                    </dgm:shape>
+                    <dgm:presOf/>
+                    <dgm:constrLst>
+                      <dgm:constr type="alignOff" val="0.65"/>
+                    </dgm:constrLst>
+                  </dgm:if>
+                  <dgm:if name="Name115" func="var" arg="hierBranch" op="equ" val="hang">
+                    <dgm:alg type="hierRoot"/>
+                    <dgm:shape xmlns:r="http://schemas.openxmlformats.org/officeDocument/2006/relationships" r:blip="">
+                      <dgm:adjLst/>
+                    </dgm:shape>
+                    <dgm:presOf/>
+                    <dgm:constrLst>
+                      <dgm:constr type="alignOff" val="0.65"/>
+                    </dgm:constrLst>
+                  </dgm:if>
+                  <dgm:if name="Name116" func="var" arg="hierBranch" op="equ" val="std">
+                    <dgm:alg type="hierRoot"/>
+                    <dgm:shape xmlns:r="http://schemas.openxmlformats.org/officeDocument/2006/relationships" r:blip="">
+                      <dgm:adjLst/>
+                    </dgm:shape>
+                    <dgm:presOf/>
+                    <dgm:constrLst>
+                      <dgm:constr type="alignOff"/>
+                      <dgm:constr type="bendDist" for="des" ptType="parTrans" refType="sp" fact="0.5"/>
+                    </dgm:constrLst>
+                  </dgm:if>
+                  <dgm:if name="Name117" func="var" arg="hierBranch" op="equ" val="init">
+                    <dgm:choose name="Name118">
+                      <dgm:if name="Name119" axis="des" func="maxDepth" op="lte" val="1">
+                        <dgm:alg type="hierRoot">
+                          <dgm:param type="hierAlign" val="tL"/>
+                        </dgm:alg>
+                        <dgm:shape xmlns:r="http://schemas.openxmlformats.org/officeDocument/2006/relationships" r:blip="">
+                          <dgm:adjLst/>
+                        </dgm:shape>
+                        <dgm:presOf/>
+                        <dgm:constrLst>
+                          <dgm:constr type="alignOff" val="0.65"/>
+                        </dgm:constrLst>
+                      </dgm:if>
+                      <dgm:else name="Name120">
+                        <dgm:alg type="hierRoot"/>
+                        <dgm:shape xmlns:r="http://schemas.openxmlformats.org/officeDocument/2006/relationships" r:blip="">
+                          <dgm:adjLst/>
+                        </dgm:shape>
+                        <dgm:presOf/>
+                        <dgm:constrLst>
+                          <dgm:constr type="alignOff"/>
+                          <dgm:constr type="bendDist" for="des" ptType="parTrans" refType="sp" fact="0.5"/>
+                        </dgm:constrLst>
+                      </dgm:else>
+                    </dgm:choose>
+                  </dgm:if>
+                  <dgm:else name="Name121"/>
+                </dgm:choose>
+                <dgm:ruleLst/>
+                <dgm:layoutNode name="rootComposite3">
+                  <dgm:alg type="composite"/>
+                  <dgm:shape xmlns:r="http://schemas.openxmlformats.org/officeDocument/2006/relationships" r:blip="">
+                    <dgm:adjLst/>
+                  </dgm:shape>
+                  <dgm:presOf axis="self" ptType="node" cnt="1"/>
+                  <dgm:choose name="Name122">
+                    <dgm:if name="Name123" func="var" arg="hierBranch" op="equ" val="init">
+                      <dgm:constrLst>
+                        <dgm:constr type="l" for="ch" forName="rootText3"/>
+                        <dgm:constr type="t" for="ch" forName="rootText3"/>
+                        <dgm:constr type="w" for="ch" forName="rootText3" refType="w"/>
+                        <dgm:constr type="h" for="ch" forName="rootText3" refType="h"/>
+                        <dgm:constr type="l" for="ch" forName="rootConnector3"/>
+                        <dgm:constr type="t" for="ch" forName="rootConnector3"/>
+                        <dgm:constr type="w" for="ch" forName="rootConnector3" refType="w" refFor="ch" refForName="rootText3" fact="0.2"/>
+                        <dgm:constr type="h" for="ch" forName="rootConnector3" refType="h" refFor="ch" refForName="rootText3"/>
+                      </dgm:constrLst>
+                    </dgm:if>
+                    <dgm:if name="Name124" func="var" arg="hierBranch" op="equ" val="l">
+                      <dgm:constrLst>
+                        <dgm:constr type="l" for="ch" forName="rootText3"/>
+                        <dgm:constr type="t" for="ch" forName="rootText3"/>
+                        <dgm:constr type="w" for="ch" forName="rootText3" refType="w"/>
+                        <dgm:constr type="h" for="ch" forName="rootText3" refType="h"/>
+                        <dgm:constr type="r" for="ch" forName="rootConnector3" refType="w"/>
+                        <dgm:constr type="t" for="ch" forName="rootConnector3"/>
+                        <dgm:constr type="w" for="ch" forName="rootConnector3" refType="w" refFor="ch" refForName="rootText3" fact="0.2"/>
+                        <dgm:constr type="h" for="ch" forName="rootConnector3" refType="h" refFor="ch" refForName="rootText3"/>
+                      </dgm:constrLst>
+                    </dgm:if>
+                    <dgm:if name="Name125" func="var" arg="hierBranch" op="equ" val="r">
+                      <dgm:constrLst>
+                        <dgm:constr type="l" for="ch" forName="rootText3"/>
+                        <dgm:constr type="t" for="ch" forName="rootText3"/>
+                        <dgm:constr type="w" for="ch" forName="rootText3" refType="w"/>
+                        <dgm:constr type="h" for="ch" forName="rootText3" refType="h"/>
+                        <dgm:constr type="l" for="ch" forName="rootConnector3"/>
+                        <dgm:constr type="t" for="ch" forName="rootConnector3"/>
+                        <dgm:constr type="w" for="ch" forName="rootConnector3" refType="w" refFor="ch" refForName="rootText3" fact="0.2"/>
+                        <dgm:constr type="h" for="ch" forName="rootConnector3" refType="h" refFor="ch" refForName="rootText3"/>
+                      </dgm:constrLst>
+                    </dgm:if>
+                    <dgm:else name="Name126">
+                      <dgm:constrLst>
+                        <dgm:constr type="l" for="ch" forName="rootText3"/>
+                        <dgm:constr type="t" for="ch" forName="rootText3"/>
+                        <dgm:constr type="w" for="ch" forName="rootText3" refType="w"/>
+                        <dgm:constr type="h" for="ch" forName="rootText3" refType="h"/>
+                        <dgm:constr type="r" for="ch" forName="rootConnector3" refType="w"/>
+                        <dgm:constr type="t" for="ch" forName="rootConnector3"/>
+                        <dgm:constr type="w" for="ch" forName="rootConnector3" refType="w" refFor="ch" refForName="rootText3" fact="0.2"/>
+                        <dgm:constr type="h" for="ch" forName="rootConnector3" refType="h" refFor="ch" refForName="rootText3"/>
+                      </dgm:constrLst>
+                    </dgm:else>
+                  </dgm:choose>
+                  <dgm:ruleLst/>
+                  <dgm:layoutNode name="rootText3">
+                    <dgm:varLst>
+                      <dgm:chPref val="3"/>
+                    </dgm:varLst>
+                    <dgm:alg type="tx"/>
+                    <dgm:shape xmlns:r="http://schemas.openxmlformats.org/officeDocument/2006/relationships" type="rect" r:blip="">
+                      <dgm:adjLst/>
+                    </dgm:shape>
+                    <dgm:presOf axis="self" ptType="node" cnt="1"/>
+                    <dgm:constrLst>
+                      <dgm:constr type="primFontSz" val="65"/>
+                      <dgm:constr type="lMarg" refType="primFontSz" fact="0.05"/>
+                      <dgm:constr type="rMarg" refType="primFontSz" fact="0.05"/>
+                      <dgm:constr type="tMarg" refType="primFontSz" fact="0.05"/>
+                      <dgm:constr type="bMarg" refType="primFontSz" fact="0.05"/>
+                    </dgm:constrLst>
+                    <dgm:ruleLst>
+                      <dgm:rule type="primFontSz" val="5" fact="NaN" max="NaN"/>
+                    </dgm:ruleLst>
+                  </dgm:layoutNode>
+                  <dgm:layoutNode name="rootConnector3" moveWith="rootText1">
+                    <dgm:alg type="sp"/>
+                    <dgm:shape xmlns:r="http://schemas.openxmlformats.org/officeDocument/2006/relationships" type="rect" r:blip="" hideGeom="1">
+                      <dgm:adjLst/>
+                    </dgm:shape>
+                    <dgm:presOf axis="self" ptType="node" cnt="1"/>
+                    <dgm:constrLst/>
+                    <dgm:ruleLst/>
+                  </dgm:layoutNode>
+                </dgm:layoutNode>
+                <dgm:layoutNode name="hierChild6">
+                  <dgm:choose name="Name127">
+                    <dgm:if name="Name128" func="var" arg="hierBranch" op="equ" val="l">
+                      <dgm:alg type="hierChild">
+                        <dgm:param type="chAlign" val="r"/>
+                        <dgm:param type="linDir" val="fromT"/>
+                      </dgm:alg>
+                    </dgm:if>
+                    <dgm:if name="Name129" func="var" arg="hierBranch" op="equ" val="r">
+                      <dgm:alg type="hierChild">
+                        <dgm:param type="chAlign" val="l"/>
+                        <dgm:param type="linDir" val="fromT"/>
+                      </dgm:alg>
+                    </dgm:if>
+                    <dgm:if name="Name130" func="var" arg="hierBranch" op="equ" val="hang">
+                      <dgm:choose name="Name131">
+                        <dgm:if name="Name132" func="var" arg="dir" op="equ" val="norm">
+                          <dgm:alg type="hierChild">
+                            <dgm:param type="chAlign" val="l"/>
+                            <dgm:param type="linDir" val="fromL"/>
+                            <dgm:param type="secChAlign" val="t"/>
+                            <dgm:param type="secLinDir" val="fromT"/>
+                          </dgm:alg>
+                        </dgm:if>
+                        <dgm:else name="Name133">
+                          <dgm:alg type="hierChild">
+                            <dgm:param type="chAlign" val="l"/>
+                            <dgm:param type="linDir" val="fromR"/>
+                            <dgm:param type="secChAlign" val="t"/>
+                            <dgm:param type="secLinDir" val="fromT"/>
+                          </dgm:alg>
+                        </dgm:else>
+                      </dgm:choose>
+                    </dgm:if>
+                    <dgm:if name="Name134" func="var" arg="hierBranch" op="equ" val="std">
+                      <dgm:choose name="Name135">
+                        <dgm:if name="Name136" func="var" arg="dir" op="equ" val="norm">
+                          <dgm:alg type="hierChild"/>
+                        </dgm:if>
+                        <dgm:else name="Name137">
+                          <dgm:alg type="hierChild">
+                            <dgm:param type="linDir" val="fromR"/>
+                          </dgm:alg>
+                        </dgm:else>
+                      </dgm:choose>
+                    </dgm:if>
+                    <dgm:if name="Name138" func="var" arg="hierBranch" op="equ" val="init">
+                      <dgm:choose name="Name139">
+                        <dgm:if name="Name140" axis="des" func="maxDepth" op="lte" val="1">
+                          <dgm:alg type="hierChild">
+                            <dgm:param type="chAlign" val="l"/>
+                            <dgm:param type="linDir" val="fromT"/>
+                          </dgm:alg>
+                        </dgm:if>
+                        <dgm:else name="Name141">
+                          <dgm:alg type="hierChild"/>
+                        </dgm:else>
+                      </dgm:choose>
+                    </dgm:if>
+                    <dgm:else name="Name142"/>
+                  </dgm:choose>
+                  <dgm:shape xmlns:r="http://schemas.openxmlformats.org/officeDocument/2006/relationships" r:blip="">
+                    <dgm:adjLst/>
+                  </dgm:shape>
+                  <dgm:presOf/>
+                  <dgm:constrLst/>
+                  <dgm:ruleLst/>
+                  <dgm:forEach name="Name143" ref="rep2a"/>
+                </dgm:layoutNode>
+                <dgm:layoutNode name="hierChild7">
+                  <dgm:choose name="Name144">
+                    <dgm:if name="Name145" func="var" arg="dir" op="equ" val="norm">
+                      <dgm:alg type="hierChild">
+                        <dgm:param type="chAlign" val="l"/>
+                        <dgm:param type="linDir" val="fromL"/>
+                        <dgm:param type="secChAlign" val="t"/>
+                        <dgm:param type="secLinDir" val="fromT"/>
+                      </dgm:alg>
+                    </dgm:if>
+                    <dgm:else name="Name146">
+                      <dgm:alg type="hierChild">
+                        <dgm:param type="chAlign" val="l"/>
+                        <dgm:param type="linDir" val="fromR"/>
+                        <dgm:param type="secChAlign" val="t"/>
+                        <dgm:param type="secLinDir" val="fromT"/>
+                      </dgm:alg>
+                    </dgm:else>
+                  </dgm:choose>
+                  <dgm:shape xmlns:r="http://schemas.openxmlformats.org/officeDocument/2006/relationships" r:blip="">
+                    <dgm:adjLst/>
+                  </dgm:shape>
+                  <dgm:presOf/>
+                  <dgm:constrLst/>
+                  <dgm:ruleLst/>
+                  <dgm:forEach name="Name147" ref="rep2b"/>
+                </dgm:layoutNode>
+              </dgm:layoutNode>
+            </dgm:forEach>
+          </dgm:layoutNode>
+        </dgm:layoutNode>
+      </dgm:forEach>
+    </dgm:forEach>
+  </dgm:layoutNode>
+</dgm:layoutDef>
+</file>
+
+<file path=ppt/diagrams/layout4.xml><?xml version="1.0" encoding="utf-8"?>
 <dgm:layoutDef xmlns:dgm="http://schemas.openxmlformats.org/drawingml/2006/diagram" xmlns:a="http://schemas.openxmlformats.org/drawingml/2006/main" uniqueId="urn:microsoft.com/office/officeart/2005/8/layout/list1">
   <dgm:title val=""/>
   <dgm:desc val=""/>
@@ -10835,6 +13641,1040 @@
 </dgm:styleDef>
 </file>
 
+<file path=ppt/diagrams/quickStyle4.xml><?xml version="1.0" encoding="utf-8"?>
+<dgm:styleDef xmlns:dgm="http://schemas.openxmlformats.org/drawingml/2006/diagram" xmlns:a="http://schemas.openxmlformats.org/drawingml/2006/main" uniqueId="urn:microsoft.com/office/officeart/2005/8/quickstyle/simple1">
+  <dgm:title val=""/>
+  <dgm:desc val=""/>
+  <dgm:catLst>
+    <dgm:cat type="simple" pri="10100"/>
+  </dgm:catLst>
+  <dgm:scene3d>
+    <a:camera prst="orthographicFront"/>
+    <a:lightRig rig="threePt" dir="t"/>
+  </dgm:scene3d>
+  <dgm:styleLbl name="node0">
+    <dgm:scene3d>
+      <a:camera prst="orthographicFront"/>
+      <a:lightRig rig="threePt" dir="t"/>
+    </dgm:scene3d>
+    <dgm:sp3d/>
+    <dgm:txPr/>
+    <dgm:style>
+      <a:lnRef idx="2">
+        <a:scrgbClr r="0" g="0" b="0"/>
+      </a:lnRef>
+      <a:fillRef idx="1">
+        <a:scrgbClr r="0" g="0" b="0"/>
+      </a:fillRef>
+      <a:effectRef idx="0">
+        <a:scrgbClr r="0" g="0" b="0"/>
+      </a:effectRef>
+      <a:fontRef idx="minor">
+        <a:schemeClr val="lt1"/>
+      </a:fontRef>
+    </dgm:style>
+  </dgm:styleLbl>
+  <dgm:styleLbl name="lnNode1">
+    <dgm:scene3d>
+      <a:camera prst="orthographicFront"/>
+      <a:lightRig rig="threePt" dir="t"/>
+    </dgm:scene3d>
+    <dgm:sp3d/>
+    <dgm:txPr/>
+    <dgm:style>
+      <a:lnRef idx="2">
+        <a:scrgbClr r="0" g="0" b="0"/>
+      </a:lnRef>
+      <a:fillRef idx="1">
+        <a:scrgbClr r="0" g="0" b="0"/>
+      </a:fillRef>
+      <a:effectRef idx="0">
+        <a:scrgbClr r="0" g="0" b="0"/>
+      </a:effectRef>
+      <a:fontRef idx="minor">
+        <a:schemeClr val="lt1"/>
+      </a:fontRef>
+    </dgm:style>
+  </dgm:styleLbl>
+  <dgm:styleLbl name="vennNode1">
+    <dgm:scene3d>
+      <a:camera prst="orthographicFront"/>
+      <a:lightRig rig="threePt" dir="t"/>
+    </dgm:scene3d>
+    <dgm:sp3d/>
+    <dgm:txPr/>
+    <dgm:style>
+      <a:lnRef idx="2">
+        <a:scrgbClr r="0" g="0" b="0"/>
+      </a:lnRef>
+      <a:fillRef idx="1">
+        <a:scrgbClr r="0" g="0" b="0"/>
+      </a:fillRef>
+      <a:effectRef idx="0">
+        <a:scrgbClr r="0" g="0" b="0"/>
+      </a:effectRef>
+      <a:fontRef idx="minor">
+        <a:schemeClr val="tx1"/>
+      </a:fontRef>
+    </dgm:style>
+  </dgm:styleLbl>
+  <dgm:styleLbl name="alignNode1">
+    <dgm:scene3d>
+      <a:camera prst="orthographicFront"/>
+      <a:lightRig rig="threePt" dir="t"/>
+    </dgm:scene3d>
+    <dgm:sp3d/>
+    <dgm:txPr/>
+    <dgm:style>
+      <a:lnRef idx="2">
+        <a:scrgbClr r="0" g="0" b="0"/>
+      </a:lnRef>
+      <a:fillRef idx="1">
+        <a:scrgbClr r="0" g="0" b="0"/>
+      </a:fillRef>
+      <a:effectRef idx="0">
+        <a:scrgbClr r="0" g="0" b="0"/>
+      </a:effectRef>
+      <a:fontRef idx="minor">
+        <a:schemeClr val="lt1"/>
+      </a:fontRef>
+    </dgm:style>
+  </dgm:styleLbl>
+  <dgm:styleLbl name="node1">
+    <dgm:scene3d>
+      <a:camera prst="orthographicFront"/>
+      <a:lightRig rig="threePt" dir="t"/>
+    </dgm:scene3d>
+    <dgm:sp3d/>
+    <dgm:txPr/>
+    <dgm:style>
+      <a:lnRef idx="2">
+        <a:scrgbClr r="0" g="0" b="0"/>
+      </a:lnRef>
+      <a:fillRef idx="1">
+        <a:scrgbClr r="0" g="0" b="0"/>
+      </a:fillRef>
+      <a:effectRef idx="0">
+        <a:scrgbClr r="0" g="0" b="0"/>
+      </a:effectRef>
+      <a:fontRef idx="minor">
+        <a:schemeClr val="lt1"/>
+      </a:fontRef>
+    </dgm:style>
+  </dgm:styleLbl>
+  <dgm:styleLbl name="node2">
+    <dgm:scene3d>
+      <a:camera prst="orthographicFront"/>
+      <a:lightRig rig="threePt" dir="t"/>
+    </dgm:scene3d>
+    <dgm:sp3d/>
+    <dgm:txPr/>
+    <dgm:style>
+      <a:lnRef idx="2">
+        <a:scrgbClr r="0" g="0" b="0"/>
+      </a:lnRef>
+      <a:fillRef idx="1">
+        <a:scrgbClr r="0" g="0" b="0"/>
+      </a:fillRef>
+      <a:effectRef idx="0">
+        <a:scrgbClr r="0" g="0" b="0"/>
+      </a:effectRef>
+      <a:fontRef idx="minor">
+        <a:schemeClr val="lt1"/>
+      </a:fontRef>
+    </dgm:style>
+  </dgm:styleLbl>
+  <dgm:styleLbl name="node3">
+    <dgm:scene3d>
+      <a:camera prst="orthographicFront"/>
+      <a:lightRig rig="threePt" dir="t"/>
+    </dgm:scene3d>
+    <dgm:sp3d/>
+    <dgm:txPr/>
+    <dgm:style>
+      <a:lnRef idx="2">
+        <a:scrgbClr r="0" g="0" b="0"/>
+      </a:lnRef>
+      <a:fillRef idx="1">
+        <a:scrgbClr r="0" g="0" b="0"/>
+      </a:fillRef>
+      <a:effectRef idx="0">
+        <a:scrgbClr r="0" g="0" b="0"/>
+      </a:effectRef>
+      <a:fontRef idx="minor">
+        <a:schemeClr val="lt1"/>
+      </a:fontRef>
+    </dgm:style>
+  </dgm:styleLbl>
+  <dgm:styleLbl name="node4">
+    <dgm:scene3d>
+      <a:camera prst="orthographicFront"/>
+      <a:lightRig rig="threePt" dir="t"/>
+    </dgm:scene3d>
+    <dgm:sp3d/>
+    <dgm:txPr/>
+    <dgm:style>
+      <a:lnRef idx="2">
+        <a:scrgbClr r="0" g="0" b="0"/>
+      </a:lnRef>
+      <a:fillRef idx="1">
+        <a:scrgbClr r="0" g="0" b="0"/>
+      </a:fillRef>
+      <a:effectRef idx="0">
+        <a:scrgbClr r="0" g="0" b="0"/>
+      </a:effectRef>
+      <a:fontRef idx="minor">
+        <a:schemeClr val="lt1"/>
+      </a:fontRef>
+    </dgm:style>
+  </dgm:styleLbl>
+  <dgm:styleLbl name="fgImgPlace1">
+    <dgm:scene3d>
+      <a:camera prst="orthographicFront"/>
+      <a:lightRig rig="threePt" dir="t"/>
+    </dgm:scene3d>
+    <dgm:sp3d/>
+    <dgm:txPr/>
+    <dgm:style>
+      <a:lnRef idx="2">
+        <a:scrgbClr r="0" g="0" b="0"/>
+      </a:lnRef>
+      <a:fillRef idx="1">
+        <a:scrgbClr r="0" g="0" b="0"/>
+      </a:fillRef>
+      <a:effectRef idx="0">
+        <a:scrgbClr r="0" g="0" b="0"/>
+      </a:effectRef>
+      <a:fontRef idx="minor"/>
+    </dgm:style>
+  </dgm:styleLbl>
+  <dgm:styleLbl name="alignImgPlace1">
+    <dgm:scene3d>
+      <a:camera prst="orthographicFront"/>
+      <a:lightRig rig="threePt" dir="t"/>
+    </dgm:scene3d>
+    <dgm:sp3d/>
+    <dgm:txPr/>
+    <dgm:style>
+      <a:lnRef idx="2">
+        <a:scrgbClr r="0" g="0" b="0"/>
+      </a:lnRef>
+      <a:fillRef idx="1">
+        <a:scrgbClr r="0" g="0" b="0"/>
+      </a:fillRef>
+      <a:effectRef idx="0">
+        <a:scrgbClr r="0" g="0" b="0"/>
+      </a:effectRef>
+      <a:fontRef idx="minor"/>
+    </dgm:style>
+  </dgm:styleLbl>
+  <dgm:styleLbl name="bgImgPlace1">
+    <dgm:scene3d>
+      <a:camera prst="orthographicFront"/>
+      <a:lightRig rig="threePt" dir="t"/>
+    </dgm:scene3d>
+    <dgm:sp3d/>
+    <dgm:txPr/>
+    <dgm:style>
+      <a:lnRef idx="2">
+        <a:scrgbClr r="0" g="0" b="0"/>
+      </a:lnRef>
+      <a:fillRef idx="1">
+        <a:scrgbClr r="0" g="0" b="0"/>
+      </a:fillRef>
+      <a:effectRef idx="0">
+        <a:scrgbClr r="0" g="0" b="0"/>
+      </a:effectRef>
+      <a:fontRef idx="minor"/>
+    </dgm:style>
+  </dgm:styleLbl>
+  <dgm:styleLbl name="sibTrans2D1">
+    <dgm:scene3d>
+      <a:camera prst="orthographicFront"/>
+      <a:lightRig rig="threePt" dir="t"/>
+    </dgm:scene3d>
+    <dgm:sp3d/>
+    <dgm:txPr/>
+    <dgm:style>
+      <a:lnRef idx="0">
+        <a:scrgbClr r="0" g="0" b="0"/>
+      </a:lnRef>
+      <a:fillRef idx="1">
+        <a:scrgbClr r="0" g="0" b="0"/>
+      </a:fillRef>
+      <a:effectRef idx="0">
+        <a:scrgbClr r="0" g="0" b="0"/>
+      </a:effectRef>
+      <a:fontRef idx="minor">
+        <a:schemeClr val="lt1"/>
+      </a:fontRef>
+    </dgm:style>
+  </dgm:styleLbl>
+  <dgm:styleLbl name="fgSibTrans2D1">
+    <dgm:scene3d>
+      <a:camera prst="orthographicFront"/>
+      <a:lightRig rig="threePt" dir="t"/>
+    </dgm:scene3d>
+    <dgm:sp3d/>
+    <dgm:txPr/>
+    <dgm:style>
+      <a:lnRef idx="0">
+        <a:scrgbClr r="0" g="0" b="0"/>
+      </a:lnRef>
+      <a:fillRef idx="1">
+        <a:scrgbClr r="0" g="0" b="0"/>
+      </a:fillRef>
+      <a:effectRef idx="0">
+        <a:scrgbClr r="0" g="0" b="0"/>
+      </a:effectRef>
+      <a:fontRef idx="minor">
+        <a:schemeClr val="lt1"/>
+      </a:fontRef>
+    </dgm:style>
+  </dgm:styleLbl>
+  <dgm:styleLbl name="bgSibTrans2D1">
+    <dgm:scene3d>
+      <a:camera prst="orthographicFront"/>
+      <a:lightRig rig="threePt" dir="t"/>
+    </dgm:scene3d>
+    <dgm:sp3d/>
+    <dgm:txPr/>
+    <dgm:style>
+      <a:lnRef idx="0">
+        <a:scrgbClr r="0" g="0" b="0"/>
+      </a:lnRef>
+      <a:fillRef idx="1">
+        <a:scrgbClr r="0" g="0" b="0"/>
+      </a:fillRef>
+      <a:effectRef idx="0">
+        <a:scrgbClr r="0" g="0" b="0"/>
+      </a:effectRef>
+      <a:fontRef idx="minor">
+        <a:schemeClr val="lt1"/>
+      </a:fontRef>
+    </dgm:style>
+  </dgm:styleLbl>
+  <dgm:styleLbl name="sibTrans1D1">
+    <dgm:scene3d>
+      <a:camera prst="orthographicFront"/>
+      <a:lightRig rig="threePt" dir="t"/>
+    </dgm:scene3d>
+    <dgm:sp3d/>
+    <dgm:txPr/>
+    <dgm:style>
+      <a:lnRef idx="1">
+        <a:scrgbClr r="0" g="0" b="0"/>
+      </a:lnRef>
+      <a:fillRef idx="0">
+        <a:scrgbClr r="0" g="0" b="0"/>
+      </a:fillRef>
+      <a:effectRef idx="0">
+        <a:scrgbClr r="0" g="0" b="0"/>
+      </a:effectRef>
+      <a:fontRef idx="minor"/>
+    </dgm:style>
+  </dgm:styleLbl>
+  <dgm:styleLbl name="callout">
+    <dgm:scene3d>
+      <a:camera prst="orthographicFront"/>
+      <a:lightRig rig="threePt" dir="t"/>
+    </dgm:scene3d>
+    <dgm:sp3d/>
+    <dgm:txPr/>
+    <dgm:style>
+      <a:lnRef idx="2">
+        <a:scrgbClr r="0" g="0" b="0"/>
+      </a:lnRef>
+      <a:fillRef idx="1">
+        <a:scrgbClr r="0" g="0" b="0"/>
+      </a:fillRef>
+      <a:effectRef idx="0">
+        <a:scrgbClr r="0" g="0" b="0"/>
+      </a:effectRef>
+      <a:fontRef idx="minor"/>
+    </dgm:style>
+  </dgm:styleLbl>
+  <dgm:styleLbl name="asst0">
+    <dgm:scene3d>
+      <a:camera prst="orthographicFront"/>
+      <a:lightRig rig="threePt" dir="t"/>
+    </dgm:scene3d>
+    <dgm:sp3d/>
+    <dgm:txPr/>
+    <dgm:style>
+      <a:lnRef idx="2">
+        <a:scrgbClr r="0" g="0" b="0"/>
+      </a:lnRef>
+      <a:fillRef idx="1">
+        <a:scrgbClr r="0" g="0" b="0"/>
+      </a:fillRef>
+      <a:effectRef idx="0">
+        <a:scrgbClr r="0" g="0" b="0"/>
+      </a:effectRef>
+      <a:fontRef idx="minor">
+        <a:schemeClr val="lt1"/>
+      </a:fontRef>
+    </dgm:style>
+  </dgm:styleLbl>
+  <dgm:styleLbl name="asst1">
+    <dgm:scene3d>
+      <a:camera prst="orthographicFront"/>
+      <a:lightRig rig="threePt" dir="t"/>
+    </dgm:scene3d>
+    <dgm:sp3d/>
+    <dgm:txPr/>
+    <dgm:style>
+      <a:lnRef idx="2">
+        <a:scrgbClr r="0" g="0" b="0"/>
+      </a:lnRef>
+      <a:fillRef idx="1">
+        <a:scrgbClr r="0" g="0" b="0"/>
+      </a:fillRef>
+      <a:effectRef idx="0">
+        <a:scrgbClr r="0" g="0" b="0"/>
+      </a:effectRef>
+      <a:fontRef idx="minor">
+        <a:schemeClr val="lt1"/>
+      </a:fontRef>
+    </dgm:style>
+  </dgm:styleLbl>
+  <dgm:styleLbl name="asst2">
+    <dgm:scene3d>
+      <a:camera prst="orthographicFront"/>
+      <a:lightRig rig="threePt" dir="t"/>
+    </dgm:scene3d>
+    <dgm:sp3d/>
+    <dgm:txPr/>
+    <dgm:style>
+      <a:lnRef idx="2">
+        <a:scrgbClr r="0" g="0" b="0"/>
+      </a:lnRef>
+      <a:fillRef idx="1">
+        <a:scrgbClr r="0" g="0" b="0"/>
+      </a:fillRef>
+      <a:effectRef idx="0">
+        <a:scrgbClr r="0" g="0" b="0"/>
+      </a:effectRef>
+      <a:fontRef idx="minor">
+        <a:schemeClr val="lt1"/>
+      </a:fontRef>
+    </dgm:style>
+  </dgm:styleLbl>
+  <dgm:styleLbl name="asst3">
+    <dgm:scene3d>
+      <a:camera prst="orthographicFront"/>
+      <a:lightRig rig="threePt" dir="t"/>
+    </dgm:scene3d>
+    <dgm:sp3d/>
+    <dgm:txPr/>
+    <dgm:style>
+      <a:lnRef idx="2">
+        <a:scrgbClr r="0" g="0" b="0"/>
+      </a:lnRef>
+      <a:fillRef idx="1">
+        <a:scrgbClr r="0" g="0" b="0"/>
+      </a:fillRef>
+      <a:effectRef idx="0">
+        <a:scrgbClr r="0" g="0" b="0"/>
+      </a:effectRef>
+      <a:fontRef idx="minor">
+        <a:schemeClr val="lt1"/>
+      </a:fontRef>
+    </dgm:style>
+  </dgm:styleLbl>
+  <dgm:styleLbl name="asst4">
+    <dgm:scene3d>
+      <a:camera prst="orthographicFront"/>
+      <a:lightRig rig="threePt" dir="t"/>
+    </dgm:scene3d>
+    <dgm:sp3d/>
+    <dgm:txPr/>
+    <dgm:style>
+      <a:lnRef idx="2">
+        <a:scrgbClr r="0" g="0" b="0"/>
+      </a:lnRef>
+      <a:fillRef idx="1">
+        <a:scrgbClr r="0" g="0" b="0"/>
+      </a:fillRef>
+      <a:effectRef idx="0">
+        <a:scrgbClr r="0" g="0" b="0"/>
+      </a:effectRef>
+      <a:fontRef idx="minor">
+        <a:schemeClr val="lt1"/>
+      </a:fontRef>
+    </dgm:style>
+  </dgm:styleLbl>
+  <dgm:styleLbl name="parChTrans2D1">
+    <dgm:scene3d>
+      <a:camera prst="orthographicFront"/>
+      <a:lightRig rig="threePt" dir="t"/>
+    </dgm:scene3d>
+    <dgm:sp3d/>
+    <dgm:txPr/>
+    <dgm:style>
+      <a:lnRef idx="2">
+        <a:scrgbClr r="0" g="0" b="0"/>
+      </a:lnRef>
+      <a:fillRef idx="1">
+        <a:scrgbClr r="0" g="0" b="0"/>
+      </a:fillRef>
+      <a:effectRef idx="0">
+        <a:scrgbClr r="0" g="0" b="0"/>
+      </a:effectRef>
+      <a:fontRef idx="minor">
+        <a:schemeClr val="lt1"/>
+      </a:fontRef>
+    </dgm:style>
+  </dgm:styleLbl>
+  <dgm:styleLbl name="parChTrans2D2">
+    <dgm:scene3d>
+      <a:camera prst="orthographicFront"/>
+      <a:lightRig rig="threePt" dir="t"/>
+    </dgm:scene3d>
+    <dgm:sp3d/>
+    <dgm:txPr/>
+    <dgm:style>
+      <a:lnRef idx="2">
+        <a:scrgbClr r="0" g="0" b="0"/>
+      </a:lnRef>
+      <a:fillRef idx="1">
+        <a:scrgbClr r="0" g="0" b="0"/>
+      </a:fillRef>
+      <a:effectRef idx="0">
+        <a:scrgbClr r="0" g="0" b="0"/>
+      </a:effectRef>
+      <a:fontRef idx="minor">
+        <a:schemeClr val="lt1"/>
+      </a:fontRef>
+    </dgm:style>
+  </dgm:styleLbl>
+  <dgm:styleLbl name="parChTrans2D3">
+    <dgm:scene3d>
+      <a:camera prst="orthographicFront"/>
+      <a:lightRig rig="threePt" dir="t"/>
+    </dgm:scene3d>
+    <dgm:sp3d/>
+    <dgm:txPr/>
+    <dgm:style>
+      <a:lnRef idx="2">
+        <a:scrgbClr r="0" g="0" b="0"/>
+      </a:lnRef>
+      <a:fillRef idx="1">
+        <a:scrgbClr r="0" g="0" b="0"/>
+      </a:fillRef>
+      <a:effectRef idx="0">
+        <a:scrgbClr r="0" g="0" b="0"/>
+      </a:effectRef>
+      <a:fontRef idx="minor">
+        <a:schemeClr val="lt1"/>
+      </a:fontRef>
+    </dgm:style>
+  </dgm:styleLbl>
+  <dgm:styleLbl name="parChTrans2D4">
+    <dgm:scene3d>
+      <a:camera prst="orthographicFront"/>
+      <a:lightRig rig="threePt" dir="t"/>
+    </dgm:scene3d>
+    <dgm:sp3d/>
+    <dgm:txPr/>
+    <dgm:style>
+      <a:lnRef idx="2">
+        <a:scrgbClr r="0" g="0" b="0"/>
+      </a:lnRef>
+      <a:fillRef idx="1">
+        <a:scrgbClr r="0" g="0" b="0"/>
+      </a:fillRef>
+      <a:effectRef idx="0">
+        <a:scrgbClr r="0" g="0" b="0"/>
+      </a:effectRef>
+      <a:fontRef idx="minor">
+        <a:schemeClr val="lt1"/>
+      </a:fontRef>
+    </dgm:style>
+  </dgm:styleLbl>
+  <dgm:styleLbl name="parChTrans1D1">
+    <dgm:scene3d>
+      <a:camera prst="orthographicFront"/>
+      <a:lightRig rig="threePt" dir="t"/>
+    </dgm:scene3d>
+    <dgm:sp3d/>
+    <dgm:txPr/>
+    <dgm:style>
+      <a:lnRef idx="2">
+        <a:scrgbClr r="0" g="0" b="0"/>
+      </a:lnRef>
+      <a:fillRef idx="0">
+        <a:scrgbClr r="0" g="0" b="0"/>
+      </a:fillRef>
+      <a:effectRef idx="0">
+        <a:scrgbClr r="0" g="0" b="0"/>
+      </a:effectRef>
+      <a:fontRef idx="minor"/>
+    </dgm:style>
+  </dgm:styleLbl>
+  <dgm:styleLbl name="parChTrans1D2">
+    <dgm:scene3d>
+      <a:camera prst="orthographicFront"/>
+      <a:lightRig rig="threePt" dir="t"/>
+    </dgm:scene3d>
+    <dgm:sp3d/>
+    <dgm:txPr/>
+    <dgm:style>
+      <a:lnRef idx="2">
+        <a:scrgbClr r="0" g="0" b="0"/>
+      </a:lnRef>
+      <a:fillRef idx="0">
+        <a:scrgbClr r="0" g="0" b="0"/>
+      </a:fillRef>
+      <a:effectRef idx="0">
+        <a:scrgbClr r="0" g="0" b="0"/>
+      </a:effectRef>
+      <a:fontRef idx="minor"/>
+    </dgm:style>
+  </dgm:styleLbl>
+  <dgm:styleLbl name="parChTrans1D3">
+    <dgm:scene3d>
+      <a:camera prst="orthographicFront"/>
+      <a:lightRig rig="threePt" dir="t"/>
+    </dgm:scene3d>
+    <dgm:sp3d/>
+    <dgm:txPr/>
+    <dgm:style>
+      <a:lnRef idx="2">
+        <a:scrgbClr r="0" g="0" b="0"/>
+      </a:lnRef>
+      <a:fillRef idx="0">
+        <a:scrgbClr r="0" g="0" b="0"/>
+      </a:fillRef>
+      <a:effectRef idx="0">
+        <a:scrgbClr r="0" g="0" b="0"/>
+      </a:effectRef>
+      <a:fontRef idx="minor"/>
+    </dgm:style>
+  </dgm:styleLbl>
+  <dgm:styleLbl name="parChTrans1D4">
+    <dgm:scene3d>
+      <a:camera prst="orthographicFront"/>
+      <a:lightRig rig="threePt" dir="t"/>
+    </dgm:scene3d>
+    <dgm:sp3d/>
+    <dgm:txPr/>
+    <dgm:style>
+      <a:lnRef idx="2">
+        <a:scrgbClr r="0" g="0" b="0"/>
+      </a:lnRef>
+      <a:fillRef idx="0">
+        <a:scrgbClr r="0" g="0" b="0"/>
+      </a:fillRef>
+      <a:effectRef idx="0">
+        <a:scrgbClr r="0" g="0" b="0"/>
+      </a:effectRef>
+      <a:fontRef idx="minor"/>
+    </dgm:style>
+  </dgm:styleLbl>
+  <dgm:styleLbl name="fgAcc1">
+    <dgm:scene3d>
+      <a:camera prst="orthographicFront"/>
+      <a:lightRig rig="threePt" dir="t"/>
+    </dgm:scene3d>
+    <dgm:sp3d/>
+    <dgm:txPr/>
+    <dgm:style>
+      <a:lnRef idx="2">
+        <a:scrgbClr r="0" g="0" b="0"/>
+      </a:lnRef>
+      <a:fillRef idx="1">
+        <a:scrgbClr r="0" g="0" b="0"/>
+      </a:fillRef>
+      <a:effectRef idx="0">
+        <a:scrgbClr r="0" g="0" b="0"/>
+      </a:effectRef>
+      <a:fontRef idx="minor"/>
+    </dgm:style>
+  </dgm:styleLbl>
+  <dgm:styleLbl name="conFgAcc1">
+    <dgm:scene3d>
+      <a:camera prst="orthographicFront"/>
+      <a:lightRig rig="threePt" dir="t"/>
+    </dgm:scene3d>
+    <dgm:sp3d/>
+    <dgm:txPr/>
+    <dgm:style>
+      <a:lnRef idx="2">
+        <a:scrgbClr r="0" g="0" b="0"/>
+      </a:lnRef>
+      <a:fillRef idx="1">
+        <a:scrgbClr r="0" g="0" b="0"/>
+      </a:fillRef>
+      <a:effectRef idx="0">
+        <a:scrgbClr r="0" g="0" b="0"/>
+      </a:effectRef>
+      <a:fontRef idx="minor"/>
+    </dgm:style>
+  </dgm:styleLbl>
+  <dgm:styleLbl name="alignAcc1">
+    <dgm:scene3d>
+      <a:camera prst="orthographicFront"/>
+      <a:lightRig rig="threePt" dir="t"/>
+    </dgm:scene3d>
+    <dgm:sp3d/>
+    <dgm:txPr/>
+    <dgm:style>
+      <a:lnRef idx="2">
+        <a:scrgbClr r="0" g="0" b="0"/>
+      </a:lnRef>
+      <a:fillRef idx="1">
+        <a:scrgbClr r="0" g="0" b="0"/>
+      </a:fillRef>
+      <a:effectRef idx="0">
+        <a:scrgbClr r="0" g="0" b="0"/>
+      </a:effectRef>
+      <a:fontRef idx="minor"/>
+    </dgm:style>
+  </dgm:styleLbl>
+  <dgm:styleLbl name="trAlignAcc1">
+    <dgm:scene3d>
+      <a:camera prst="orthographicFront"/>
+      <a:lightRig rig="threePt" dir="t"/>
+    </dgm:scene3d>
+    <dgm:sp3d/>
+    <dgm:txPr/>
+    <dgm:style>
+      <a:lnRef idx="1">
+        <a:scrgbClr r="0" g="0" b="0"/>
+      </a:lnRef>
+      <a:fillRef idx="1">
+        <a:scrgbClr r="0" g="0" b="0"/>
+      </a:fillRef>
+      <a:effectRef idx="0">
+        <a:scrgbClr r="0" g="0" b="0"/>
+      </a:effectRef>
+      <a:fontRef idx="minor"/>
+    </dgm:style>
+  </dgm:styleLbl>
+  <dgm:styleLbl name="bgAcc1">
+    <dgm:scene3d>
+      <a:camera prst="orthographicFront"/>
+      <a:lightRig rig="threePt" dir="t"/>
+    </dgm:scene3d>
+    <dgm:sp3d/>
+    <dgm:txPr/>
+    <dgm:style>
+      <a:lnRef idx="2">
+        <a:scrgbClr r="0" g="0" b="0"/>
+      </a:lnRef>
+      <a:fillRef idx="1">
+        <a:scrgbClr r="0" g="0" b="0"/>
+      </a:fillRef>
+      <a:effectRef idx="0">
+        <a:scrgbClr r="0" g="0" b="0"/>
+      </a:effectRef>
+      <a:fontRef idx="minor"/>
+    </dgm:style>
+  </dgm:styleLbl>
+  <dgm:styleLbl name="solidFgAcc1">
+    <dgm:scene3d>
+      <a:camera prst="orthographicFront"/>
+      <a:lightRig rig="threePt" dir="t"/>
+    </dgm:scene3d>
+    <dgm:sp3d/>
+    <dgm:txPr/>
+    <dgm:style>
+      <a:lnRef idx="2">
+        <a:scrgbClr r="0" g="0" b="0"/>
+      </a:lnRef>
+      <a:fillRef idx="1">
+        <a:scrgbClr r="0" g="0" b="0"/>
+      </a:fillRef>
+      <a:effectRef idx="0">
+        <a:scrgbClr r="0" g="0" b="0"/>
+      </a:effectRef>
+      <a:fontRef idx="minor"/>
+    </dgm:style>
+  </dgm:styleLbl>
+  <dgm:styleLbl name="solidAlignAcc1">
+    <dgm:scene3d>
+      <a:camera prst="orthographicFront"/>
+      <a:lightRig rig="threePt" dir="t"/>
+    </dgm:scene3d>
+    <dgm:sp3d/>
+    <dgm:txPr/>
+    <dgm:style>
+      <a:lnRef idx="2">
+        <a:scrgbClr r="0" g="0" b="0"/>
+      </a:lnRef>
+      <a:fillRef idx="1">
+        <a:scrgbClr r="0" g="0" b="0"/>
+      </a:fillRef>
+      <a:effectRef idx="0">
+        <a:scrgbClr r="0" g="0" b="0"/>
+      </a:effectRef>
+      <a:fontRef idx="minor"/>
+    </dgm:style>
+  </dgm:styleLbl>
+  <dgm:styleLbl name="solidBgAcc1">
+    <dgm:scene3d>
+      <a:camera prst="orthographicFront"/>
+      <a:lightRig rig="threePt" dir="t"/>
+    </dgm:scene3d>
+    <dgm:sp3d/>
+    <dgm:txPr/>
+    <dgm:style>
+      <a:lnRef idx="2">
+        <a:scrgbClr r="0" g="0" b="0"/>
+      </a:lnRef>
+      <a:fillRef idx="1">
+        <a:scrgbClr r="0" g="0" b="0"/>
+      </a:fillRef>
+      <a:effectRef idx="0">
+        <a:scrgbClr r="0" g="0" b="0"/>
+      </a:effectRef>
+      <a:fontRef idx="minor"/>
+    </dgm:style>
+  </dgm:styleLbl>
+  <dgm:styleLbl name="fgAccFollowNode1">
+    <dgm:scene3d>
+      <a:camera prst="orthographicFront"/>
+      <a:lightRig rig="threePt" dir="t"/>
+    </dgm:scene3d>
+    <dgm:sp3d/>
+    <dgm:txPr/>
+    <dgm:style>
+      <a:lnRef idx="2">
+        <a:scrgbClr r="0" g="0" b="0"/>
+      </a:lnRef>
+      <a:fillRef idx="1">
+        <a:scrgbClr r="0" g="0" b="0"/>
+      </a:fillRef>
+      <a:effectRef idx="0">
+        <a:scrgbClr r="0" g="0" b="0"/>
+      </a:effectRef>
+      <a:fontRef idx="minor"/>
+    </dgm:style>
+  </dgm:styleLbl>
+  <dgm:styleLbl name="alignAccFollowNode1">
+    <dgm:scene3d>
+      <a:camera prst="orthographicFront"/>
+      <a:lightRig rig="threePt" dir="t"/>
+    </dgm:scene3d>
+    <dgm:sp3d/>
+    <dgm:txPr/>
+    <dgm:style>
+      <a:lnRef idx="2">
+        <a:scrgbClr r="0" g="0" b="0"/>
+      </a:lnRef>
+      <a:fillRef idx="1">
+        <a:scrgbClr r="0" g="0" b="0"/>
+      </a:fillRef>
+      <a:effectRef idx="0">
+        <a:scrgbClr r="0" g="0" b="0"/>
+      </a:effectRef>
+      <a:fontRef idx="minor"/>
+    </dgm:style>
+  </dgm:styleLbl>
+  <dgm:styleLbl name="bgAccFollowNode1">
+    <dgm:scene3d>
+      <a:camera prst="orthographicFront"/>
+      <a:lightRig rig="threePt" dir="t"/>
+    </dgm:scene3d>
+    <dgm:sp3d/>
+    <dgm:txPr/>
+    <dgm:style>
+      <a:lnRef idx="2">
+        <a:scrgbClr r="0" g="0" b="0"/>
+      </a:lnRef>
+      <a:fillRef idx="1">
+        <a:scrgbClr r="0" g="0" b="0"/>
+      </a:fillRef>
+      <a:effectRef idx="0">
+        <a:scrgbClr r="0" g="0" b="0"/>
+      </a:effectRef>
+      <a:fontRef idx="minor"/>
+    </dgm:style>
+  </dgm:styleLbl>
+  <dgm:styleLbl name="fgAcc0">
+    <dgm:scene3d>
+      <a:camera prst="orthographicFront"/>
+      <a:lightRig rig="threePt" dir="t"/>
+    </dgm:scene3d>
+    <dgm:sp3d/>
+    <dgm:txPr/>
+    <dgm:style>
+      <a:lnRef idx="2">
+        <a:scrgbClr r="0" g="0" b="0"/>
+      </a:lnRef>
+      <a:fillRef idx="1">
+        <a:scrgbClr r="0" g="0" b="0"/>
+      </a:fillRef>
+      <a:effectRef idx="0">
+        <a:scrgbClr r="0" g="0" b="0"/>
+      </a:effectRef>
+      <a:fontRef idx="minor"/>
+    </dgm:style>
+  </dgm:styleLbl>
+  <dgm:styleLbl name="fgAcc2">
+    <dgm:scene3d>
+      <a:camera prst="orthographicFront"/>
+      <a:lightRig rig="threePt" dir="t"/>
+    </dgm:scene3d>
+    <dgm:sp3d/>
+    <dgm:txPr/>
+    <dgm:style>
+      <a:lnRef idx="2">
+        <a:scrgbClr r="0" g="0" b="0"/>
+      </a:lnRef>
+      <a:fillRef idx="1">
+        <a:scrgbClr r="0" g="0" b="0"/>
+      </a:fillRef>
+      <a:effectRef idx="0">
+        <a:scrgbClr r="0" g="0" b="0"/>
+      </a:effectRef>
+      <a:fontRef idx="minor"/>
+    </dgm:style>
+  </dgm:styleLbl>
+  <dgm:styleLbl name="fgAcc3">
+    <dgm:scene3d>
+      <a:camera prst="orthographicFront"/>
+      <a:lightRig rig="threePt" dir="t"/>
+    </dgm:scene3d>
+    <dgm:sp3d/>
+    <dgm:txPr/>
+    <dgm:style>
+      <a:lnRef idx="2">
+        <a:scrgbClr r="0" g="0" b="0"/>
+      </a:lnRef>
+      <a:fillRef idx="1">
+        <a:scrgbClr r="0" g="0" b="0"/>
+      </a:fillRef>
+      <a:effectRef idx="0">
+        <a:scrgbClr r="0" g="0" b="0"/>
+      </a:effectRef>
+      <a:fontRef idx="minor"/>
+    </dgm:style>
+  </dgm:styleLbl>
+  <dgm:styleLbl name="fgAcc4">
+    <dgm:scene3d>
+      <a:camera prst="orthographicFront"/>
+      <a:lightRig rig="threePt" dir="t"/>
+    </dgm:scene3d>
+    <dgm:sp3d/>
+    <dgm:txPr/>
+    <dgm:style>
+      <a:lnRef idx="2">
+        <a:scrgbClr r="0" g="0" b="0"/>
+      </a:lnRef>
+      <a:fillRef idx="1">
+        <a:scrgbClr r="0" g="0" b="0"/>
+      </a:fillRef>
+      <a:effectRef idx="0">
+        <a:scrgbClr r="0" g="0" b="0"/>
+      </a:effectRef>
+      <a:fontRef idx="minor"/>
+    </dgm:style>
+  </dgm:styleLbl>
+  <dgm:styleLbl name="bgShp">
+    <dgm:scene3d>
+      <a:camera prst="orthographicFront"/>
+      <a:lightRig rig="threePt" dir="t"/>
+    </dgm:scene3d>
+    <dgm:sp3d/>
+    <dgm:txPr/>
+    <dgm:style>
+      <a:lnRef idx="0">
+        <a:scrgbClr r="0" g="0" b="0"/>
+      </a:lnRef>
+      <a:fillRef idx="1">
+        <a:scrgbClr r="0" g="0" b="0"/>
+      </a:fillRef>
+      <a:effectRef idx="0">
+        <a:scrgbClr r="0" g="0" b="0"/>
+      </a:effectRef>
+      <a:fontRef idx="minor"/>
+    </dgm:style>
+  </dgm:styleLbl>
+  <dgm:styleLbl name="dkBgShp">
+    <dgm:scene3d>
+      <a:camera prst="orthographicFront"/>
+      <a:lightRig rig="threePt" dir="t"/>
+    </dgm:scene3d>
+    <dgm:sp3d/>
+    <dgm:txPr/>
+    <dgm:style>
+      <a:lnRef idx="0">
+        <a:scrgbClr r="0" g="0" b="0"/>
+      </a:lnRef>
+      <a:fillRef idx="1">
+        <a:scrgbClr r="0" g="0" b="0"/>
+      </a:fillRef>
+      <a:effectRef idx="0">
+        <a:scrgbClr r="0" g="0" b="0"/>
+      </a:effectRef>
+      <a:fontRef idx="minor"/>
+    </dgm:style>
+  </dgm:styleLbl>
+  <dgm:styleLbl name="trBgShp">
+    <dgm:scene3d>
+      <a:camera prst="orthographicFront"/>
+      <a:lightRig rig="threePt" dir="t"/>
+    </dgm:scene3d>
+    <dgm:sp3d/>
+    <dgm:txPr/>
+    <dgm:style>
+      <a:lnRef idx="0">
+        <a:scrgbClr r="0" g="0" b="0"/>
+      </a:lnRef>
+      <a:fillRef idx="1">
+        <a:scrgbClr r="0" g="0" b="0"/>
+      </a:fillRef>
+      <a:effectRef idx="0">
+        <a:scrgbClr r="0" g="0" b="0"/>
+      </a:effectRef>
+      <a:fontRef idx="minor"/>
+    </dgm:style>
+  </dgm:styleLbl>
+  <dgm:styleLbl name="fgShp">
+    <dgm:scene3d>
+      <a:camera prst="orthographicFront"/>
+      <a:lightRig rig="threePt" dir="t"/>
+    </dgm:scene3d>
+    <dgm:sp3d/>
+    <dgm:txPr/>
+    <dgm:style>
+      <a:lnRef idx="2">
+        <a:scrgbClr r="0" g="0" b="0"/>
+      </a:lnRef>
+      <a:fillRef idx="1">
+        <a:scrgbClr r="0" g="0" b="0"/>
+      </a:fillRef>
+      <a:effectRef idx="0">
+        <a:scrgbClr r="0" g="0" b="0"/>
+      </a:effectRef>
+      <a:fontRef idx="minor"/>
+    </dgm:style>
+  </dgm:styleLbl>
+  <dgm:styleLbl name="revTx">
+    <dgm:scene3d>
+      <a:camera prst="orthographicFront"/>
+      <a:lightRig rig="threePt" dir="t"/>
+    </dgm:scene3d>
+    <dgm:sp3d/>
+    <dgm:txPr/>
+    <dgm:style>
+      <a:lnRef idx="0">
+        <a:scrgbClr r="0" g="0" b="0"/>
+      </a:lnRef>
+      <a:fillRef idx="0">
+        <a:scrgbClr r="0" g="0" b="0"/>
+      </a:fillRef>
+      <a:effectRef idx="0">
+        <a:scrgbClr r="0" g="0" b="0"/>
+      </a:effectRef>
+      <a:fontRef idx="minor"/>
+    </dgm:style>
+  </dgm:styleLbl>
+</dgm:styleDef>
+</file>
+
 <file path=ppt/handoutMasters/handoutMaster1.xml><?xml version="1.0" encoding="utf-8"?>
 <p:handoutMaster xmlns:a="http://schemas.openxmlformats.org/drawingml/2006/main" xmlns:r="http://schemas.openxmlformats.org/officeDocument/2006/relationships" xmlns:p="http://schemas.openxmlformats.org/presentationml/2006/main">
   <p:cSld>
@@ -10929,7 +14769,7 @@
           <a:p>
             <a:fld id="{9367C481-621E-4B04-B936-193580AC839C}" type="datetimeFigureOut">
               <a:rPr lang="en-US" smtClean="0"/>
-              <a:t>7/27/2023</a:t>
+              <a:t>7/31/2023</a:t>
             </a:fld>
             <a:endParaRPr lang="en-US"/>
           </a:p>
@@ -11110,7 +14950,7 @@
           <a:p>
             <a:fld id="{73802A21-C84F-49D8-B756-DFA8B1015CAC}" type="datetimeFigureOut">
               <a:rPr lang="en-US" smtClean="0"/>
-              <a:t>7/27/2023</a:t>
+              <a:t>7/31/2023</a:t>
             </a:fld>
             <a:endParaRPr lang="en-US"/>
           </a:p>
@@ -11530,7 +15370,7 @@
           <a:p>
             <a:fld id="{A6EF1A6F-E424-4B9E-A6EF-BD3AD08B8CD1}" type="datetimeFigureOut">
               <a:rPr lang="en-IN" smtClean="0"/>
-              <a:t>27-07-2023</a:t>
+              <a:t>31-07-2023</a:t>
             </a:fld>
             <a:endParaRPr lang="en-IN"/>
           </a:p>
@@ -11730,7 +15570,7 @@
           <a:p>
             <a:fld id="{A6EF1A6F-E424-4B9E-A6EF-BD3AD08B8CD1}" type="datetimeFigureOut">
               <a:rPr lang="en-IN" smtClean="0"/>
-              <a:t>27-07-2023</a:t>
+              <a:t>31-07-2023</a:t>
             </a:fld>
             <a:endParaRPr lang="en-IN"/>
           </a:p>
@@ -11940,7 +15780,7 @@
           <a:p>
             <a:fld id="{A6EF1A6F-E424-4B9E-A6EF-BD3AD08B8CD1}" type="datetimeFigureOut">
               <a:rPr lang="en-IN" smtClean="0"/>
-              <a:t>27-07-2023</a:t>
+              <a:t>31-07-2023</a:t>
             </a:fld>
             <a:endParaRPr lang="en-IN"/>
           </a:p>
@@ -12140,7 +15980,7 @@
           <a:p>
             <a:fld id="{A6EF1A6F-E424-4B9E-A6EF-BD3AD08B8CD1}" type="datetimeFigureOut">
               <a:rPr lang="en-IN" smtClean="0"/>
-              <a:t>27-07-2023</a:t>
+              <a:t>31-07-2023</a:t>
             </a:fld>
             <a:endParaRPr lang="en-IN"/>
           </a:p>
@@ -12416,7 +16256,7 @@
           <a:p>
             <a:fld id="{A6EF1A6F-E424-4B9E-A6EF-BD3AD08B8CD1}" type="datetimeFigureOut">
               <a:rPr lang="en-IN" smtClean="0"/>
-              <a:t>27-07-2023</a:t>
+              <a:t>31-07-2023</a:t>
             </a:fld>
             <a:endParaRPr lang="en-IN"/>
           </a:p>
@@ -12684,7 +16524,7 @@
           <a:p>
             <a:fld id="{A6EF1A6F-E424-4B9E-A6EF-BD3AD08B8CD1}" type="datetimeFigureOut">
               <a:rPr lang="en-IN" smtClean="0"/>
-              <a:t>27-07-2023</a:t>
+              <a:t>31-07-2023</a:t>
             </a:fld>
             <a:endParaRPr lang="en-IN"/>
           </a:p>
@@ -13099,7 +16939,7 @@
           <a:p>
             <a:fld id="{A6EF1A6F-E424-4B9E-A6EF-BD3AD08B8CD1}" type="datetimeFigureOut">
               <a:rPr lang="en-IN" smtClean="0"/>
-              <a:t>27-07-2023</a:t>
+              <a:t>31-07-2023</a:t>
             </a:fld>
             <a:endParaRPr lang="en-IN"/>
           </a:p>
@@ -13241,7 +17081,7 @@
           <a:p>
             <a:fld id="{A6EF1A6F-E424-4B9E-A6EF-BD3AD08B8CD1}" type="datetimeFigureOut">
               <a:rPr lang="en-IN" smtClean="0"/>
-              <a:t>27-07-2023</a:t>
+              <a:t>31-07-2023</a:t>
             </a:fld>
             <a:endParaRPr lang="en-IN"/>
           </a:p>
@@ -13354,7 +17194,7 @@
           <a:p>
             <a:fld id="{A6EF1A6F-E424-4B9E-A6EF-BD3AD08B8CD1}" type="datetimeFigureOut">
               <a:rPr lang="en-IN" smtClean="0"/>
-              <a:t>27-07-2023</a:t>
+              <a:t>31-07-2023</a:t>
             </a:fld>
             <a:endParaRPr lang="en-IN"/>
           </a:p>
@@ -13667,7 +17507,7 @@
           <a:p>
             <a:fld id="{A6EF1A6F-E424-4B9E-A6EF-BD3AD08B8CD1}" type="datetimeFigureOut">
               <a:rPr lang="en-IN" smtClean="0"/>
-              <a:t>27-07-2023</a:t>
+              <a:t>31-07-2023</a:t>
             </a:fld>
             <a:endParaRPr lang="en-IN"/>
           </a:p>
@@ -13956,7 +17796,7 @@
           <a:p>
             <a:fld id="{A6EF1A6F-E424-4B9E-A6EF-BD3AD08B8CD1}" type="datetimeFigureOut">
               <a:rPr lang="en-IN" smtClean="0"/>
-              <a:t>27-07-2023</a:t>
+              <a:t>31-07-2023</a:t>
             </a:fld>
             <a:endParaRPr lang="en-IN"/>
           </a:p>
@@ -14199,7 +18039,7 @@
           <a:p>
             <a:fld id="{A6EF1A6F-E424-4B9E-A6EF-BD3AD08B8CD1}" type="datetimeFigureOut">
               <a:rPr lang="en-IN" smtClean="0"/>
-              <a:t>27-07-2023</a:t>
+              <a:t>31-07-2023</a:t>
             </a:fld>
             <a:endParaRPr lang="en-IN"/>
           </a:p>
@@ -14856,773 +18696,6 @@
             <p:ph type="title"/>
           </p:nvPr>
         </p:nvSpPr>
-        <p:spPr>
-          <a:xfrm>
-            <a:off x="838200" y="365125"/>
-            <a:ext cx="10515600" cy="1090813"/>
-          </a:xfrm>
-        </p:spPr>
-        <p:txBody>
-          <a:bodyPr/>
-          <a:lstStyle/>
-          <a:p>
-            <a:r>
-              <a:rPr lang="en-US" dirty="0">
-                <a:cs typeface="Calibri" panose="020F0502020204030204" pitchFamily="34" charset="0"/>
-              </a:rPr>
-              <a:t>Topic Week 5 - </a:t>
-            </a:r>
-            <a:r>
-              <a:rPr lang="en-US" sz="2800" b="0" i="0" dirty="0">
-                <a:solidFill>
-                  <a:srgbClr val="1D1C1D"/>
-                </a:solidFill>
-                <a:effectLst/>
-                <a:latin typeface="Slack-Lato"/>
-              </a:rPr>
-              <a:t>Directives</a:t>
-            </a:r>
-            <a:endParaRPr lang="en-IN" sz="2800" dirty="0"/>
-          </a:p>
-        </p:txBody>
-      </p:sp>
-      <p:sp>
-        <p:nvSpPr>
-          <p:cNvPr id="3" name="Content Placeholder 2">
-            <a:extLst>
-              <a:ext uri="{FF2B5EF4-FFF2-40B4-BE49-F238E27FC236}">
-                <a16:creationId xmlns:a16="http://schemas.microsoft.com/office/drawing/2014/main" id="{68FDFF87-6288-B2D0-832B-42615EAC0407}"/>
-              </a:ext>
-            </a:extLst>
-          </p:cNvPr>
-          <p:cNvSpPr>
-            <a:spLocks noGrp="1"/>
-          </p:cNvSpPr>
-          <p:nvPr>
-            <p:ph idx="1"/>
-          </p:nvPr>
-        </p:nvSpPr>
-        <p:spPr>
-          <a:xfrm>
-            <a:off x="838200" y="1455938"/>
-            <a:ext cx="10515600" cy="4721025"/>
-          </a:xfrm>
-        </p:spPr>
-        <p:txBody>
-          <a:bodyPr>
-            <a:normAutofit fontScale="92500"/>
-          </a:bodyPr>
-          <a:lstStyle/>
-          <a:p>
-            <a:pPr marL="0" indent="0">
-              <a:buNone/>
-            </a:pPr>
-            <a:r>
-              <a:rPr lang="en-IN" sz="1600" dirty="0"/>
-              <a:t>Directives:</a:t>
-            </a:r>
-          </a:p>
-          <a:p>
-            <a:pPr marL="0" indent="0">
-              <a:buNone/>
-            </a:pPr>
-            <a:r>
-              <a:rPr lang="en-US" sz="1200" b="0" i="0" dirty="0">
-                <a:solidFill>
-                  <a:srgbClr val="444444"/>
-                </a:solidFill>
-                <a:effectLst/>
-                <a:latin typeface="Roboto" panose="020B0604020202020204" pitchFamily="2" charset="0"/>
-              </a:rPr>
-              <a:t>Directives are classes with a </a:t>
-            </a:r>
-            <a:r>
-              <a:rPr lang="en-US" sz="1200" b="1" i="0" dirty="0">
-                <a:solidFill>
-                  <a:srgbClr val="444444"/>
-                </a:solidFill>
-                <a:effectLst/>
-                <a:latin typeface="Roboto" panose="020B0604020202020204" pitchFamily="2" charset="0"/>
-              </a:rPr>
-              <a:t>@directive </a:t>
-            </a:r>
-            <a:r>
-              <a:rPr lang="en-US" sz="1200" i="0" dirty="0">
-                <a:solidFill>
-                  <a:srgbClr val="444444"/>
-                </a:solidFill>
-                <a:effectLst/>
-                <a:latin typeface="Roboto" panose="020B0604020202020204" pitchFamily="2" charset="0"/>
-              </a:rPr>
-              <a:t>decorator</a:t>
-            </a:r>
-            <a:r>
-              <a:rPr lang="en-US" sz="1200" b="0" i="0" dirty="0">
-                <a:solidFill>
-                  <a:srgbClr val="444444"/>
-                </a:solidFill>
-                <a:effectLst/>
-                <a:latin typeface="Roboto" panose="020B0604020202020204" pitchFamily="2" charset="0"/>
-              </a:rPr>
-              <a:t> that add additional behavior to elements in your Angular </a:t>
-            </a:r>
-            <a:r>
-              <a:rPr lang="en-US" sz="1200" dirty="0">
-                <a:solidFill>
-                  <a:srgbClr val="444444"/>
-                </a:solidFill>
-                <a:latin typeface="Roboto" panose="020B0604020202020204" pitchFamily="2" charset="0"/>
-              </a:rPr>
-              <a:t>applications. It helps us to manipulate the DOM. You can change the appearance, behavior, or layout of a DOM element using the Directives. They help you to extend HTML behavior and properties.</a:t>
-            </a:r>
-          </a:p>
-          <a:p>
-            <a:pPr marL="0" indent="0">
-              <a:buNone/>
-            </a:pPr>
-            <a:endParaRPr lang="en-US" sz="1200" dirty="0">
-              <a:solidFill>
-                <a:srgbClr val="444444"/>
-              </a:solidFill>
-              <a:latin typeface="Roboto" panose="020B0604020202020204" pitchFamily="2" charset="0"/>
-            </a:endParaRPr>
-          </a:p>
-          <a:p>
-            <a:pPr marL="0" indent="0">
-              <a:buNone/>
-            </a:pPr>
-            <a:endParaRPr lang="en-US" sz="1200" dirty="0">
-              <a:solidFill>
-                <a:srgbClr val="444444"/>
-              </a:solidFill>
-              <a:latin typeface="Roboto" panose="020B0604020202020204" pitchFamily="2" charset="0"/>
-            </a:endParaRPr>
-          </a:p>
-          <a:p>
-            <a:pPr marL="0" indent="0">
-              <a:buNone/>
-            </a:pPr>
-            <a:endParaRPr lang="en-US" sz="1200" dirty="0">
-              <a:solidFill>
-                <a:srgbClr val="444444"/>
-              </a:solidFill>
-              <a:latin typeface="Roboto" panose="020B0604020202020204" pitchFamily="2" charset="0"/>
-            </a:endParaRPr>
-          </a:p>
-          <a:p>
-            <a:pPr marL="0" indent="0">
-              <a:buNone/>
-            </a:pPr>
-            <a:endParaRPr lang="en-US" sz="1200" dirty="0">
-              <a:solidFill>
-                <a:srgbClr val="444444"/>
-              </a:solidFill>
-              <a:latin typeface="Roboto" panose="020B0604020202020204" pitchFamily="2" charset="0"/>
-            </a:endParaRPr>
-          </a:p>
-          <a:p>
-            <a:pPr marL="0" indent="0">
-              <a:buNone/>
-            </a:pPr>
-            <a:endParaRPr lang="en-US" sz="1200" dirty="0">
-              <a:solidFill>
-                <a:srgbClr val="444444"/>
-              </a:solidFill>
-              <a:latin typeface="Roboto" panose="020B0604020202020204" pitchFamily="2" charset="0"/>
-            </a:endParaRPr>
-          </a:p>
-          <a:p>
-            <a:pPr lvl="1" fontAlgn="base">
-              <a:buFont typeface="+mj-lt"/>
-              <a:buAutoNum type="arabicPeriod"/>
-            </a:pPr>
-            <a:endParaRPr lang="en-US" sz="1200" dirty="0">
-              <a:solidFill>
-                <a:srgbClr val="444444"/>
-              </a:solidFill>
-              <a:latin typeface="Roboto" panose="020B0604020202020204" pitchFamily="2" charset="0"/>
-            </a:endParaRPr>
-          </a:p>
-          <a:p>
-            <a:pPr lvl="1" fontAlgn="base">
-              <a:buFont typeface="+mj-lt"/>
-              <a:buAutoNum type="arabicPeriod"/>
-            </a:pPr>
-            <a:endParaRPr lang="en-US" sz="1200" dirty="0">
-              <a:solidFill>
-                <a:srgbClr val="444444"/>
-              </a:solidFill>
-              <a:latin typeface="Roboto" panose="020B0604020202020204" pitchFamily="2" charset="0"/>
-            </a:endParaRPr>
-          </a:p>
-          <a:p>
-            <a:pPr marL="0" indent="0" fontAlgn="base">
-              <a:buNone/>
-            </a:pPr>
-            <a:endParaRPr lang="en-US" sz="1600" dirty="0">
-              <a:solidFill>
-                <a:srgbClr val="444444"/>
-              </a:solidFill>
-              <a:latin typeface="Roboto" panose="020B0604020202020204" pitchFamily="2" charset="0"/>
-            </a:endParaRPr>
-          </a:p>
-          <a:p>
-            <a:pPr marL="0" indent="0" fontAlgn="base">
-              <a:buNone/>
-            </a:pPr>
-            <a:endParaRPr lang="en-US" sz="1600" dirty="0">
-              <a:solidFill>
-                <a:srgbClr val="444444"/>
-              </a:solidFill>
-              <a:latin typeface="Roboto" panose="020B0604020202020204" pitchFamily="2" charset="0"/>
-            </a:endParaRPr>
-          </a:p>
-          <a:p>
-            <a:pPr marL="0" indent="0" fontAlgn="base">
-              <a:buNone/>
-            </a:pPr>
-            <a:r>
-              <a:rPr lang="en-US" sz="1600" dirty="0">
-                <a:solidFill>
-                  <a:srgbClr val="444444"/>
-                </a:solidFill>
-                <a:latin typeface="Roboto" panose="020B0604020202020204" pitchFamily="2" charset="0"/>
-              </a:rPr>
-              <a:t>Create Directives:</a:t>
-            </a:r>
-          </a:p>
-          <a:p>
-            <a:pPr marL="0" indent="0" fontAlgn="base">
-              <a:buNone/>
-            </a:pPr>
-            <a:r>
-              <a:rPr lang="en-US" sz="1200" dirty="0">
-                <a:solidFill>
-                  <a:srgbClr val="444444"/>
-                </a:solidFill>
-                <a:latin typeface="Roboto" panose="020B0604020202020204" pitchFamily="2" charset="0"/>
-              </a:rPr>
-              <a:t>In this section, we will learn how to create directive using Angular CLI command.</a:t>
-            </a:r>
-          </a:p>
-          <a:p>
-            <a:pPr fontAlgn="base">
-              <a:buAutoNum type="arabicPeriod"/>
-            </a:pPr>
-            <a:r>
-              <a:rPr lang="en-US" sz="1200" dirty="0">
-                <a:solidFill>
-                  <a:srgbClr val="444444"/>
-                </a:solidFill>
-                <a:latin typeface="Roboto" panose="020B0604020202020204" pitchFamily="2" charset="0"/>
-              </a:rPr>
-              <a:t>To create a directive, use the CLI command-</a:t>
-            </a:r>
-          </a:p>
-          <a:p>
-            <a:pPr marL="457200" lvl="1" indent="0" fontAlgn="base">
-              <a:buNone/>
-            </a:pPr>
-            <a:r>
-              <a:rPr lang="en-US" sz="1200" dirty="0">
-                <a:solidFill>
-                  <a:srgbClr val="444444"/>
-                </a:solidFill>
-                <a:latin typeface="Roboto Light" panose="020B0604020202020204" pitchFamily="2" charset="0"/>
-                <a:ea typeface="Roboto Light" panose="020B0604020202020204" pitchFamily="2" charset="0"/>
-                <a:cs typeface="Roboto Light" panose="020B0604020202020204" pitchFamily="2" charset="0"/>
-              </a:rPr>
-              <a:t>ng generate directive directive-name</a:t>
-            </a:r>
-          </a:p>
-          <a:p>
-            <a:pPr marL="0" indent="0" fontAlgn="base">
-              <a:buNone/>
-            </a:pPr>
-            <a:r>
-              <a:rPr lang="en-US" sz="1200" dirty="0">
-                <a:solidFill>
-                  <a:srgbClr val="444444"/>
-                </a:solidFill>
-                <a:latin typeface="Roboto" panose="020B0604020202020204" pitchFamily="2" charset="0"/>
-              </a:rPr>
-              <a:t>The above command will create the directive inside </a:t>
-            </a:r>
-            <a:r>
-              <a:rPr lang="en-US" sz="1200" dirty="0" err="1">
-                <a:solidFill>
-                  <a:srgbClr val="444444"/>
-                </a:solidFill>
-                <a:latin typeface="Roboto" panose="020B0604020202020204" pitchFamily="2" charset="0"/>
-              </a:rPr>
-              <a:t>src</a:t>
-            </a:r>
-            <a:r>
-              <a:rPr lang="en-US" sz="1200" dirty="0">
-                <a:solidFill>
-                  <a:srgbClr val="444444"/>
-                </a:solidFill>
-                <a:latin typeface="Roboto" panose="020B0604020202020204" pitchFamily="2" charset="0"/>
-              </a:rPr>
-              <a:t>/app/directive-</a:t>
-            </a:r>
-            <a:r>
-              <a:rPr lang="en-US" sz="1200" dirty="0" err="1">
-                <a:solidFill>
-                  <a:srgbClr val="444444"/>
-                </a:solidFill>
-                <a:latin typeface="Roboto" panose="020B0604020202020204" pitchFamily="2" charset="0"/>
-              </a:rPr>
-              <a:t>name.ts</a:t>
-            </a:r>
-            <a:r>
-              <a:rPr lang="en-US" sz="1200" dirty="0">
-                <a:solidFill>
-                  <a:srgbClr val="444444"/>
-                </a:solidFill>
-                <a:latin typeface="Roboto" panose="020B0604020202020204" pitchFamily="2" charset="0"/>
-              </a:rPr>
-              <a:t>, a corresponding test file .</a:t>
-            </a:r>
-            <a:r>
-              <a:rPr lang="en-US" sz="1200" dirty="0" err="1">
-                <a:solidFill>
-                  <a:srgbClr val="444444"/>
-                </a:solidFill>
-                <a:latin typeface="Roboto" panose="020B0604020202020204" pitchFamily="2" charset="0"/>
-              </a:rPr>
-              <a:t>spec.ts</a:t>
-            </a:r>
-            <a:r>
-              <a:rPr lang="en-US" sz="1200" dirty="0">
-                <a:solidFill>
-                  <a:srgbClr val="444444"/>
-                </a:solidFill>
-                <a:latin typeface="Roboto" panose="020B0604020202020204" pitchFamily="2" charset="0"/>
-              </a:rPr>
-              <a:t> and declares the directive class in </a:t>
-            </a:r>
-            <a:r>
-              <a:rPr lang="en-US" sz="1200" dirty="0" err="1">
-                <a:solidFill>
-                  <a:srgbClr val="444444"/>
-                </a:solidFill>
-                <a:latin typeface="Roboto" panose="020B0604020202020204" pitchFamily="2" charset="0"/>
-              </a:rPr>
-              <a:t>AppModule</a:t>
-            </a:r>
-            <a:r>
-              <a:rPr lang="en-US" sz="1200" dirty="0">
-                <a:solidFill>
-                  <a:srgbClr val="444444"/>
-                </a:solidFill>
-                <a:latin typeface="Roboto" panose="020B0604020202020204" pitchFamily="2" charset="0"/>
-              </a:rPr>
-              <a:t>.</a:t>
-            </a:r>
-          </a:p>
-        </p:txBody>
-      </p:sp>
-      <p:graphicFrame>
-        <p:nvGraphicFramePr>
-          <p:cNvPr id="4" name="Table 4">
-            <a:extLst>
-              <a:ext uri="{FF2B5EF4-FFF2-40B4-BE49-F238E27FC236}">
-                <a16:creationId xmlns:a16="http://schemas.microsoft.com/office/drawing/2014/main" id="{9FBABFB1-21AF-283D-69FE-2C291142A7A1}"/>
-              </a:ext>
-            </a:extLst>
-          </p:cNvPr>
-          <p:cNvGraphicFramePr>
-            <a:graphicFrameLocks noGrp="1"/>
-          </p:cNvGraphicFramePr>
-          <p:nvPr>
-            <p:extLst>
-              <p:ext uri="{D42A27DB-BD31-4B8C-83A1-F6EECF244321}">
-                <p14:modId xmlns:p14="http://schemas.microsoft.com/office/powerpoint/2010/main" val="643562988"/>
-              </p:ext>
-            </p:extLst>
-          </p:nvPr>
-        </p:nvGraphicFramePr>
-        <p:xfrm>
-          <a:off x="923276" y="2175692"/>
-          <a:ext cx="9632273" cy="2194560"/>
-        </p:xfrm>
-        <a:graphic>
-          <a:graphicData uri="http://schemas.openxmlformats.org/drawingml/2006/table">
-            <a:tbl>
-              <a:tblPr firstRow="1" bandRow="1">
-                <a:tableStyleId>{5C22544A-7EE6-4342-B048-85BDC9FD1C3A}</a:tableStyleId>
-              </a:tblPr>
-              <a:tblGrid>
-                <a:gridCol w="6337342">
-                  <a:extLst>
-                    <a:ext uri="{9D8B030D-6E8A-4147-A177-3AD203B41FA5}">
-                      <a16:colId xmlns:a16="http://schemas.microsoft.com/office/drawing/2014/main" val="1533764456"/>
-                    </a:ext>
-                  </a:extLst>
-                </a:gridCol>
-                <a:gridCol w="3294931">
-                  <a:extLst>
-                    <a:ext uri="{9D8B030D-6E8A-4147-A177-3AD203B41FA5}">
-                      <a16:colId xmlns:a16="http://schemas.microsoft.com/office/drawing/2014/main" val="3450138678"/>
-                    </a:ext>
-                  </a:extLst>
-                </a:gridCol>
-              </a:tblGrid>
-              <a:tr h="1781546">
-                <a:tc>
-                  <a:txBody>
-                    <a:bodyPr/>
-                    <a:lstStyle/>
-                    <a:p>
-                      <a:pPr lvl="0" fontAlgn="base">
-                        <a:buFont typeface="+mj-lt"/>
-                        <a:buAutoNum type="arabicPeriod"/>
-                      </a:pPr>
-                      <a:r>
-                        <a:rPr lang="en-US" sz="1200" b="0" dirty="0">
-                          <a:solidFill>
-                            <a:srgbClr val="444444"/>
-                          </a:solidFill>
-                          <a:latin typeface="Roboto" panose="020B0604020202020204" pitchFamily="2" charset="0"/>
-                        </a:rPr>
-                        <a:t>Component - Components are special directives in Angular. They are the directive with a template (view). In effect, it is a component directive that shows something in DOM. [details covered in component topics]</a:t>
-                      </a:r>
-                    </a:p>
-                    <a:p>
-                      <a:pPr lvl="0" fontAlgn="base">
-                        <a:buFont typeface="+mj-lt"/>
-                        <a:buAutoNum type="arabicPeriod"/>
-                      </a:pPr>
-                      <a:endParaRPr lang="en-US" sz="1200" b="0" dirty="0">
-                        <a:solidFill>
-                          <a:srgbClr val="444444"/>
-                        </a:solidFill>
-                        <a:latin typeface="Roboto" panose="020B0604020202020204" pitchFamily="2" charset="0"/>
-                      </a:endParaRPr>
-                    </a:p>
-                    <a:p>
-                      <a:pPr lvl="0" fontAlgn="base">
-                        <a:buFont typeface="+mj-lt"/>
-                        <a:buAutoNum type="arabicPeriod"/>
-                      </a:pPr>
-                      <a:r>
-                        <a:rPr lang="en-US" sz="1200" b="0" dirty="0">
-                          <a:solidFill>
-                            <a:srgbClr val="444444"/>
-                          </a:solidFill>
-                          <a:latin typeface="Roboto" panose="020B0604020202020204" pitchFamily="2" charset="0"/>
-                        </a:rPr>
-                        <a:t>Structural directives - Structural directives can change the DOM layout by adding and removing DOM elements. </a:t>
-                      </a:r>
-                      <a:r>
-                        <a:rPr lang="en-US" sz="1200" b="0" dirty="0" err="1">
-                          <a:solidFill>
-                            <a:srgbClr val="444444"/>
-                          </a:solidFill>
-                          <a:latin typeface="Roboto" panose="020B0604020202020204" pitchFamily="2" charset="0"/>
-                        </a:rPr>
-                        <a:t>Eg</a:t>
-                      </a:r>
-                      <a:r>
-                        <a:rPr lang="en-US" sz="1200" b="0" dirty="0">
-                          <a:solidFill>
-                            <a:srgbClr val="444444"/>
-                          </a:solidFill>
-                          <a:latin typeface="Roboto" panose="020B0604020202020204" pitchFamily="2" charset="0"/>
-                        </a:rPr>
-                        <a:t>: </a:t>
-                      </a:r>
-                      <a:r>
-                        <a:rPr lang="en-US" sz="1200" b="0" dirty="0" err="1">
-                          <a:solidFill>
-                            <a:srgbClr val="444444"/>
-                          </a:solidFill>
-                          <a:latin typeface="Roboto" panose="020B0604020202020204" pitchFamily="2" charset="0"/>
-                        </a:rPr>
-                        <a:t>ngFor</a:t>
-                      </a:r>
-                      <a:r>
-                        <a:rPr lang="en-US" sz="1200" b="0" dirty="0">
-                          <a:solidFill>
-                            <a:srgbClr val="444444"/>
-                          </a:solidFill>
-                          <a:latin typeface="Roboto" panose="020B0604020202020204" pitchFamily="2" charset="0"/>
-                        </a:rPr>
-                        <a:t>, </a:t>
-                      </a:r>
-                      <a:r>
-                        <a:rPr lang="en-US" sz="1200" b="0" dirty="0" err="1">
-                          <a:solidFill>
-                            <a:srgbClr val="444444"/>
-                          </a:solidFill>
-                          <a:latin typeface="Roboto" panose="020B0604020202020204" pitchFamily="2" charset="0"/>
-                        </a:rPr>
-                        <a:t>ngIf</a:t>
-                      </a:r>
-                      <a:r>
-                        <a:rPr lang="en-US" sz="1200" b="0" dirty="0">
-                          <a:solidFill>
-                            <a:srgbClr val="444444"/>
-                          </a:solidFill>
-                          <a:latin typeface="Roboto" panose="020B0604020202020204" pitchFamily="2" charset="0"/>
-                        </a:rPr>
-                        <a:t>, </a:t>
-                      </a:r>
-                      <a:r>
-                        <a:rPr lang="en-US" sz="1200" b="0" dirty="0" err="1">
-                          <a:solidFill>
-                            <a:srgbClr val="444444"/>
-                          </a:solidFill>
-                          <a:latin typeface="Roboto" panose="020B0604020202020204" pitchFamily="2" charset="0"/>
-                        </a:rPr>
-                        <a:t>ngSwitch</a:t>
-                      </a:r>
-                      <a:r>
-                        <a:rPr lang="en-US" sz="1200" b="0" dirty="0">
-                          <a:solidFill>
-                            <a:srgbClr val="444444"/>
-                          </a:solidFill>
-                          <a:latin typeface="Roboto" panose="020B0604020202020204" pitchFamily="2" charset="0"/>
-                        </a:rPr>
-                        <a:t> etc.</a:t>
-                      </a:r>
-                    </a:p>
-                    <a:p>
-                      <a:pPr lvl="0" fontAlgn="base">
-                        <a:buFont typeface="+mj-lt"/>
-                        <a:buAutoNum type="arabicPeriod"/>
-                      </a:pPr>
-                      <a:endParaRPr lang="en-US" sz="1200" b="0" dirty="0">
-                        <a:solidFill>
-                          <a:srgbClr val="444444"/>
-                        </a:solidFill>
-                        <a:latin typeface="Roboto" panose="020B0604020202020204" pitchFamily="2" charset="0"/>
-                      </a:endParaRPr>
-                    </a:p>
-                    <a:p>
-                      <a:pPr lvl="0" fontAlgn="base">
-                        <a:buFont typeface="+mj-lt"/>
-                        <a:buAutoNum type="arabicPeriod"/>
-                      </a:pPr>
-                      <a:r>
-                        <a:rPr lang="en-US" sz="1200" b="0" dirty="0">
-                          <a:solidFill>
-                            <a:srgbClr val="444444"/>
-                          </a:solidFill>
-                          <a:latin typeface="Roboto" panose="020B0604020202020204" pitchFamily="2" charset="0"/>
-                        </a:rPr>
-                        <a:t>Attribute directives - Attribute directives change the appearance or behavior of DOM elements and components. </a:t>
-                      </a:r>
-                      <a:r>
-                        <a:rPr lang="en-US" sz="1200" b="0" dirty="0" err="1">
-                          <a:solidFill>
-                            <a:srgbClr val="444444"/>
-                          </a:solidFill>
-                          <a:latin typeface="Roboto" panose="020B0604020202020204" pitchFamily="2" charset="0"/>
-                        </a:rPr>
-                        <a:t>Eg</a:t>
-                      </a:r>
-                      <a:r>
-                        <a:rPr lang="en-US" sz="1200" b="0" dirty="0">
-                          <a:solidFill>
-                            <a:srgbClr val="444444"/>
-                          </a:solidFill>
-                          <a:latin typeface="Roboto" panose="020B0604020202020204" pitchFamily="2" charset="0"/>
-                        </a:rPr>
-                        <a:t>: </a:t>
-                      </a:r>
-                      <a:r>
-                        <a:rPr lang="en-US" sz="1200" b="0" dirty="0" err="1">
-                          <a:solidFill>
-                            <a:srgbClr val="444444"/>
-                          </a:solidFill>
-                          <a:latin typeface="Roboto" panose="020B0604020202020204" pitchFamily="2" charset="0"/>
-                        </a:rPr>
-                        <a:t>ngModel</a:t>
-                      </a:r>
-                      <a:r>
-                        <a:rPr lang="en-US" sz="1200" b="0" dirty="0">
-                          <a:solidFill>
-                            <a:srgbClr val="444444"/>
-                          </a:solidFill>
-                          <a:latin typeface="Roboto" panose="020B0604020202020204" pitchFamily="2" charset="0"/>
-                        </a:rPr>
-                        <a:t>, </a:t>
-                      </a:r>
-                      <a:r>
-                        <a:rPr lang="en-US" sz="1200" b="0" dirty="0" err="1">
-                          <a:solidFill>
-                            <a:srgbClr val="444444"/>
-                          </a:solidFill>
-                          <a:latin typeface="Roboto" panose="020B0604020202020204" pitchFamily="2" charset="0"/>
-                        </a:rPr>
-                        <a:t>ngClass</a:t>
-                      </a:r>
-                      <a:r>
-                        <a:rPr lang="en-US" sz="1200" b="0" dirty="0">
-                          <a:solidFill>
-                            <a:srgbClr val="444444"/>
-                          </a:solidFill>
-                          <a:latin typeface="Roboto" panose="020B0604020202020204" pitchFamily="2" charset="0"/>
-                        </a:rPr>
-                        <a:t>, </a:t>
-                      </a:r>
-                      <a:r>
-                        <a:rPr lang="en-US" sz="1200" b="0" dirty="0" err="1">
-                          <a:solidFill>
-                            <a:srgbClr val="444444"/>
-                          </a:solidFill>
-                          <a:latin typeface="Roboto" panose="020B0604020202020204" pitchFamily="2" charset="0"/>
-                        </a:rPr>
-                        <a:t>ngStyle</a:t>
-                      </a:r>
-                      <a:r>
-                        <a:rPr lang="en-US" sz="1200" b="0" dirty="0">
-                          <a:solidFill>
-                            <a:srgbClr val="444444"/>
-                          </a:solidFill>
-                          <a:latin typeface="Roboto" panose="020B0604020202020204" pitchFamily="2" charset="0"/>
-                        </a:rPr>
-                        <a:t>.</a:t>
-                      </a:r>
-                    </a:p>
-                    <a:p>
-                      <a:pPr lvl="1" fontAlgn="base">
-                        <a:buFont typeface="+mj-lt"/>
-                        <a:buAutoNum type="arabicPeriod"/>
-                      </a:pPr>
-                      <a:endParaRPr lang="en-US" sz="1200" dirty="0">
-                        <a:solidFill>
-                          <a:srgbClr val="444444"/>
-                        </a:solidFill>
-                        <a:latin typeface="Roboto" panose="020B0604020202020204" pitchFamily="2" charset="0"/>
-                      </a:endParaRPr>
-                    </a:p>
-                    <a:p>
-                      <a:endParaRPr lang="en-US" dirty="0"/>
-                    </a:p>
-                  </a:txBody>
-                  <a:tcPr>
-                    <a:noFill/>
-                  </a:tcPr>
-                </a:tc>
-                <a:tc>
-                  <a:txBody>
-                    <a:bodyPr/>
-                    <a:lstStyle/>
-                    <a:p>
-                      <a:endParaRPr lang="en-US" dirty="0"/>
-                    </a:p>
-                  </a:txBody>
-                  <a:tcPr>
-                    <a:noFill/>
-                  </a:tcPr>
-                </a:tc>
-                <a:extLst>
-                  <a:ext uri="{0D108BD9-81ED-4DB2-BD59-A6C34878D82A}">
-                    <a16:rowId xmlns:a16="http://schemas.microsoft.com/office/drawing/2014/main" val="3211494452"/>
-                  </a:ext>
-                </a:extLst>
-              </a:tr>
-            </a:tbl>
-          </a:graphicData>
-        </a:graphic>
-      </p:graphicFrame>
-      <p:pic>
-        <p:nvPicPr>
-          <p:cNvPr id="6" name="Picture 6" descr="A diagram of a structure&#10;&#10;Description automatically generated">
-            <a:extLst>
-              <a:ext uri="{FF2B5EF4-FFF2-40B4-BE49-F238E27FC236}">
-                <a16:creationId xmlns:a16="http://schemas.microsoft.com/office/drawing/2014/main" id="{3984D9BC-CC30-8DC5-6139-D2272D9066CF}"/>
-              </a:ext>
-              <a:ext uri="{C183D7F6-B498-43B3-948B-1728B52AA6E4}">
-                <adec:decorative xmlns:adec="http://schemas.microsoft.com/office/drawing/2017/decorative" val="0"/>
-              </a:ext>
-            </a:extLst>
-          </p:cNvPr>
-          <p:cNvPicPr>
-            <a:picLocks noChangeAspect="1" noChangeArrowheads="1"/>
-          </p:cNvPicPr>
-          <p:nvPr/>
-        </p:nvPicPr>
-        <p:blipFill rotWithShape="1">
-          <a:blip r:embed="rId2">
-            <a:extLst>
-              <a:ext uri="{28A0092B-C50C-407E-A947-70E740481C1C}">
-                <a14:useLocalDpi xmlns:a14="http://schemas.microsoft.com/office/drawing/2010/main" val="0"/>
-              </a:ext>
-            </a:extLst>
-          </a:blip>
-          <a:srcRect l="12858" t="5326" r="3945" b="6263"/>
-          <a:stretch/>
-        </p:blipFill>
-        <p:spPr bwMode="auto">
-          <a:xfrm>
-            <a:off x="7306322" y="2329050"/>
-            <a:ext cx="3249227" cy="1887844"/>
-          </a:xfrm>
-          <a:prstGeom prst="rect">
-            <a:avLst/>
-          </a:prstGeom>
-          <a:noFill/>
-          <a:extLst>
-            <a:ext uri="{909E8E84-426E-40DD-AFC4-6F175D3DCCD1}">
-              <a14:hiddenFill xmlns:a14="http://schemas.microsoft.com/office/drawing/2010/main">
-                <a:solidFill>
-                  <a:srgbClr val="FFFFFF"/>
-                </a:solidFill>
-              </a14:hiddenFill>
-            </a:ext>
-          </a:extLst>
-        </p:spPr>
-      </p:pic>
-    </p:spTree>
-    <p:extLst>
-      <p:ext uri="{BB962C8B-B14F-4D97-AF65-F5344CB8AC3E}">
-        <p14:creationId xmlns:p14="http://schemas.microsoft.com/office/powerpoint/2010/main" val="4127273390"/>
-      </p:ext>
-    </p:extLst>
-  </p:cSld>
-  <p:clrMapOvr>
-    <a:masterClrMapping/>
-  </p:clrMapOvr>
-</p:sld>
-</file>
-
-<file path=ppt/slides/slide12.xml><?xml version="1.0" encoding="utf-8"?>
-<p:sld xmlns:a="http://schemas.openxmlformats.org/drawingml/2006/main" xmlns:r="http://schemas.openxmlformats.org/officeDocument/2006/relationships" xmlns:p="http://schemas.openxmlformats.org/presentationml/2006/main">
-  <p:cSld>
-    <p:spTree>
-      <p:nvGrpSpPr>
-        <p:cNvPr id="1" name=""/>
-        <p:cNvGrpSpPr/>
-        <p:nvPr/>
-      </p:nvGrpSpPr>
-      <p:grpSpPr>
-        <a:xfrm>
-          <a:off x="0" y="0"/>
-          <a:ext cx="0" cy="0"/>
-          <a:chOff x="0" y="0"/>
-          <a:chExt cx="0" cy="0"/>
-        </a:xfrm>
-      </p:grpSpPr>
-      <p:sp>
-        <p:nvSpPr>
-          <p:cNvPr id="2" name="Title 1">
-            <a:extLst>
-              <a:ext uri="{FF2B5EF4-FFF2-40B4-BE49-F238E27FC236}">
-                <a16:creationId xmlns:a16="http://schemas.microsoft.com/office/drawing/2014/main" id="{590A3669-FC20-A360-44D8-83789DD6BEE5}"/>
-              </a:ext>
-            </a:extLst>
-          </p:cNvPr>
-          <p:cNvSpPr>
-            <a:spLocks noGrp="1"/>
-          </p:cNvSpPr>
-          <p:nvPr>
-            <p:ph type="title"/>
-          </p:nvPr>
-        </p:nvSpPr>
         <p:spPr/>
         <p:txBody>
           <a:bodyPr/>
@@ -16138,7 +19211,7 @@
 </p:sld>
 </file>
 
-<file path=ppt/slides/slide13.xml><?xml version="1.0" encoding="utf-8"?>
+<file path=ppt/slides/slide12.xml><?xml version="1.0" encoding="utf-8"?>
 <p:sld xmlns:a="http://schemas.openxmlformats.org/drawingml/2006/main" xmlns:r="http://schemas.openxmlformats.org/officeDocument/2006/relationships" xmlns:p="http://schemas.openxmlformats.org/presentationml/2006/main">
   <p:cSld>
     <p:spTree>
@@ -18814,7 +21887,7 @@
 </p:sld>
 </file>
 
-<file path=ppt/slides/slide14.xml><?xml version="1.0" encoding="utf-8"?>
+<file path=ppt/slides/slide13.xml><?xml version="1.0" encoding="utf-8"?>
 <p:sld xmlns:a="http://schemas.openxmlformats.org/drawingml/2006/main" xmlns:r="http://schemas.openxmlformats.org/officeDocument/2006/relationships" xmlns:p="http://schemas.openxmlformats.org/presentationml/2006/main">
   <p:cSld>
     <p:spTree>
@@ -21490,7 +24563,1828 @@
 </p:sld>
 </file>
 
+<file path=ppt/slides/slide14.xml><?xml version="1.0" encoding="utf-8"?>
+<p:sld xmlns:a="http://schemas.openxmlformats.org/drawingml/2006/main" xmlns:r="http://schemas.openxmlformats.org/officeDocument/2006/relationships" xmlns:p="http://schemas.openxmlformats.org/presentationml/2006/main">
+  <p:cSld>
+    <p:spTree>
+      <p:nvGrpSpPr>
+        <p:cNvPr id="1" name=""/>
+        <p:cNvGrpSpPr/>
+        <p:nvPr/>
+      </p:nvGrpSpPr>
+      <p:grpSpPr>
+        <a:xfrm>
+          <a:off x="0" y="0"/>
+          <a:ext cx="0" cy="0"/>
+          <a:chOff x="0" y="0"/>
+          <a:chExt cx="0" cy="0"/>
+        </a:xfrm>
+      </p:grpSpPr>
+      <p:sp>
+        <p:nvSpPr>
+          <p:cNvPr id="2" name="Title 1">
+            <a:extLst>
+              <a:ext uri="{FF2B5EF4-FFF2-40B4-BE49-F238E27FC236}">
+                <a16:creationId xmlns:a16="http://schemas.microsoft.com/office/drawing/2014/main" id="{590A3669-FC20-A360-44D8-83789DD6BEE5}"/>
+              </a:ext>
+            </a:extLst>
+          </p:cNvPr>
+          <p:cNvSpPr>
+            <a:spLocks noGrp="1"/>
+          </p:cNvSpPr>
+          <p:nvPr>
+            <p:ph type="title"/>
+          </p:nvPr>
+        </p:nvSpPr>
+        <p:spPr/>
+        <p:txBody>
+          <a:bodyPr/>
+          <a:lstStyle/>
+          <a:p>
+            <a:r>
+              <a:rPr lang="en-US" dirty="0">
+                <a:cs typeface="Calibri" panose="020F0502020204030204" pitchFamily="34" charset="0"/>
+              </a:rPr>
+              <a:t>Topic Week 5 - </a:t>
+            </a:r>
+            <a:r>
+              <a:rPr lang="en-US" sz="2800" b="0" i="0" dirty="0">
+                <a:solidFill>
+                  <a:srgbClr val="1D1C1D"/>
+                </a:solidFill>
+                <a:effectLst/>
+                <a:latin typeface="Slack-Lato"/>
+              </a:rPr>
+              <a:t>Pipes</a:t>
+            </a:r>
+            <a:endParaRPr lang="en-IN" sz="2800" dirty="0"/>
+          </a:p>
+        </p:txBody>
+      </p:sp>
+      <p:sp>
+        <p:nvSpPr>
+          <p:cNvPr id="3" name="Content Placeholder 2">
+            <a:extLst>
+              <a:ext uri="{FF2B5EF4-FFF2-40B4-BE49-F238E27FC236}">
+                <a16:creationId xmlns:a16="http://schemas.microsoft.com/office/drawing/2014/main" id="{68FDFF87-6288-B2D0-832B-42615EAC0407}"/>
+              </a:ext>
+            </a:extLst>
+          </p:cNvPr>
+          <p:cNvSpPr>
+            <a:spLocks noGrp="1"/>
+          </p:cNvSpPr>
+          <p:nvPr>
+            <p:ph sz="half" idx="1"/>
+          </p:nvPr>
+        </p:nvSpPr>
+        <p:spPr/>
+        <p:txBody>
+          <a:bodyPr>
+            <a:normAutofit/>
+          </a:bodyPr>
+          <a:lstStyle/>
+          <a:p>
+            <a:pPr marL="0" indent="0" fontAlgn="base">
+              <a:buNone/>
+            </a:pPr>
+            <a:endParaRPr lang="en-US" sz="1600" dirty="0">
+              <a:solidFill>
+                <a:srgbClr val="444444"/>
+              </a:solidFill>
+              <a:latin typeface="Roboto" panose="020B0604020202020204" pitchFamily="2" charset="0"/>
+            </a:endParaRPr>
+          </a:p>
+          <a:p>
+            <a:pPr marL="0" indent="0" fontAlgn="base">
+              <a:buNone/>
+            </a:pPr>
+            <a:endParaRPr lang="en-US" sz="1600" dirty="0">
+              <a:solidFill>
+                <a:srgbClr val="444444"/>
+              </a:solidFill>
+              <a:latin typeface="Roboto" panose="020B0604020202020204" pitchFamily="2" charset="0"/>
+            </a:endParaRPr>
+          </a:p>
+          <a:p>
+            <a:pPr marL="0" indent="0">
+              <a:buNone/>
+            </a:pPr>
+            <a:endParaRPr lang="en-IN" sz="1200" dirty="0">
+              <a:solidFill>
+                <a:srgbClr val="444444"/>
+              </a:solidFill>
+              <a:latin typeface="Roboto" panose="020B0604020202020204" pitchFamily="2" charset="0"/>
+            </a:endParaRPr>
+          </a:p>
+        </p:txBody>
+      </p:sp>
+      <p:sp>
+        <p:nvSpPr>
+          <p:cNvPr id="12" name="Content Placeholder 11">
+            <a:extLst>
+              <a:ext uri="{FF2B5EF4-FFF2-40B4-BE49-F238E27FC236}">
+                <a16:creationId xmlns:a16="http://schemas.microsoft.com/office/drawing/2014/main" id="{7BDA1399-CFBE-0C68-B6AC-FEF0B30DAAFB}"/>
+              </a:ext>
+            </a:extLst>
+          </p:cNvPr>
+          <p:cNvSpPr>
+            <a:spLocks noGrp="1"/>
+          </p:cNvSpPr>
+          <p:nvPr>
+            <p:ph sz="half" idx="2"/>
+          </p:nvPr>
+        </p:nvSpPr>
+        <p:spPr>
+          <a:xfrm>
+            <a:off x="7765494" y="1571348"/>
+            <a:ext cx="3588306" cy="4605615"/>
+          </a:xfrm>
+        </p:spPr>
+        <p:txBody>
+          <a:bodyPr>
+            <a:normAutofit/>
+          </a:bodyPr>
+          <a:lstStyle/>
+          <a:p>
+            <a:r>
+              <a:rPr lang="en-US" sz="1200" dirty="0">
+                <a:latin typeface="Roboto" panose="02000000000000000000" pitchFamily="2" charset="0"/>
+                <a:ea typeface="Roboto" panose="02000000000000000000" pitchFamily="2" charset="0"/>
+                <a:cs typeface="Roboto" panose="02000000000000000000" pitchFamily="2" charset="0"/>
+              </a:rPr>
+              <a:t>Pure Pipe</a:t>
+            </a:r>
+          </a:p>
+          <a:p>
+            <a:pPr marL="0" indent="0">
+              <a:buNone/>
+            </a:pPr>
+            <a:r>
+              <a:rPr lang="en-US" sz="1000" dirty="0">
+                <a:highlight>
+                  <a:srgbClr val="FFFF00"/>
+                </a:highlight>
+                <a:latin typeface="Roboto Light" panose="02000000000000000000" pitchFamily="2" charset="0"/>
+                <a:ea typeface="Roboto Light" panose="02000000000000000000" pitchFamily="2" charset="0"/>
+                <a:cs typeface="Roboto Light" panose="02000000000000000000" pitchFamily="2" charset="0"/>
+              </a:rPr>
+              <a:t>&lt;div&gt;{{ date | </a:t>
+            </a:r>
+            <a:r>
+              <a:rPr lang="en-US" sz="1000" dirty="0" err="1">
+                <a:highlight>
+                  <a:srgbClr val="FFFF00"/>
+                </a:highlight>
+                <a:latin typeface="Roboto Light" panose="02000000000000000000" pitchFamily="2" charset="0"/>
+                <a:ea typeface="Roboto Light" panose="02000000000000000000" pitchFamily="2" charset="0"/>
+                <a:cs typeface="Roboto Light" panose="02000000000000000000" pitchFamily="2" charset="0"/>
+              </a:rPr>
+              <a:t>localedate</a:t>
+            </a:r>
+            <a:r>
+              <a:rPr lang="en-US" sz="1000" dirty="0">
+                <a:highlight>
+                  <a:srgbClr val="FFFF00"/>
+                </a:highlight>
+                <a:latin typeface="Roboto Light" panose="02000000000000000000" pitchFamily="2" charset="0"/>
+                <a:ea typeface="Roboto Light" panose="02000000000000000000" pitchFamily="2" charset="0"/>
+                <a:cs typeface="Roboto Light" panose="02000000000000000000" pitchFamily="2" charset="0"/>
+              </a:rPr>
+              <a:t>: "</a:t>
+            </a:r>
+            <a:r>
+              <a:rPr lang="en-US" sz="1000" dirty="0" err="1">
+                <a:highlight>
+                  <a:srgbClr val="FFFF00"/>
+                </a:highlight>
+                <a:latin typeface="Roboto Light" panose="02000000000000000000" pitchFamily="2" charset="0"/>
+                <a:ea typeface="Roboto Light" panose="02000000000000000000" pitchFamily="2" charset="0"/>
+                <a:cs typeface="Roboto Light" panose="02000000000000000000" pitchFamily="2" charset="0"/>
+              </a:rPr>
+              <a:t>fr</a:t>
+            </a:r>
+            <a:r>
+              <a:rPr lang="en-US" sz="1000" dirty="0">
+                <a:highlight>
+                  <a:srgbClr val="FFFF00"/>
+                </a:highlight>
+                <a:latin typeface="Roboto Light" panose="02000000000000000000" pitchFamily="2" charset="0"/>
+                <a:ea typeface="Roboto Light" panose="02000000000000000000" pitchFamily="2" charset="0"/>
+                <a:cs typeface="Roboto Light" panose="02000000000000000000" pitchFamily="2" charset="0"/>
+              </a:rPr>
+              <a:t>" }}&lt;/div&gt;</a:t>
+            </a:r>
+          </a:p>
+          <a:p>
+            <a:r>
+              <a:rPr lang="en-US" sz="1200" dirty="0">
+                <a:latin typeface="Roboto" panose="02000000000000000000" pitchFamily="2" charset="0"/>
+                <a:ea typeface="Roboto" panose="02000000000000000000" pitchFamily="2" charset="0"/>
+                <a:cs typeface="Roboto" panose="02000000000000000000" pitchFamily="2" charset="0"/>
+              </a:rPr>
+              <a:t>Attribute Directive</a:t>
+            </a:r>
+          </a:p>
+          <a:p>
+            <a:pPr marL="0" indent="0">
+              <a:buNone/>
+            </a:pPr>
+            <a:r>
+              <a:rPr lang="en-US" sz="1000" dirty="0">
+                <a:highlight>
+                  <a:srgbClr val="FFFF00"/>
+                </a:highlight>
+                <a:latin typeface="Roboto" panose="02000000000000000000" pitchFamily="2" charset="0"/>
+                <a:ea typeface="Roboto" panose="02000000000000000000" pitchFamily="2" charset="0"/>
+                <a:cs typeface="Roboto" panose="02000000000000000000" pitchFamily="2" charset="0"/>
+              </a:rPr>
+              <a:t>   &lt;</a:t>
+            </a:r>
+            <a:r>
+              <a:rPr lang="en-US" sz="1000" dirty="0" err="1">
+                <a:highlight>
+                  <a:srgbClr val="FFFF00"/>
+                </a:highlight>
+                <a:latin typeface="Roboto" panose="02000000000000000000" pitchFamily="2" charset="0"/>
+                <a:ea typeface="Roboto" panose="02000000000000000000" pitchFamily="2" charset="0"/>
+                <a:cs typeface="Roboto" panose="02000000000000000000" pitchFamily="2" charset="0"/>
+              </a:rPr>
+              <a:t>ul</a:t>
+            </a:r>
+            <a:r>
+              <a:rPr lang="en-US" sz="1000" dirty="0">
+                <a:highlight>
+                  <a:srgbClr val="FFFF00"/>
+                </a:highlight>
+                <a:latin typeface="Roboto" panose="02000000000000000000" pitchFamily="2" charset="0"/>
+                <a:ea typeface="Roboto" panose="02000000000000000000" pitchFamily="2" charset="0"/>
+                <a:cs typeface="Roboto" panose="02000000000000000000" pitchFamily="2" charset="0"/>
+              </a:rPr>
+              <a:t>&gt;</a:t>
+            </a:r>
+          </a:p>
+          <a:p>
+            <a:pPr marL="0" indent="0">
+              <a:buNone/>
+            </a:pPr>
+            <a:r>
+              <a:rPr lang="en-US" sz="1000" dirty="0">
+                <a:highlight>
+                  <a:srgbClr val="FFFF00"/>
+                </a:highlight>
+                <a:latin typeface="Roboto" panose="02000000000000000000" pitchFamily="2" charset="0"/>
+                <a:ea typeface="Roboto" panose="02000000000000000000" pitchFamily="2" charset="0"/>
+                <a:cs typeface="Roboto" panose="02000000000000000000" pitchFamily="2" charset="0"/>
+              </a:rPr>
+              <a:t>    &lt;li *</a:t>
+            </a:r>
+            <a:r>
+              <a:rPr lang="en-US" sz="1000" dirty="0" err="1">
+                <a:highlight>
+                  <a:srgbClr val="FFFF00"/>
+                </a:highlight>
+                <a:latin typeface="Roboto" panose="02000000000000000000" pitchFamily="2" charset="0"/>
+                <a:ea typeface="Roboto" panose="02000000000000000000" pitchFamily="2" charset="0"/>
+                <a:cs typeface="Roboto" panose="02000000000000000000" pitchFamily="2" charset="0"/>
+              </a:rPr>
+              <a:t>ngFor</a:t>
+            </a:r>
+            <a:r>
+              <a:rPr lang="en-US" sz="1000" dirty="0">
+                <a:highlight>
+                  <a:srgbClr val="FFFF00"/>
+                </a:highlight>
+                <a:latin typeface="Roboto" panose="02000000000000000000" pitchFamily="2" charset="0"/>
+                <a:ea typeface="Roboto" panose="02000000000000000000" pitchFamily="2" charset="0"/>
+                <a:cs typeface="Roboto" panose="02000000000000000000" pitchFamily="2" charset="0"/>
+              </a:rPr>
+              <a:t>="let n of numbers | sorted"&gt;{{ n }}&lt;/li&gt;</a:t>
+            </a:r>
+          </a:p>
+          <a:p>
+            <a:pPr marL="0" indent="0">
+              <a:buNone/>
+            </a:pPr>
+            <a:r>
+              <a:rPr lang="en-US" sz="1000" dirty="0">
+                <a:highlight>
+                  <a:srgbClr val="FFFF00"/>
+                </a:highlight>
+                <a:latin typeface="Roboto" panose="02000000000000000000" pitchFamily="2" charset="0"/>
+                <a:ea typeface="Roboto" panose="02000000000000000000" pitchFamily="2" charset="0"/>
+                <a:cs typeface="Roboto" panose="02000000000000000000" pitchFamily="2" charset="0"/>
+              </a:rPr>
+              <a:t>   &lt;/</a:t>
+            </a:r>
+            <a:r>
+              <a:rPr lang="en-US" sz="1000" dirty="0" err="1">
+                <a:highlight>
+                  <a:srgbClr val="FFFF00"/>
+                </a:highlight>
+                <a:latin typeface="Roboto" panose="02000000000000000000" pitchFamily="2" charset="0"/>
+                <a:ea typeface="Roboto" panose="02000000000000000000" pitchFamily="2" charset="0"/>
+                <a:cs typeface="Roboto" panose="02000000000000000000" pitchFamily="2" charset="0"/>
+              </a:rPr>
+              <a:t>ul</a:t>
+            </a:r>
+            <a:r>
+              <a:rPr lang="en-US" sz="1000" dirty="0">
+                <a:highlight>
+                  <a:srgbClr val="FFFF00"/>
+                </a:highlight>
+                <a:latin typeface="Roboto" panose="02000000000000000000" pitchFamily="2" charset="0"/>
+                <a:ea typeface="Roboto" panose="02000000000000000000" pitchFamily="2" charset="0"/>
+                <a:cs typeface="Roboto" panose="02000000000000000000" pitchFamily="2" charset="0"/>
+              </a:rPr>
+              <a:t>&gt;</a:t>
+            </a:r>
+            <a:endParaRPr lang="en-US" sz="1000" dirty="0">
+              <a:highlight>
+                <a:srgbClr val="FFFF00"/>
+              </a:highlight>
+              <a:latin typeface="Roboto Light" panose="02000000000000000000" pitchFamily="2" charset="0"/>
+              <a:ea typeface="Roboto Light" panose="02000000000000000000" pitchFamily="2" charset="0"/>
+              <a:cs typeface="Roboto Light" panose="02000000000000000000" pitchFamily="2" charset="0"/>
+            </a:endParaRPr>
+          </a:p>
+          <a:p>
+            <a:pPr marL="0" indent="0" fontAlgn="base">
+              <a:buNone/>
+            </a:pPr>
+            <a:r>
+              <a:rPr lang="en-US" sz="1600" dirty="0">
+                <a:solidFill>
+                  <a:srgbClr val="444444"/>
+                </a:solidFill>
+                <a:latin typeface="Roboto" panose="020B0604020202020204" pitchFamily="2" charset="0"/>
+              </a:rPr>
+              <a:t>Create Pipes:</a:t>
+            </a:r>
+          </a:p>
+          <a:p>
+            <a:pPr marL="0" indent="0" fontAlgn="base">
+              <a:buNone/>
+            </a:pPr>
+            <a:r>
+              <a:rPr lang="en-US" sz="1200" dirty="0">
+                <a:solidFill>
+                  <a:srgbClr val="444444"/>
+                </a:solidFill>
+                <a:latin typeface="Roboto" panose="020B0604020202020204" pitchFamily="2" charset="0"/>
+              </a:rPr>
+              <a:t>In this section, we will learn how to create pipe using Angular CLI command.</a:t>
+            </a:r>
+          </a:p>
+          <a:p>
+            <a:pPr marL="0" indent="0" fontAlgn="base">
+              <a:buNone/>
+            </a:pPr>
+            <a:r>
+              <a:rPr lang="en-US" sz="1200" dirty="0">
+                <a:solidFill>
+                  <a:srgbClr val="444444"/>
+                </a:solidFill>
+                <a:latin typeface="Roboto" panose="020B0604020202020204" pitchFamily="2" charset="0"/>
+              </a:rPr>
+              <a:t>To create a pipe, use the CLI command-</a:t>
+            </a:r>
+          </a:p>
+          <a:p>
+            <a:pPr marL="457200" lvl="1" indent="0" fontAlgn="base">
+              <a:buNone/>
+            </a:pPr>
+            <a:r>
+              <a:rPr lang="en-US" sz="1200" dirty="0">
+                <a:solidFill>
+                  <a:srgbClr val="444444"/>
+                </a:solidFill>
+                <a:latin typeface="Roboto Light" panose="020B0604020202020204" pitchFamily="2" charset="0"/>
+                <a:ea typeface="Roboto Light" panose="020B0604020202020204" pitchFamily="2" charset="0"/>
+                <a:cs typeface="Roboto Light" panose="020B0604020202020204" pitchFamily="2" charset="0"/>
+              </a:rPr>
+              <a:t>ng generate pipe pipe-name</a:t>
+            </a:r>
+          </a:p>
+          <a:p>
+            <a:pPr marL="0" indent="0" fontAlgn="base">
+              <a:buNone/>
+            </a:pPr>
+            <a:r>
+              <a:rPr lang="en-US" sz="1200" dirty="0">
+                <a:solidFill>
+                  <a:srgbClr val="444444"/>
+                </a:solidFill>
+                <a:latin typeface="Roboto" panose="020B0604020202020204" pitchFamily="2" charset="0"/>
+              </a:rPr>
+              <a:t>The above command will create the pipe inside </a:t>
+            </a:r>
+            <a:r>
+              <a:rPr lang="en-US" sz="1200" dirty="0" err="1">
+                <a:solidFill>
+                  <a:srgbClr val="444444"/>
+                </a:solidFill>
+                <a:latin typeface="Roboto" panose="020B0604020202020204" pitchFamily="2" charset="0"/>
+              </a:rPr>
+              <a:t>src</a:t>
+            </a:r>
+            <a:r>
+              <a:rPr lang="en-US" sz="1200" dirty="0">
+                <a:solidFill>
+                  <a:srgbClr val="444444"/>
+                </a:solidFill>
+                <a:latin typeface="Roboto" panose="020B0604020202020204" pitchFamily="2" charset="0"/>
+              </a:rPr>
+              <a:t>/app/pipe-</a:t>
+            </a:r>
+            <a:r>
+              <a:rPr lang="en-US" sz="1200" dirty="0" err="1">
+                <a:solidFill>
+                  <a:srgbClr val="444444"/>
+                </a:solidFill>
+                <a:latin typeface="Roboto" panose="020B0604020202020204" pitchFamily="2" charset="0"/>
+              </a:rPr>
+              <a:t>name.ts</a:t>
+            </a:r>
+            <a:r>
+              <a:rPr lang="en-US" sz="1200" dirty="0">
+                <a:solidFill>
+                  <a:srgbClr val="444444"/>
+                </a:solidFill>
+                <a:latin typeface="Roboto" panose="020B0604020202020204" pitchFamily="2" charset="0"/>
+              </a:rPr>
+              <a:t>, a corresponding test file .</a:t>
+            </a:r>
+            <a:r>
+              <a:rPr lang="en-US" sz="1200" dirty="0" err="1">
+                <a:solidFill>
+                  <a:srgbClr val="444444"/>
+                </a:solidFill>
+                <a:latin typeface="Roboto" panose="020B0604020202020204" pitchFamily="2" charset="0"/>
+              </a:rPr>
+              <a:t>spec.ts</a:t>
+            </a:r>
+            <a:r>
+              <a:rPr lang="en-US" sz="1200" dirty="0">
+                <a:solidFill>
+                  <a:srgbClr val="444444"/>
+                </a:solidFill>
+                <a:latin typeface="Roboto" panose="020B0604020202020204" pitchFamily="2" charset="0"/>
+              </a:rPr>
+              <a:t> and declares the pipe class in </a:t>
+            </a:r>
+            <a:r>
+              <a:rPr lang="en-US" sz="1200" dirty="0" err="1">
+                <a:solidFill>
+                  <a:srgbClr val="444444"/>
+                </a:solidFill>
+                <a:latin typeface="Roboto" panose="020B0604020202020204" pitchFamily="2" charset="0"/>
+              </a:rPr>
+              <a:t>AppModule</a:t>
+            </a:r>
+            <a:r>
+              <a:rPr lang="en-US" sz="1200" dirty="0">
+                <a:solidFill>
+                  <a:srgbClr val="444444"/>
+                </a:solidFill>
+                <a:latin typeface="Roboto" panose="020B0604020202020204" pitchFamily="2" charset="0"/>
+              </a:rPr>
+              <a:t>.</a:t>
+            </a:r>
+            <a:endParaRPr lang="en-US" sz="1000" dirty="0">
+              <a:highlight>
+                <a:srgbClr val="FFFF00"/>
+              </a:highlight>
+              <a:latin typeface="Roboto Light" panose="02000000000000000000" pitchFamily="2" charset="0"/>
+              <a:ea typeface="Roboto Light" panose="02000000000000000000" pitchFamily="2" charset="0"/>
+              <a:cs typeface="Roboto Light" panose="02000000000000000000" pitchFamily="2" charset="0"/>
+            </a:endParaRPr>
+          </a:p>
+          <a:p>
+            <a:pPr marL="0" indent="0">
+              <a:buNone/>
+            </a:pPr>
+            <a:endParaRPr lang="en-US" sz="1000" dirty="0">
+              <a:highlight>
+                <a:srgbClr val="FFFF00"/>
+              </a:highlight>
+              <a:latin typeface="Roboto" panose="02000000000000000000" pitchFamily="2" charset="0"/>
+              <a:ea typeface="Roboto" panose="02000000000000000000" pitchFamily="2" charset="0"/>
+              <a:cs typeface="Roboto" panose="02000000000000000000" pitchFamily="2" charset="0"/>
+            </a:endParaRPr>
+          </a:p>
+        </p:txBody>
+      </p:sp>
+      <p:graphicFrame>
+        <p:nvGraphicFramePr>
+          <p:cNvPr id="8" name="Diagram 7">
+            <a:extLst>
+              <a:ext uri="{FF2B5EF4-FFF2-40B4-BE49-F238E27FC236}">
+                <a16:creationId xmlns:a16="http://schemas.microsoft.com/office/drawing/2014/main" id="{CEFCAE9B-67D5-0BCF-290F-2F750A11DEFA}"/>
+              </a:ext>
+            </a:extLst>
+          </p:cNvPr>
+          <p:cNvGraphicFramePr/>
+          <p:nvPr>
+            <p:extLst>
+              <p:ext uri="{D42A27DB-BD31-4B8C-83A1-F6EECF244321}">
+                <p14:modId xmlns:p14="http://schemas.microsoft.com/office/powerpoint/2010/main" val="1853596366"/>
+              </p:ext>
+            </p:extLst>
+          </p:nvPr>
+        </p:nvGraphicFramePr>
+        <p:xfrm>
+          <a:off x="1035235" y="1755494"/>
+          <a:ext cx="6730259" cy="4923811"/>
+        </p:xfrm>
+        <a:graphic>
+          <a:graphicData uri="http://schemas.openxmlformats.org/drawingml/2006/diagram">
+            <dgm:relIds xmlns:dgm="http://schemas.openxmlformats.org/drawingml/2006/diagram" xmlns:r="http://schemas.openxmlformats.org/officeDocument/2006/relationships" r:dm="rId2" r:lo="rId3" r:qs="rId4" r:cs="rId5"/>
+          </a:graphicData>
+        </a:graphic>
+      </p:graphicFrame>
+    </p:spTree>
+    <p:extLst>
+      <p:ext uri="{BB962C8B-B14F-4D97-AF65-F5344CB8AC3E}">
+        <p14:creationId xmlns:p14="http://schemas.microsoft.com/office/powerpoint/2010/main" val="541596192"/>
+      </p:ext>
+    </p:extLst>
+  </p:cSld>
+  <p:clrMapOvr>
+    <a:masterClrMapping/>
+  </p:clrMapOvr>
+</p:sld>
+</file>
+
 <file path=ppt/slides/slide15.xml><?xml version="1.0" encoding="utf-8"?>
+<p:sld xmlns:a="http://schemas.openxmlformats.org/drawingml/2006/main" xmlns:r="http://schemas.openxmlformats.org/officeDocument/2006/relationships" xmlns:p="http://schemas.openxmlformats.org/presentationml/2006/main">
+  <p:cSld>
+    <p:spTree>
+      <p:nvGrpSpPr>
+        <p:cNvPr id="1" name=""/>
+        <p:cNvGrpSpPr/>
+        <p:nvPr/>
+      </p:nvGrpSpPr>
+      <p:grpSpPr>
+        <a:xfrm>
+          <a:off x="0" y="0"/>
+          <a:ext cx="0" cy="0"/>
+          <a:chOff x="0" y="0"/>
+          <a:chExt cx="0" cy="0"/>
+        </a:xfrm>
+      </p:grpSpPr>
+      <p:sp>
+        <p:nvSpPr>
+          <p:cNvPr id="2" name="Title 1">
+            <a:extLst>
+              <a:ext uri="{FF2B5EF4-FFF2-40B4-BE49-F238E27FC236}">
+                <a16:creationId xmlns:a16="http://schemas.microsoft.com/office/drawing/2014/main" id="{590A3669-FC20-A360-44D8-83789DD6BEE5}"/>
+              </a:ext>
+            </a:extLst>
+          </p:cNvPr>
+          <p:cNvSpPr>
+            <a:spLocks noGrp="1"/>
+          </p:cNvSpPr>
+          <p:nvPr>
+            <p:ph type="title"/>
+          </p:nvPr>
+        </p:nvSpPr>
+        <p:spPr>
+          <a:xfrm>
+            <a:off x="838200" y="365126"/>
+            <a:ext cx="10515600" cy="1108568"/>
+          </a:xfrm>
+        </p:spPr>
+        <p:txBody>
+          <a:bodyPr/>
+          <a:lstStyle/>
+          <a:p>
+            <a:r>
+              <a:rPr lang="en-US" dirty="0">
+                <a:cs typeface="Calibri" panose="020F0502020204030204" pitchFamily="34" charset="0"/>
+              </a:rPr>
+              <a:t>Topic Week 5 – </a:t>
+            </a:r>
+            <a:r>
+              <a:rPr lang="en-US" sz="2800" dirty="0">
+                <a:solidFill>
+                  <a:srgbClr val="1D1C1D"/>
+                </a:solidFill>
+                <a:latin typeface="Slack-Lato"/>
+              </a:rPr>
+              <a:t>Pure Pipes &amp; Impure Pipes</a:t>
+            </a:r>
+            <a:endParaRPr lang="en-IN" sz="2800" dirty="0"/>
+          </a:p>
+        </p:txBody>
+      </p:sp>
+      <p:sp>
+        <p:nvSpPr>
+          <p:cNvPr id="3" name="Content Placeholder 2">
+            <a:extLst>
+              <a:ext uri="{FF2B5EF4-FFF2-40B4-BE49-F238E27FC236}">
+                <a16:creationId xmlns:a16="http://schemas.microsoft.com/office/drawing/2014/main" id="{68FDFF87-6288-B2D0-832B-42615EAC0407}"/>
+              </a:ext>
+            </a:extLst>
+          </p:cNvPr>
+          <p:cNvSpPr>
+            <a:spLocks noGrp="1"/>
+          </p:cNvSpPr>
+          <p:nvPr>
+            <p:ph sz="half" idx="1"/>
+          </p:nvPr>
+        </p:nvSpPr>
+        <p:spPr>
+          <a:xfrm>
+            <a:off x="838199" y="1562470"/>
+            <a:ext cx="6086383" cy="4811697"/>
+          </a:xfrm>
+        </p:spPr>
+        <p:txBody>
+          <a:bodyPr>
+            <a:normAutofit fontScale="85000" lnSpcReduction="20000"/>
+          </a:bodyPr>
+          <a:lstStyle/>
+          <a:p>
+            <a:pPr marL="0" indent="0" fontAlgn="base">
+              <a:lnSpc>
+                <a:spcPct val="120000"/>
+              </a:lnSpc>
+              <a:buNone/>
+            </a:pPr>
+            <a:r>
+              <a:rPr lang="en-US" sz="1800" b="1" dirty="0">
+                <a:solidFill>
+                  <a:srgbClr val="444444"/>
+                </a:solidFill>
+                <a:latin typeface="Roboto" panose="020B0604020202020204" pitchFamily="2" charset="0"/>
+              </a:rPr>
+              <a:t>Create Pure Pipes:</a:t>
+            </a:r>
+          </a:p>
+          <a:p>
+            <a:pPr marL="0" indent="0" fontAlgn="base">
+              <a:lnSpc>
+                <a:spcPct val="120000"/>
+              </a:lnSpc>
+              <a:buNone/>
+            </a:pPr>
+            <a:r>
+              <a:rPr lang="en-US" sz="1800" b="0" i="0" dirty="0">
+                <a:solidFill>
+                  <a:srgbClr val="444444"/>
+                </a:solidFill>
+                <a:effectLst/>
+                <a:latin typeface="Roboto" panose="02000000000000000000" pitchFamily="2" charset="0"/>
+              </a:rPr>
+              <a:t>Here we will be creating a </a:t>
+            </a:r>
+            <a:r>
+              <a:rPr lang="en-US" sz="1800" b="1" i="0" dirty="0" err="1">
+                <a:solidFill>
+                  <a:srgbClr val="444444"/>
+                </a:solidFill>
+                <a:effectLst/>
+                <a:latin typeface="Roboto" panose="02000000000000000000" pitchFamily="2" charset="0"/>
+              </a:rPr>
+              <a:t>localedate</a:t>
+            </a:r>
+            <a:r>
+              <a:rPr lang="en-US" sz="1800" b="0" i="0" dirty="0">
+                <a:solidFill>
+                  <a:srgbClr val="444444"/>
+                </a:solidFill>
+                <a:effectLst/>
+                <a:latin typeface="Roboto" panose="02000000000000000000" pitchFamily="2" charset="0"/>
+              </a:rPr>
+              <a:t> pipe that transform that date format.</a:t>
+            </a:r>
+            <a:endParaRPr lang="en-US" sz="1800" dirty="0">
+              <a:solidFill>
+                <a:srgbClr val="444444"/>
+              </a:solidFill>
+              <a:latin typeface="Roboto" panose="020B0604020202020204" pitchFamily="2" charset="0"/>
+            </a:endParaRPr>
+          </a:p>
+          <a:p>
+            <a:pPr fontAlgn="base">
+              <a:lnSpc>
+                <a:spcPct val="120000"/>
+              </a:lnSpc>
+              <a:buFont typeface="+mj-lt"/>
+              <a:buAutoNum type="arabicPeriod"/>
+            </a:pPr>
+            <a:r>
+              <a:rPr lang="en-US" sz="1800" dirty="0">
+                <a:solidFill>
+                  <a:srgbClr val="444444"/>
+                </a:solidFill>
+                <a:latin typeface="Roboto" panose="02000000000000000000" pitchFamily="2" charset="0"/>
+                <a:ea typeface="Roboto" panose="02000000000000000000" pitchFamily="2" charset="0"/>
+                <a:cs typeface="Roboto" panose="02000000000000000000" pitchFamily="2" charset="0"/>
+              </a:rPr>
+              <a:t>Run the command:</a:t>
+            </a:r>
+            <a:r>
+              <a:rPr lang="en-US" sz="1800" dirty="0">
+                <a:solidFill>
+                  <a:srgbClr val="444444"/>
+                </a:solidFill>
+                <a:latin typeface="Roboto Light" panose="02000000000000000000" pitchFamily="2" charset="0"/>
+                <a:ea typeface="Roboto Light" panose="02000000000000000000" pitchFamily="2" charset="0"/>
+                <a:cs typeface="Roboto Light" panose="02000000000000000000" pitchFamily="2" charset="0"/>
+              </a:rPr>
+              <a:t> ng generate pipe </a:t>
+            </a:r>
+            <a:r>
+              <a:rPr lang="en-US" sz="1800" dirty="0" err="1">
+                <a:solidFill>
+                  <a:srgbClr val="444444"/>
+                </a:solidFill>
+                <a:latin typeface="Roboto Light" panose="02000000000000000000" pitchFamily="2" charset="0"/>
+                <a:ea typeface="Roboto Light" panose="02000000000000000000" pitchFamily="2" charset="0"/>
+                <a:cs typeface="Roboto Light" panose="02000000000000000000" pitchFamily="2" charset="0"/>
+              </a:rPr>
+              <a:t>localedate</a:t>
+            </a:r>
+            <a:endParaRPr lang="en-US" sz="1800" dirty="0">
+              <a:solidFill>
+                <a:srgbClr val="444444"/>
+              </a:solidFill>
+              <a:latin typeface="Roboto Light" panose="02000000000000000000" pitchFamily="2" charset="0"/>
+              <a:ea typeface="Roboto Light" panose="02000000000000000000" pitchFamily="2" charset="0"/>
+              <a:cs typeface="Roboto Light" panose="02000000000000000000" pitchFamily="2" charset="0"/>
+            </a:endParaRPr>
+          </a:p>
+          <a:p>
+            <a:pPr fontAlgn="base">
+              <a:lnSpc>
+                <a:spcPct val="120000"/>
+              </a:lnSpc>
+              <a:buFont typeface="+mj-lt"/>
+              <a:buAutoNum type="arabicPeriod"/>
+            </a:pPr>
+            <a:r>
+              <a:rPr lang="en-US" sz="1800" dirty="0">
+                <a:solidFill>
+                  <a:srgbClr val="444444"/>
+                </a:solidFill>
+                <a:latin typeface="Roboto" panose="02000000000000000000" pitchFamily="2" charset="0"/>
+                <a:ea typeface="Roboto" panose="02000000000000000000" pitchFamily="2" charset="0"/>
+                <a:cs typeface="Roboto" panose="02000000000000000000" pitchFamily="2" charset="0"/>
+              </a:rPr>
+              <a:t>To mark a class as a pipe and supply configuration metadata, apply the @Pipe decorator to the class.</a:t>
+            </a:r>
+          </a:p>
+          <a:p>
+            <a:pPr fontAlgn="base">
+              <a:lnSpc>
+                <a:spcPct val="120000"/>
+              </a:lnSpc>
+              <a:buFont typeface="+mj-lt"/>
+              <a:buAutoNum type="arabicPeriod"/>
+            </a:pPr>
+            <a:r>
+              <a:rPr lang="en-US" sz="1800" dirty="0">
+                <a:solidFill>
+                  <a:srgbClr val="444444"/>
+                </a:solidFill>
+                <a:latin typeface="Roboto" panose="02000000000000000000" pitchFamily="2" charset="0"/>
+                <a:ea typeface="Roboto" panose="02000000000000000000" pitchFamily="2" charset="0"/>
+                <a:cs typeface="Roboto" panose="02000000000000000000" pitchFamily="2" charset="0"/>
+              </a:rPr>
+              <a:t>All pipes implement the </a:t>
+            </a:r>
+            <a:r>
+              <a:rPr lang="en-US" sz="1800" dirty="0" err="1">
+                <a:solidFill>
+                  <a:srgbClr val="444444"/>
+                </a:solidFill>
+                <a:latin typeface="Roboto" panose="02000000000000000000" pitchFamily="2" charset="0"/>
+                <a:ea typeface="Roboto" panose="02000000000000000000" pitchFamily="2" charset="0"/>
+                <a:cs typeface="Roboto" panose="02000000000000000000" pitchFamily="2" charset="0"/>
+              </a:rPr>
+              <a:t>PipeTransform</a:t>
+            </a:r>
+            <a:r>
+              <a:rPr lang="en-US" sz="1800" dirty="0">
+                <a:solidFill>
+                  <a:srgbClr val="444444"/>
+                </a:solidFill>
+                <a:latin typeface="Roboto" panose="02000000000000000000" pitchFamily="2" charset="0"/>
+                <a:ea typeface="Roboto" panose="02000000000000000000" pitchFamily="2" charset="0"/>
+                <a:cs typeface="Roboto" panose="02000000000000000000" pitchFamily="2" charset="0"/>
+              </a:rPr>
+              <a:t> interface, which specifies that the pipe class must have the transform method. In it, we get the value parameter and then we return a new value derived from it.</a:t>
+            </a:r>
+          </a:p>
+          <a:p>
+            <a:pPr fontAlgn="base">
+              <a:lnSpc>
+                <a:spcPct val="120000"/>
+              </a:lnSpc>
+              <a:buFont typeface="+mj-lt"/>
+              <a:buAutoNum type="arabicPeriod"/>
+            </a:pPr>
+            <a:r>
+              <a:rPr lang="en-US" sz="1800" dirty="0">
+                <a:solidFill>
+                  <a:srgbClr val="444444"/>
+                </a:solidFill>
+                <a:latin typeface="Roboto" panose="02000000000000000000" pitchFamily="2" charset="0"/>
+                <a:ea typeface="Roboto" panose="02000000000000000000" pitchFamily="2" charset="0"/>
+                <a:cs typeface="Roboto" panose="02000000000000000000" pitchFamily="2" charset="0"/>
+              </a:rPr>
+              <a:t>We put the pipe name after the variable we want to format in our component template.</a:t>
+            </a:r>
+          </a:p>
+          <a:p>
+            <a:pPr fontAlgn="base">
+              <a:lnSpc>
+                <a:spcPct val="120000"/>
+              </a:lnSpc>
+              <a:buFont typeface="+mj-lt"/>
+              <a:buAutoNum type="arabicPeriod"/>
+            </a:pPr>
+            <a:r>
+              <a:rPr lang="en-US" sz="1800" dirty="0">
+                <a:solidFill>
+                  <a:srgbClr val="444444"/>
+                </a:solidFill>
+                <a:latin typeface="Roboto" panose="02000000000000000000" pitchFamily="2" charset="0"/>
+                <a:ea typeface="Roboto" panose="02000000000000000000" pitchFamily="2" charset="0"/>
+                <a:cs typeface="Roboto" panose="02000000000000000000" pitchFamily="2" charset="0"/>
+              </a:rPr>
+              <a:t>Pipes can take arguments. And we can get them from the </a:t>
+            </a:r>
+            <a:r>
+              <a:rPr lang="en-US" sz="1800" dirty="0" err="1">
+                <a:solidFill>
+                  <a:srgbClr val="444444"/>
+                </a:solidFill>
+                <a:latin typeface="Roboto" panose="02000000000000000000" pitchFamily="2" charset="0"/>
+                <a:ea typeface="Roboto" panose="02000000000000000000" pitchFamily="2" charset="0"/>
+                <a:cs typeface="Roboto" panose="02000000000000000000" pitchFamily="2" charset="0"/>
+              </a:rPr>
+              <a:t>args</a:t>
+            </a:r>
+            <a:r>
+              <a:rPr lang="en-US" sz="1800" dirty="0">
+                <a:solidFill>
+                  <a:srgbClr val="444444"/>
+                </a:solidFill>
+                <a:latin typeface="Roboto" panose="02000000000000000000" pitchFamily="2" charset="0"/>
+                <a:ea typeface="Roboto" panose="02000000000000000000" pitchFamily="2" charset="0"/>
+                <a:cs typeface="Roboto" panose="02000000000000000000" pitchFamily="2" charset="0"/>
+              </a:rPr>
+              <a:t> parameter in the transform method.</a:t>
+            </a:r>
+          </a:p>
+          <a:p>
+            <a:pPr marL="0" indent="0" fontAlgn="base">
+              <a:buNone/>
+            </a:pPr>
+            <a:endParaRPr lang="en-US" sz="1800" dirty="0">
+              <a:solidFill>
+                <a:srgbClr val="444444"/>
+              </a:solidFill>
+              <a:latin typeface="Roboto" panose="02000000000000000000" pitchFamily="2" charset="0"/>
+              <a:ea typeface="Roboto" panose="02000000000000000000" pitchFamily="2" charset="0"/>
+              <a:cs typeface="Roboto" panose="02000000000000000000" pitchFamily="2" charset="0"/>
+            </a:endParaRPr>
+          </a:p>
+          <a:p>
+            <a:pPr marL="0" indent="0" fontAlgn="base">
+              <a:buNone/>
+            </a:pPr>
+            <a:r>
+              <a:rPr lang="en-US" sz="1000" dirty="0">
+                <a:solidFill>
+                  <a:srgbClr val="444444"/>
+                </a:solidFill>
+                <a:latin typeface="Roboto Light" panose="02000000000000000000" pitchFamily="2" charset="0"/>
+                <a:ea typeface="Roboto Light" panose="02000000000000000000" pitchFamily="2" charset="0"/>
+                <a:cs typeface="Roboto Light" panose="02000000000000000000" pitchFamily="2" charset="0"/>
+              </a:rPr>
+              <a:t>	</a:t>
+            </a:r>
+          </a:p>
+          <a:p>
+            <a:pPr marL="0" indent="0">
+              <a:buNone/>
+            </a:pPr>
+            <a:endParaRPr lang="en-IN" sz="1200" dirty="0">
+              <a:solidFill>
+                <a:srgbClr val="444444"/>
+              </a:solidFill>
+              <a:latin typeface="Roboto" panose="020B0604020202020204" pitchFamily="2" charset="0"/>
+            </a:endParaRPr>
+          </a:p>
+        </p:txBody>
+      </p:sp>
+      <p:sp>
+        <p:nvSpPr>
+          <p:cNvPr id="5" name="Content Placeholder 4">
+            <a:extLst>
+              <a:ext uri="{FF2B5EF4-FFF2-40B4-BE49-F238E27FC236}">
+                <a16:creationId xmlns:a16="http://schemas.microsoft.com/office/drawing/2014/main" id="{91E2D74B-C52A-0F07-99B7-656BAC94BEB9}"/>
+              </a:ext>
+            </a:extLst>
+          </p:cNvPr>
+          <p:cNvSpPr>
+            <a:spLocks noGrp="1"/>
+          </p:cNvSpPr>
+          <p:nvPr>
+            <p:ph sz="half" idx="2"/>
+          </p:nvPr>
+        </p:nvSpPr>
+        <p:spPr>
+          <a:xfrm>
+            <a:off x="7022236" y="1562469"/>
+            <a:ext cx="4331563" cy="4811698"/>
+          </a:xfrm>
+        </p:spPr>
+        <p:txBody>
+          <a:bodyPr>
+            <a:noAutofit/>
+          </a:bodyPr>
+          <a:lstStyle/>
+          <a:p>
+            <a:r>
+              <a:rPr lang="en-US" sz="800" b="0" dirty="0">
+                <a:solidFill>
+                  <a:srgbClr val="569CD6"/>
+                </a:solidFill>
+                <a:effectLst/>
+                <a:latin typeface="Consolas" panose="020B0609020204030204" pitchFamily="49" charset="0"/>
+              </a:rPr>
+              <a:t>import</a:t>
+            </a:r>
+            <a:r>
+              <a:rPr lang="en-US" sz="800" b="0" dirty="0">
+                <a:solidFill>
+                  <a:srgbClr val="D4D4D4"/>
+                </a:solidFill>
+                <a:effectLst/>
+                <a:latin typeface="Consolas" panose="020B0609020204030204" pitchFamily="49" charset="0"/>
+              </a:rPr>
+              <a:t> { </a:t>
+            </a:r>
+            <a:r>
+              <a:rPr lang="en-US" sz="800" dirty="0">
+                <a:solidFill>
+                  <a:srgbClr val="FF0000"/>
+                </a:solidFill>
+                <a:latin typeface="Roboto Mono" panose="00000009000000000000" pitchFamily="49" charset="0"/>
+              </a:rPr>
+              <a:t>Pipe, </a:t>
+            </a:r>
+            <a:r>
+              <a:rPr lang="en-US" sz="800" dirty="0" err="1">
+                <a:solidFill>
+                  <a:srgbClr val="FF0000"/>
+                </a:solidFill>
+                <a:latin typeface="Roboto Mono" panose="00000009000000000000" pitchFamily="49" charset="0"/>
+              </a:rPr>
+              <a:t>PipeTransform</a:t>
+            </a:r>
+            <a:r>
+              <a:rPr lang="en-US" sz="800" dirty="0">
+                <a:solidFill>
+                  <a:srgbClr val="FF0000"/>
+                </a:solidFill>
+                <a:latin typeface="Roboto Mono" panose="00000009000000000000" pitchFamily="49" charset="0"/>
+              </a:rPr>
+              <a:t> </a:t>
+            </a:r>
+            <a:r>
+              <a:rPr lang="en-US" sz="800" b="0" dirty="0">
+                <a:solidFill>
+                  <a:srgbClr val="D4D4D4"/>
+                </a:solidFill>
+                <a:effectLst/>
+                <a:latin typeface="Consolas" panose="020B0609020204030204" pitchFamily="49" charset="0"/>
+              </a:rPr>
+              <a:t>} </a:t>
+            </a:r>
+            <a:r>
+              <a:rPr lang="en-US" sz="800" b="0" dirty="0">
+                <a:solidFill>
+                  <a:srgbClr val="569CD6"/>
+                </a:solidFill>
+                <a:effectLst/>
+                <a:latin typeface="Consolas" panose="020B0609020204030204" pitchFamily="49" charset="0"/>
+              </a:rPr>
+              <a:t>from</a:t>
+            </a:r>
+            <a:r>
+              <a:rPr lang="en-US" sz="800" b="0" dirty="0">
+                <a:solidFill>
+                  <a:srgbClr val="D4D4D4"/>
+                </a:solidFill>
+                <a:effectLst/>
+                <a:latin typeface="Consolas" panose="020B0609020204030204" pitchFamily="49" charset="0"/>
+              </a:rPr>
+              <a:t> </a:t>
+            </a:r>
+            <a:r>
+              <a:rPr lang="en-US" sz="800" b="0" dirty="0">
+                <a:solidFill>
+                  <a:srgbClr val="CE9178"/>
+                </a:solidFill>
+                <a:effectLst/>
+                <a:latin typeface="Consolas" panose="020B0609020204030204" pitchFamily="49" charset="0"/>
+              </a:rPr>
+              <a:t>"@angular/core"</a:t>
+            </a:r>
+            <a:r>
+              <a:rPr lang="en-US" sz="800" b="0" dirty="0">
+                <a:solidFill>
+                  <a:srgbClr val="D4D4D4"/>
+                </a:solidFill>
+                <a:effectLst/>
+                <a:latin typeface="Consolas" panose="020B0609020204030204" pitchFamily="49" charset="0"/>
+              </a:rPr>
+              <a:t>;</a:t>
+            </a:r>
+          </a:p>
+          <a:p>
+            <a:br>
+              <a:rPr lang="en-US" sz="800" b="0" dirty="0">
+                <a:solidFill>
+                  <a:srgbClr val="D4D4D4"/>
+                </a:solidFill>
+                <a:effectLst/>
+                <a:latin typeface="Consolas" panose="020B0609020204030204" pitchFamily="49" charset="0"/>
+              </a:rPr>
+            </a:br>
+            <a:r>
+              <a:rPr lang="en-US" sz="800" b="0" dirty="0">
+                <a:solidFill>
+                  <a:srgbClr val="D4D4D4"/>
+                </a:solidFill>
+                <a:effectLst/>
+                <a:latin typeface="Consolas" panose="020B0609020204030204" pitchFamily="49" charset="0"/>
+              </a:rPr>
+              <a:t>@Pipe({</a:t>
+            </a:r>
+          </a:p>
+          <a:p>
+            <a:r>
+              <a:rPr lang="en-US" sz="800" b="0" dirty="0">
+                <a:solidFill>
+                  <a:srgbClr val="D4D4D4"/>
+                </a:solidFill>
+                <a:effectLst/>
+                <a:latin typeface="Consolas" panose="020B0609020204030204" pitchFamily="49" charset="0"/>
+              </a:rPr>
+              <a:t>  name: </a:t>
+            </a:r>
+            <a:r>
+              <a:rPr lang="en-US" sz="800" b="0" dirty="0">
+                <a:solidFill>
+                  <a:srgbClr val="CE9178"/>
+                </a:solidFill>
+                <a:effectLst/>
+                <a:latin typeface="Consolas" panose="020B0609020204030204" pitchFamily="49" charset="0"/>
+              </a:rPr>
+              <a:t>"</a:t>
+            </a:r>
+            <a:r>
+              <a:rPr lang="en-US" sz="800" b="0" dirty="0" err="1">
+                <a:solidFill>
+                  <a:srgbClr val="CE9178"/>
+                </a:solidFill>
+                <a:effectLst/>
+                <a:latin typeface="Consolas" panose="020B0609020204030204" pitchFamily="49" charset="0"/>
+              </a:rPr>
+              <a:t>localedate</a:t>
+            </a:r>
+            <a:r>
+              <a:rPr lang="en-US" sz="800" b="0" dirty="0">
+                <a:solidFill>
+                  <a:srgbClr val="CE9178"/>
+                </a:solidFill>
+                <a:effectLst/>
+                <a:latin typeface="Consolas" panose="020B0609020204030204" pitchFamily="49" charset="0"/>
+              </a:rPr>
+              <a:t>"</a:t>
+            </a:r>
+            <a:r>
+              <a:rPr lang="en-US" sz="800" b="0" dirty="0">
+                <a:solidFill>
+                  <a:srgbClr val="D4D4D4"/>
+                </a:solidFill>
+                <a:effectLst/>
+                <a:latin typeface="Consolas" panose="020B0609020204030204" pitchFamily="49" charset="0"/>
+              </a:rPr>
+              <a:t>,</a:t>
+            </a:r>
+          </a:p>
+          <a:p>
+            <a:r>
+              <a:rPr lang="en-US" sz="800" b="0" dirty="0">
+                <a:solidFill>
+                  <a:srgbClr val="D4D4D4"/>
+                </a:solidFill>
+                <a:effectLst/>
+                <a:latin typeface="Consolas" panose="020B0609020204030204" pitchFamily="49" charset="0"/>
+              </a:rPr>
+              <a:t>})</a:t>
+            </a:r>
+          </a:p>
+          <a:p>
+            <a:r>
+              <a:rPr lang="en-US" sz="800" b="0" dirty="0">
+                <a:solidFill>
+                  <a:srgbClr val="569CD6"/>
+                </a:solidFill>
+                <a:effectLst/>
+                <a:latin typeface="Consolas" panose="020B0609020204030204" pitchFamily="49" charset="0"/>
+              </a:rPr>
+              <a:t>export</a:t>
+            </a:r>
+            <a:r>
+              <a:rPr lang="en-US" sz="800" b="0" dirty="0">
+                <a:solidFill>
+                  <a:srgbClr val="D4D4D4"/>
+                </a:solidFill>
+                <a:effectLst/>
+                <a:latin typeface="Consolas" panose="020B0609020204030204" pitchFamily="49" charset="0"/>
+              </a:rPr>
+              <a:t> </a:t>
+            </a:r>
+            <a:r>
+              <a:rPr lang="en-US" sz="800" b="0" dirty="0">
+                <a:solidFill>
+                  <a:srgbClr val="569CD6"/>
+                </a:solidFill>
+                <a:effectLst/>
+                <a:latin typeface="Consolas" panose="020B0609020204030204" pitchFamily="49" charset="0"/>
+              </a:rPr>
+              <a:t>class</a:t>
+            </a:r>
+            <a:r>
+              <a:rPr lang="en-US" sz="800" b="0" dirty="0">
+                <a:solidFill>
+                  <a:srgbClr val="D4D4D4"/>
+                </a:solidFill>
+                <a:effectLst/>
+                <a:latin typeface="Consolas" panose="020B0609020204030204" pitchFamily="49" charset="0"/>
+              </a:rPr>
+              <a:t> </a:t>
+            </a:r>
+            <a:r>
+              <a:rPr lang="en-US" sz="800" dirty="0" err="1">
+                <a:solidFill>
+                  <a:srgbClr val="FF0000"/>
+                </a:solidFill>
+                <a:latin typeface="Roboto Mono" panose="00000009000000000000" pitchFamily="49" charset="0"/>
+              </a:rPr>
+              <a:t>LocaledatePipe</a:t>
+            </a:r>
+            <a:r>
+              <a:rPr lang="en-US" sz="800" b="0" dirty="0">
+                <a:solidFill>
+                  <a:srgbClr val="D4D4D4"/>
+                </a:solidFill>
+                <a:effectLst/>
+                <a:latin typeface="Consolas" panose="020B0609020204030204" pitchFamily="49" charset="0"/>
+              </a:rPr>
+              <a:t> </a:t>
+            </a:r>
+            <a:r>
+              <a:rPr lang="en-US" sz="800" b="0" dirty="0">
+                <a:solidFill>
+                  <a:srgbClr val="569CD6"/>
+                </a:solidFill>
+                <a:effectLst/>
+                <a:latin typeface="Consolas" panose="020B0609020204030204" pitchFamily="49" charset="0"/>
+              </a:rPr>
+              <a:t>implements</a:t>
+            </a:r>
+            <a:r>
+              <a:rPr lang="en-US" sz="800" b="0" dirty="0">
+                <a:solidFill>
+                  <a:srgbClr val="D4D4D4"/>
+                </a:solidFill>
+                <a:effectLst/>
+                <a:latin typeface="Consolas" panose="020B0609020204030204" pitchFamily="49" charset="0"/>
+              </a:rPr>
+              <a:t> </a:t>
+            </a:r>
+            <a:r>
+              <a:rPr lang="en-US" sz="800" b="0" dirty="0" err="1">
+                <a:solidFill>
+                  <a:srgbClr val="D4D4D4"/>
+                </a:solidFill>
+                <a:effectLst/>
+                <a:latin typeface="Consolas" panose="020B0609020204030204" pitchFamily="49" charset="0"/>
+              </a:rPr>
+              <a:t>PipeTransform</a:t>
+            </a:r>
+            <a:r>
+              <a:rPr lang="en-US" sz="800" b="0" dirty="0">
+                <a:solidFill>
+                  <a:srgbClr val="D4D4D4"/>
+                </a:solidFill>
+                <a:effectLst/>
+                <a:latin typeface="Consolas" panose="020B0609020204030204" pitchFamily="49" charset="0"/>
+              </a:rPr>
+              <a:t> {</a:t>
+            </a:r>
+          </a:p>
+          <a:p>
+            <a:r>
+              <a:rPr lang="en-US" sz="800" b="0" dirty="0">
+                <a:solidFill>
+                  <a:srgbClr val="D4D4D4"/>
+                </a:solidFill>
+                <a:effectLst/>
+                <a:latin typeface="Consolas" panose="020B0609020204030204" pitchFamily="49" charset="0"/>
+              </a:rPr>
+              <a:t>  transform(value: Date, ...</a:t>
+            </a:r>
+            <a:r>
+              <a:rPr lang="en-US" sz="800" b="0" dirty="0" err="1">
+                <a:solidFill>
+                  <a:srgbClr val="D4D4D4"/>
+                </a:solidFill>
+                <a:effectLst/>
+                <a:latin typeface="Consolas" panose="020B0609020204030204" pitchFamily="49" charset="0"/>
+              </a:rPr>
+              <a:t>args</a:t>
+            </a:r>
+            <a:r>
+              <a:rPr lang="en-US" sz="800" b="0" dirty="0">
+                <a:solidFill>
+                  <a:srgbClr val="D4D4D4"/>
+                </a:solidFill>
+                <a:effectLst/>
+                <a:latin typeface="Consolas" panose="020B0609020204030204" pitchFamily="49" charset="0"/>
+              </a:rPr>
+              <a:t>: any[]): string {</a:t>
+            </a:r>
+          </a:p>
+          <a:p>
+            <a:r>
+              <a:rPr lang="en-US" sz="800" b="0" dirty="0">
+                <a:solidFill>
+                  <a:srgbClr val="D4D4D4"/>
+                </a:solidFill>
+                <a:effectLst/>
+                <a:latin typeface="Consolas" panose="020B0609020204030204" pitchFamily="49" charset="0"/>
+              </a:rPr>
+              <a:t>    </a:t>
+            </a:r>
+            <a:r>
+              <a:rPr lang="en-US" sz="800" b="0" dirty="0">
+                <a:solidFill>
+                  <a:srgbClr val="569CD6"/>
+                </a:solidFill>
+                <a:effectLst/>
+                <a:latin typeface="Consolas" panose="020B0609020204030204" pitchFamily="49" charset="0"/>
+              </a:rPr>
+              <a:t>return</a:t>
+            </a:r>
+            <a:r>
+              <a:rPr lang="en-US" sz="800" b="0" dirty="0">
+                <a:solidFill>
+                  <a:srgbClr val="D4D4D4"/>
+                </a:solidFill>
+                <a:effectLst/>
+                <a:latin typeface="Consolas" panose="020B0609020204030204" pitchFamily="49" charset="0"/>
+              </a:rPr>
+              <a:t> </a:t>
+            </a:r>
+            <a:r>
+              <a:rPr lang="en-US" sz="800" b="0" dirty="0" err="1">
+                <a:solidFill>
+                  <a:srgbClr val="D4D4D4"/>
+                </a:solidFill>
+                <a:effectLst/>
+                <a:latin typeface="Consolas" panose="020B0609020204030204" pitchFamily="49" charset="0"/>
+              </a:rPr>
+              <a:t>value.toLocaleDateString</a:t>
+            </a:r>
+            <a:r>
+              <a:rPr lang="en-US" sz="800" b="0" dirty="0">
+                <a:solidFill>
+                  <a:srgbClr val="D4D4D4"/>
+                </a:solidFill>
+                <a:effectLst/>
+                <a:latin typeface="Consolas" panose="020B0609020204030204" pitchFamily="49" charset="0"/>
+              </a:rPr>
+              <a:t>();</a:t>
+            </a:r>
+          </a:p>
+          <a:p>
+            <a:r>
+              <a:rPr lang="en-US" sz="800" b="0" dirty="0">
+                <a:solidFill>
+                  <a:srgbClr val="D4D4D4"/>
+                </a:solidFill>
+                <a:effectLst/>
+                <a:latin typeface="Consolas" panose="020B0609020204030204" pitchFamily="49" charset="0"/>
+              </a:rPr>
+              <a:t>  }</a:t>
+            </a:r>
+          </a:p>
+          <a:p>
+            <a:r>
+              <a:rPr lang="en-US" sz="800" b="0" dirty="0">
+                <a:solidFill>
+                  <a:srgbClr val="D4D4D4"/>
+                </a:solidFill>
+                <a:effectLst/>
+                <a:latin typeface="Consolas" panose="020B0609020204030204" pitchFamily="49" charset="0"/>
+              </a:rPr>
+              <a:t>}</a:t>
+            </a:r>
+          </a:p>
+          <a:p>
+            <a:pPr marL="0" indent="0">
+              <a:buNone/>
+            </a:pPr>
+            <a:endParaRPr lang="en-US" sz="800" dirty="0">
+              <a:solidFill>
+                <a:srgbClr val="666600"/>
+              </a:solidFill>
+              <a:latin typeface="Roboto Mono" panose="00000009000000000000" pitchFamily="49" charset="0"/>
+              <a:ea typeface="Roboto Light" panose="02000000000000000000" pitchFamily="2" charset="0"/>
+              <a:cs typeface="Roboto Light" panose="02000000000000000000" pitchFamily="2" charset="0"/>
+            </a:endParaRPr>
+          </a:p>
+          <a:p>
+            <a:pPr marL="0" indent="0">
+              <a:buNone/>
+            </a:pPr>
+            <a:endParaRPr lang="en-US" sz="800" dirty="0">
+              <a:latin typeface="Roboto" panose="02000000000000000000" pitchFamily="2" charset="0"/>
+              <a:ea typeface="Roboto" panose="02000000000000000000" pitchFamily="2" charset="0"/>
+              <a:cs typeface="Roboto" panose="02000000000000000000" pitchFamily="2" charset="0"/>
+            </a:endParaRPr>
+          </a:p>
+          <a:p>
+            <a:r>
+              <a:rPr lang="en-US" sz="800" b="0" dirty="0">
+                <a:solidFill>
+                  <a:srgbClr val="569CD6"/>
+                </a:solidFill>
+                <a:effectLst/>
+                <a:latin typeface="Consolas" panose="020B0609020204030204" pitchFamily="49" charset="0"/>
+              </a:rPr>
+              <a:t>import</a:t>
+            </a:r>
+            <a:r>
+              <a:rPr lang="en-US" sz="800" b="0" dirty="0">
+                <a:solidFill>
+                  <a:srgbClr val="D4D4D4"/>
+                </a:solidFill>
+                <a:effectLst/>
+                <a:latin typeface="Consolas" panose="020B0609020204030204" pitchFamily="49" charset="0"/>
+              </a:rPr>
+              <a:t> { Pipe, </a:t>
+            </a:r>
+            <a:r>
+              <a:rPr lang="en-US" sz="800" b="0" dirty="0" err="1">
+                <a:solidFill>
+                  <a:srgbClr val="D4D4D4"/>
+                </a:solidFill>
+                <a:effectLst/>
+                <a:latin typeface="Consolas" panose="020B0609020204030204" pitchFamily="49" charset="0"/>
+              </a:rPr>
+              <a:t>PipeTransform</a:t>
+            </a:r>
+            <a:r>
+              <a:rPr lang="en-US" sz="800" b="0" dirty="0">
+                <a:solidFill>
+                  <a:srgbClr val="D4D4D4"/>
+                </a:solidFill>
+                <a:effectLst/>
+                <a:latin typeface="Consolas" panose="020B0609020204030204" pitchFamily="49" charset="0"/>
+              </a:rPr>
+              <a:t> } </a:t>
+            </a:r>
+            <a:r>
+              <a:rPr lang="en-US" sz="800" b="0" dirty="0">
+                <a:solidFill>
+                  <a:srgbClr val="569CD6"/>
+                </a:solidFill>
+                <a:effectLst/>
+                <a:latin typeface="Consolas" panose="020B0609020204030204" pitchFamily="49" charset="0"/>
+              </a:rPr>
+              <a:t>from</a:t>
+            </a:r>
+            <a:r>
+              <a:rPr lang="en-US" sz="800" b="0" dirty="0">
+                <a:solidFill>
+                  <a:srgbClr val="D4D4D4"/>
+                </a:solidFill>
+                <a:effectLst/>
+                <a:latin typeface="Consolas" panose="020B0609020204030204" pitchFamily="49" charset="0"/>
+              </a:rPr>
+              <a:t> </a:t>
+            </a:r>
+            <a:r>
+              <a:rPr lang="en-US" sz="800" b="0" dirty="0">
+                <a:solidFill>
+                  <a:srgbClr val="CE9178"/>
+                </a:solidFill>
+                <a:effectLst/>
+                <a:latin typeface="Consolas" panose="020B0609020204030204" pitchFamily="49" charset="0"/>
+              </a:rPr>
+              <a:t>"@angular/core"</a:t>
+            </a:r>
+            <a:r>
+              <a:rPr lang="en-US" sz="800" b="0" dirty="0">
+                <a:solidFill>
+                  <a:srgbClr val="D4D4D4"/>
+                </a:solidFill>
+                <a:effectLst/>
+                <a:latin typeface="Consolas" panose="020B0609020204030204" pitchFamily="49" charset="0"/>
+              </a:rPr>
+              <a:t>;</a:t>
+            </a:r>
+            <a:br>
+              <a:rPr lang="en-US" sz="800" b="0" dirty="0">
+                <a:solidFill>
+                  <a:srgbClr val="D4D4D4"/>
+                </a:solidFill>
+                <a:effectLst/>
+                <a:latin typeface="Consolas" panose="020B0609020204030204" pitchFamily="49" charset="0"/>
+              </a:rPr>
+            </a:br>
+            <a:r>
+              <a:rPr lang="en-US" sz="800" b="0" dirty="0">
+                <a:solidFill>
+                  <a:srgbClr val="D4D4D4"/>
+                </a:solidFill>
+                <a:effectLst/>
+                <a:latin typeface="Consolas" panose="020B0609020204030204" pitchFamily="49" charset="0"/>
+              </a:rPr>
+              <a:t>@Pipe({</a:t>
+            </a:r>
+          </a:p>
+          <a:p>
+            <a:r>
+              <a:rPr lang="en-US" sz="800" b="0" dirty="0">
+                <a:solidFill>
+                  <a:srgbClr val="D4D4D4"/>
+                </a:solidFill>
+                <a:effectLst/>
+                <a:latin typeface="Consolas" panose="020B0609020204030204" pitchFamily="49" charset="0"/>
+              </a:rPr>
+              <a:t>  name: </a:t>
+            </a:r>
+            <a:r>
+              <a:rPr lang="en-US" sz="800" b="0" dirty="0">
+                <a:solidFill>
+                  <a:srgbClr val="CE9178"/>
+                </a:solidFill>
+                <a:effectLst/>
+                <a:latin typeface="Consolas" panose="020B0609020204030204" pitchFamily="49" charset="0"/>
+              </a:rPr>
+              <a:t>"sorted"</a:t>
+            </a:r>
+            <a:r>
+              <a:rPr lang="en-US" sz="800" b="0" dirty="0">
+                <a:solidFill>
+                  <a:srgbClr val="D4D4D4"/>
+                </a:solidFill>
+                <a:effectLst/>
+                <a:latin typeface="Consolas" panose="020B0609020204030204" pitchFamily="49" charset="0"/>
+              </a:rPr>
+              <a:t>,</a:t>
+            </a:r>
+          </a:p>
+          <a:p>
+            <a:r>
+              <a:rPr lang="en-US" sz="800" b="0" dirty="0">
+                <a:solidFill>
+                  <a:srgbClr val="D4D4D4"/>
+                </a:solidFill>
+                <a:effectLst/>
+                <a:latin typeface="Consolas" panose="020B0609020204030204" pitchFamily="49" charset="0"/>
+              </a:rPr>
+              <a:t>  pure: </a:t>
+            </a:r>
+            <a:r>
+              <a:rPr lang="en-US" sz="800" b="0" dirty="0">
+                <a:solidFill>
+                  <a:srgbClr val="569CD6"/>
+                </a:solidFill>
+                <a:effectLst/>
+                <a:latin typeface="Consolas" panose="020B0609020204030204" pitchFamily="49" charset="0"/>
+              </a:rPr>
+              <a:t>false</a:t>
+            </a:r>
+            <a:r>
+              <a:rPr lang="en-US" sz="800" b="0" dirty="0">
+                <a:solidFill>
+                  <a:srgbClr val="D4D4D4"/>
+                </a:solidFill>
+                <a:effectLst/>
+                <a:latin typeface="Consolas" panose="020B0609020204030204" pitchFamily="49" charset="0"/>
+              </a:rPr>
+              <a:t>,</a:t>
+            </a:r>
+          </a:p>
+          <a:p>
+            <a:r>
+              <a:rPr lang="en-US" sz="800" b="0" dirty="0">
+                <a:solidFill>
+                  <a:srgbClr val="D4D4D4"/>
+                </a:solidFill>
+                <a:effectLst/>
+                <a:latin typeface="Consolas" panose="020B0609020204030204" pitchFamily="49" charset="0"/>
+              </a:rPr>
+              <a:t>})</a:t>
+            </a:r>
+          </a:p>
+          <a:p>
+            <a:r>
+              <a:rPr lang="en-US" sz="800" b="0" dirty="0">
+                <a:solidFill>
+                  <a:srgbClr val="569CD6"/>
+                </a:solidFill>
+                <a:effectLst/>
+                <a:latin typeface="Consolas" panose="020B0609020204030204" pitchFamily="49" charset="0"/>
+              </a:rPr>
+              <a:t>export</a:t>
+            </a:r>
+            <a:r>
+              <a:rPr lang="en-US" sz="800" b="0" dirty="0">
+                <a:solidFill>
+                  <a:srgbClr val="D4D4D4"/>
+                </a:solidFill>
+                <a:effectLst/>
+                <a:latin typeface="Consolas" panose="020B0609020204030204" pitchFamily="49" charset="0"/>
+              </a:rPr>
+              <a:t> </a:t>
+            </a:r>
+            <a:r>
+              <a:rPr lang="en-US" sz="800" b="0" dirty="0">
+                <a:solidFill>
+                  <a:srgbClr val="569CD6"/>
+                </a:solidFill>
+                <a:effectLst/>
+                <a:latin typeface="Consolas" panose="020B0609020204030204" pitchFamily="49" charset="0"/>
+              </a:rPr>
+              <a:t>class</a:t>
+            </a:r>
+            <a:r>
+              <a:rPr lang="en-US" sz="800" b="0" dirty="0">
+                <a:solidFill>
+                  <a:srgbClr val="D4D4D4"/>
+                </a:solidFill>
+                <a:effectLst/>
+                <a:latin typeface="Consolas" panose="020B0609020204030204" pitchFamily="49" charset="0"/>
+              </a:rPr>
+              <a:t> </a:t>
+            </a:r>
+            <a:r>
+              <a:rPr lang="en-US" sz="800" b="0" dirty="0" err="1">
+                <a:solidFill>
+                  <a:srgbClr val="D4D4D4"/>
+                </a:solidFill>
+                <a:effectLst/>
+                <a:latin typeface="Consolas" panose="020B0609020204030204" pitchFamily="49" charset="0"/>
+              </a:rPr>
+              <a:t>SortedPipe</a:t>
+            </a:r>
+            <a:r>
+              <a:rPr lang="en-US" sz="800" b="0" dirty="0">
+                <a:solidFill>
+                  <a:srgbClr val="D4D4D4"/>
+                </a:solidFill>
+                <a:effectLst/>
+                <a:latin typeface="Consolas" panose="020B0609020204030204" pitchFamily="49" charset="0"/>
+              </a:rPr>
+              <a:t> </a:t>
+            </a:r>
+            <a:r>
+              <a:rPr lang="en-US" sz="800" b="0" dirty="0">
+                <a:solidFill>
+                  <a:srgbClr val="569CD6"/>
+                </a:solidFill>
+                <a:effectLst/>
+                <a:latin typeface="Consolas" panose="020B0609020204030204" pitchFamily="49" charset="0"/>
+              </a:rPr>
+              <a:t>implements</a:t>
+            </a:r>
+            <a:r>
+              <a:rPr lang="en-US" sz="800" b="0" dirty="0">
+                <a:solidFill>
+                  <a:srgbClr val="D4D4D4"/>
+                </a:solidFill>
+                <a:effectLst/>
+                <a:latin typeface="Consolas" panose="020B0609020204030204" pitchFamily="49" charset="0"/>
+              </a:rPr>
+              <a:t> </a:t>
+            </a:r>
+            <a:r>
+              <a:rPr lang="en-US" sz="800" b="0" dirty="0" err="1">
+                <a:solidFill>
+                  <a:srgbClr val="D4D4D4"/>
+                </a:solidFill>
+                <a:effectLst/>
+                <a:latin typeface="Consolas" panose="020B0609020204030204" pitchFamily="49" charset="0"/>
+              </a:rPr>
+              <a:t>PipeTransform</a:t>
+            </a:r>
+            <a:r>
+              <a:rPr lang="en-US" sz="800" b="0" dirty="0">
+                <a:solidFill>
+                  <a:srgbClr val="D4D4D4"/>
+                </a:solidFill>
+                <a:effectLst/>
+                <a:latin typeface="Consolas" panose="020B0609020204030204" pitchFamily="49" charset="0"/>
+              </a:rPr>
+              <a:t> {</a:t>
+            </a:r>
+          </a:p>
+          <a:p>
+            <a:r>
+              <a:rPr lang="en-US" sz="800" b="0" dirty="0">
+                <a:solidFill>
+                  <a:srgbClr val="D4D4D4"/>
+                </a:solidFill>
+                <a:effectLst/>
+                <a:latin typeface="Consolas" panose="020B0609020204030204" pitchFamily="49" charset="0"/>
+              </a:rPr>
+              <a:t>  transform(numbers: number[], ...</a:t>
+            </a:r>
+            <a:r>
+              <a:rPr lang="en-US" sz="800" b="0" dirty="0" err="1">
+                <a:solidFill>
+                  <a:srgbClr val="D4D4D4"/>
+                </a:solidFill>
+                <a:effectLst/>
+                <a:latin typeface="Consolas" panose="020B0609020204030204" pitchFamily="49" charset="0"/>
+              </a:rPr>
+              <a:t>args</a:t>
+            </a:r>
+            <a:r>
+              <a:rPr lang="en-US" sz="800" b="0" dirty="0">
+                <a:solidFill>
+                  <a:srgbClr val="D4D4D4"/>
+                </a:solidFill>
+                <a:effectLst/>
+                <a:latin typeface="Consolas" panose="020B0609020204030204" pitchFamily="49" charset="0"/>
+              </a:rPr>
+              <a:t>: unknown[]): number[] {</a:t>
+            </a:r>
+          </a:p>
+          <a:p>
+            <a:r>
+              <a:rPr lang="en-US" sz="800" b="0" dirty="0">
+                <a:solidFill>
+                  <a:srgbClr val="D4D4D4"/>
+                </a:solidFill>
+                <a:effectLst/>
+                <a:latin typeface="Consolas" panose="020B0609020204030204" pitchFamily="49" charset="0"/>
+              </a:rPr>
+              <a:t>    </a:t>
+            </a:r>
+            <a:r>
+              <a:rPr lang="en-US" sz="800" b="0" dirty="0">
+                <a:solidFill>
+                  <a:srgbClr val="569CD6"/>
+                </a:solidFill>
+                <a:effectLst/>
+                <a:latin typeface="Consolas" panose="020B0609020204030204" pitchFamily="49" charset="0"/>
+              </a:rPr>
+              <a:t>return</a:t>
+            </a:r>
+            <a:r>
+              <a:rPr lang="en-US" sz="800" b="0" dirty="0">
+                <a:solidFill>
+                  <a:srgbClr val="D4D4D4"/>
+                </a:solidFill>
+                <a:effectLst/>
+                <a:latin typeface="Consolas" panose="020B0609020204030204" pitchFamily="49" charset="0"/>
+              </a:rPr>
+              <a:t> </a:t>
+            </a:r>
+            <a:r>
+              <a:rPr lang="en-US" sz="800" b="0" dirty="0" err="1">
+                <a:solidFill>
+                  <a:srgbClr val="D4D4D4"/>
+                </a:solidFill>
+                <a:effectLst/>
+                <a:latin typeface="Consolas" panose="020B0609020204030204" pitchFamily="49" charset="0"/>
+              </a:rPr>
+              <a:t>numbers.sort</a:t>
+            </a:r>
+            <a:r>
+              <a:rPr lang="en-US" sz="800" b="0" dirty="0">
+                <a:solidFill>
+                  <a:srgbClr val="D4D4D4"/>
+                </a:solidFill>
+                <a:effectLst/>
+                <a:latin typeface="Consolas" panose="020B0609020204030204" pitchFamily="49" charset="0"/>
+              </a:rPr>
+              <a:t>((a, b) </a:t>
+            </a:r>
+            <a:r>
+              <a:rPr lang="en-US" sz="800" b="0" dirty="0">
+                <a:solidFill>
+                  <a:srgbClr val="569CD6"/>
+                </a:solidFill>
+                <a:effectLst/>
+                <a:latin typeface="Consolas" panose="020B0609020204030204" pitchFamily="49" charset="0"/>
+              </a:rPr>
+              <a:t>=&gt;</a:t>
+            </a:r>
+            <a:r>
+              <a:rPr lang="en-US" sz="800" b="0" dirty="0">
+                <a:solidFill>
+                  <a:srgbClr val="D4D4D4"/>
+                </a:solidFill>
+                <a:effectLst/>
+                <a:latin typeface="Consolas" panose="020B0609020204030204" pitchFamily="49" charset="0"/>
+              </a:rPr>
+              <a:t> a - b);</a:t>
+            </a:r>
+          </a:p>
+          <a:p>
+            <a:r>
+              <a:rPr lang="en-US" sz="800" b="0" dirty="0">
+                <a:solidFill>
+                  <a:srgbClr val="D4D4D4"/>
+                </a:solidFill>
+                <a:effectLst/>
+                <a:latin typeface="Consolas" panose="020B0609020204030204" pitchFamily="49" charset="0"/>
+              </a:rPr>
+              <a:t>  }}</a:t>
+            </a:r>
+          </a:p>
+          <a:p>
+            <a:pPr marL="0" indent="0">
+              <a:buNone/>
+            </a:pPr>
+            <a:endParaRPr lang="en-US" sz="800" dirty="0">
+              <a:latin typeface="Roboto" panose="02000000000000000000" pitchFamily="2" charset="0"/>
+              <a:ea typeface="Roboto" panose="02000000000000000000" pitchFamily="2" charset="0"/>
+              <a:cs typeface="Roboto" panose="02000000000000000000" pitchFamily="2" charset="0"/>
+            </a:endParaRPr>
+          </a:p>
+        </p:txBody>
+      </p:sp>
+      <p:cxnSp>
+        <p:nvCxnSpPr>
+          <p:cNvPr id="15" name="Straight Connector 14">
+            <a:extLst>
+              <a:ext uri="{FF2B5EF4-FFF2-40B4-BE49-F238E27FC236}">
+                <a16:creationId xmlns:a16="http://schemas.microsoft.com/office/drawing/2014/main" id="{3AE37C2A-E3ED-DCB0-F672-63A6E6B96F20}"/>
+              </a:ext>
+            </a:extLst>
+          </p:cNvPr>
+          <p:cNvCxnSpPr>
+            <a:cxnSpLocks/>
+            <a:stCxn id="5" idx="1"/>
+            <a:endCxn id="5" idx="3"/>
+          </p:cNvCxnSpPr>
+          <p:nvPr/>
+        </p:nvCxnSpPr>
+        <p:spPr>
+          <a:xfrm>
+            <a:off x="7022236" y="3968318"/>
+            <a:ext cx="4331563" cy="0"/>
+          </a:xfrm>
+          <a:prstGeom prst="line">
+            <a:avLst/>
+          </a:prstGeom>
+        </p:spPr>
+        <p:style>
+          <a:lnRef idx="1">
+            <a:schemeClr val="accent1"/>
+          </a:lnRef>
+          <a:fillRef idx="0">
+            <a:schemeClr val="accent1"/>
+          </a:fillRef>
+          <a:effectRef idx="0">
+            <a:schemeClr val="accent1"/>
+          </a:effectRef>
+          <a:fontRef idx="minor">
+            <a:schemeClr val="tx1"/>
+          </a:fontRef>
+        </p:style>
+      </p:cxnSp>
+    </p:spTree>
+    <p:extLst>
+      <p:ext uri="{BB962C8B-B14F-4D97-AF65-F5344CB8AC3E}">
+        <p14:creationId xmlns:p14="http://schemas.microsoft.com/office/powerpoint/2010/main" val="2733405649"/>
+      </p:ext>
+    </p:extLst>
+  </p:cSld>
+  <p:clrMapOvr>
+    <a:masterClrMapping/>
+  </p:clrMapOvr>
+</p:sld>
+</file>
+
+<file path=ppt/slides/slide16.xml><?xml version="1.0" encoding="utf-8"?>
 <p:sld xmlns:a="http://schemas.openxmlformats.org/drawingml/2006/main" xmlns:r="http://schemas.openxmlformats.org/officeDocument/2006/relationships" xmlns:p="http://schemas.openxmlformats.org/presentationml/2006/main">
   <p:cSld>
     <p:spTree>
@@ -21587,7 +26481,7 @@
 </p:sld>
 </file>
 
-<file path=ppt/slides/slide16.xml><?xml version="1.0" encoding="utf-8"?>
+<file path=ppt/slides/slide17.xml><?xml version="1.0" encoding="utf-8"?>
 <p:sld xmlns:a="http://schemas.openxmlformats.org/drawingml/2006/main" xmlns:r="http://schemas.openxmlformats.org/officeDocument/2006/relationships" xmlns:p="http://schemas.openxmlformats.org/presentationml/2006/main">
   <p:cSld>
     <p:spTree>
@@ -21673,7 +26567,7 @@
 </p:sld>
 </file>
 
-<file path=ppt/slides/slide17.xml><?xml version="1.0" encoding="utf-8"?>
+<file path=ppt/slides/slide18.xml><?xml version="1.0" encoding="utf-8"?>
 <p:sld xmlns:a="http://schemas.openxmlformats.org/drawingml/2006/main" xmlns:r="http://schemas.openxmlformats.org/officeDocument/2006/relationships" xmlns:p="http://schemas.openxmlformats.org/presentationml/2006/main">
   <p:cSld>
     <p:spTree>
@@ -21832,92 +26726,6 @@
 </p:sld>
 </file>
 
-<file path=ppt/slides/slide18.xml><?xml version="1.0" encoding="utf-8"?>
-<p:sld xmlns:a="http://schemas.openxmlformats.org/drawingml/2006/main" xmlns:r="http://schemas.openxmlformats.org/officeDocument/2006/relationships" xmlns:p="http://schemas.openxmlformats.org/presentationml/2006/main">
-  <p:cSld>
-    <p:spTree>
-      <p:nvGrpSpPr>
-        <p:cNvPr id="1" name=""/>
-        <p:cNvGrpSpPr/>
-        <p:nvPr/>
-      </p:nvGrpSpPr>
-      <p:grpSpPr>
-        <a:xfrm>
-          <a:off x="0" y="0"/>
-          <a:ext cx="0" cy="0"/>
-          <a:chOff x="0" y="0"/>
-          <a:chExt cx="0" cy="0"/>
-        </a:xfrm>
-      </p:grpSpPr>
-      <p:sp>
-        <p:nvSpPr>
-          <p:cNvPr id="2" name="Title 1">
-            <a:extLst>
-              <a:ext uri="{FF2B5EF4-FFF2-40B4-BE49-F238E27FC236}">
-                <a16:creationId xmlns:a16="http://schemas.microsoft.com/office/drawing/2014/main" id="{590A3669-FC20-A360-44D8-83789DD6BEE5}"/>
-              </a:ext>
-            </a:extLst>
-          </p:cNvPr>
-          <p:cNvSpPr>
-            <a:spLocks noGrp="1"/>
-          </p:cNvSpPr>
-          <p:nvPr>
-            <p:ph type="title"/>
-          </p:nvPr>
-        </p:nvSpPr>
-        <p:spPr/>
-        <p:txBody>
-          <a:bodyPr/>
-          <a:lstStyle/>
-          <a:p>
-            <a:r>
-              <a:rPr lang="en-US" dirty="0">
-                <a:cs typeface="Calibri" panose="020F0502020204030204" pitchFamily="34" charset="0"/>
-              </a:rPr>
-              <a:t>Topic Week 7</a:t>
-            </a:r>
-            <a:endParaRPr lang="en-IN" dirty="0"/>
-          </a:p>
-        </p:txBody>
-      </p:sp>
-      <p:sp>
-        <p:nvSpPr>
-          <p:cNvPr id="3" name="Content Placeholder 2">
-            <a:extLst>
-              <a:ext uri="{FF2B5EF4-FFF2-40B4-BE49-F238E27FC236}">
-                <a16:creationId xmlns:a16="http://schemas.microsoft.com/office/drawing/2014/main" id="{68FDFF87-6288-B2D0-832B-42615EAC0407}"/>
-              </a:ext>
-            </a:extLst>
-          </p:cNvPr>
-          <p:cNvSpPr>
-            <a:spLocks noGrp="1"/>
-          </p:cNvSpPr>
-          <p:nvPr>
-            <p:ph idx="1"/>
-          </p:nvPr>
-        </p:nvSpPr>
-        <p:spPr/>
-        <p:txBody>
-          <a:bodyPr/>
-          <a:lstStyle/>
-          <a:p>
-            <a:endParaRPr lang="en-IN"/>
-          </a:p>
-        </p:txBody>
-      </p:sp>
-    </p:spTree>
-    <p:extLst>
-      <p:ext uri="{BB962C8B-B14F-4D97-AF65-F5344CB8AC3E}">
-        <p14:creationId xmlns:p14="http://schemas.microsoft.com/office/powerpoint/2010/main" val="4020267788"/>
-      </p:ext>
-    </p:extLst>
-  </p:cSld>
-  <p:clrMapOvr>
-    <a:masterClrMapping/>
-  </p:clrMapOvr>
-</p:sld>
-</file>
-
 <file path=ppt/slides/slide19.xml><?xml version="1.0" encoding="utf-8"?>
 <p:sld xmlns:a="http://schemas.openxmlformats.org/drawingml/2006/main" xmlns:r="http://schemas.openxmlformats.org/officeDocument/2006/relationships" xmlns:p="http://schemas.openxmlformats.org/presentationml/2006/main">
   <p:cSld>
@@ -21960,7 +26768,7 @@
               <a:rPr lang="en-US" dirty="0">
                 <a:cs typeface="Calibri" panose="020F0502020204030204" pitchFamily="34" charset="0"/>
               </a:rPr>
-              <a:t>Agenda Week 8</a:t>
+              <a:t>Topic Week 7</a:t>
             </a:r>
             <a:endParaRPr lang="en-IN" dirty="0"/>
           </a:p>
@@ -21991,83 +26799,10 @@
           </a:p>
         </p:txBody>
       </p:sp>
-      <p:sp>
-        <p:nvSpPr>
-          <p:cNvPr id="4" name="Rectangle 3">
-            <a:extLst>
-              <a:ext uri="{FF2B5EF4-FFF2-40B4-BE49-F238E27FC236}">
-                <a16:creationId xmlns:a16="http://schemas.microsoft.com/office/drawing/2014/main" id="{84D22036-F68D-C8A0-E921-B129C01197A6}"/>
-              </a:ext>
-            </a:extLst>
-          </p:cNvPr>
-          <p:cNvSpPr/>
-          <p:nvPr/>
-        </p:nvSpPr>
-        <p:spPr>
-          <a:xfrm>
-            <a:off x="8203272" y="4162960"/>
-            <a:ext cx="2907587" cy="1746607"/>
-          </a:xfrm>
-          <a:prstGeom prst="rect">
-            <a:avLst/>
-          </a:prstGeom>
-          <a:solidFill>
-            <a:schemeClr val="accent2"/>
-          </a:solidFill>
-          <a:ln>
-            <a:noFill/>
-          </a:ln>
-        </p:spPr>
-        <p:style>
-          <a:lnRef idx="2">
-            <a:schemeClr val="accent1">
-              <a:shade val="50000"/>
-            </a:schemeClr>
-          </a:lnRef>
-          <a:fillRef idx="1">
-            <a:schemeClr val="accent1"/>
-          </a:fillRef>
-          <a:effectRef idx="0">
-            <a:schemeClr val="accent1"/>
-          </a:effectRef>
-          <a:fontRef idx="minor">
-            <a:schemeClr val="lt1"/>
-          </a:fontRef>
-        </p:style>
-        <p:txBody>
-          <a:bodyPr rtlCol="0" anchor="ctr"/>
-          <a:lstStyle/>
-          <a:p>
-            <a:r>
-              <a:rPr lang="en-US" dirty="0"/>
-              <a:t>Tip: Use infographics,</a:t>
-            </a:r>
-          </a:p>
-          <a:p>
-            <a:r>
-              <a:rPr lang="en-US" dirty="0"/>
-              <a:t>Smart Art,</a:t>
-            </a:r>
-          </a:p>
-          <a:p>
-            <a:r>
-              <a:rPr lang="en-US" dirty="0"/>
-              <a:t>Images/Screens,</a:t>
-            </a:r>
-          </a:p>
-          <a:p>
-            <a:r>
-              <a:rPr lang="en-US" dirty="0"/>
-              <a:t>Embed relevant learning videos/case study</a:t>
-            </a:r>
-            <a:endParaRPr lang="en-IN" dirty="0"/>
-          </a:p>
-        </p:txBody>
-      </p:sp>
     </p:spTree>
     <p:extLst>
       <p:ext uri="{BB962C8B-B14F-4D97-AF65-F5344CB8AC3E}">
-        <p14:creationId xmlns:p14="http://schemas.microsoft.com/office/powerpoint/2010/main" val="1621637293"/>
+        <p14:creationId xmlns:p14="http://schemas.microsoft.com/office/powerpoint/2010/main" val="4020267788"/>
       </p:ext>
     </p:extLst>
   </p:cSld>
@@ -22278,7 +27013,7 @@
               <a:rPr lang="en-US" dirty="0">
                 <a:cs typeface="Calibri" panose="020F0502020204030204" pitchFamily="34" charset="0"/>
               </a:rPr>
-              <a:t>Topic Week 8</a:t>
+              <a:t>Agenda Week 8</a:t>
             </a:r>
             <a:endParaRPr lang="en-IN" dirty="0"/>
           </a:p>
@@ -22309,6 +27044,165 @@
           </a:p>
         </p:txBody>
       </p:sp>
+      <p:sp>
+        <p:nvSpPr>
+          <p:cNvPr id="4" name="Rectangle 3">
+            <a:extLst>
+              <a:ext uri="{FF2B5EF4-FFF2-40B4-BE49-F238E27FC236}">
+                <a16:creationId xmlns:a16="http://schemas.microsoft.com/office/drawing/2014/main" id="{84D22036-F68D-C8A0-E921-B129C01197A6}"/>
+              </a:ext>
+            </a:extLst>
+          </p:cNvPr>
+          <p:cNvSpPr/>
+          <p:nvPr/>
+        </p:nvSpPr>
+        <p:spPr>
+          <a:xfrm>
+            <a:off x="8203272" y="4162960"/>
+            <a:ext cx="2907587" cy="1746607"/>
+          </a:xfrm>
+          <a:prstGeom prst="rect">
+            <a:avLst/>
+          </a:prstGeom>
+          <a:solidFill>
+            <a:schemeClr val="accent2"/>
+          </a:solidFill>
+          <a:ln>
+            <a:noFill/>
+          </a:ln>
+        </p:spPr>
+        <p:style>
+          <a:lnRef idx="2">
+            <a:schemeClr val="accent1">
+              <a:shade val="50000"/>
+            </a:schemeClr>
+          </a:lnRef>
+          <a:fillRef idx="1">
+            <a:schemeClr val="accent1"/>
+          </a:fillRef>
+          <a:effectRef idx="0">
+            <a:schemeClr val="accent1"/>
+          </a:effectRef>
+          <a:fontRef idx="minor">
+            <a:schemeClr val="lt1"/>
+          </a:fontRef>
+        </p:style>
+        <p:txBody>
+          <a:bodyPr rtlCol="0" anchor="ctr"/>
+          <a:lstStyle/>
+          <a:p>
+            <a:r>
+              <a:rPr lang="en-US" dirty="0"/>
+              <a:t>Tip: Use infographics,</a:t>
+            </a:r>
+          </a:p>
+          <a:p>
+            <a:r>
+              <a:rPr lang="en-US" dirty="0"/>
+              <a:t>Smart Art,</a:t>
+            </a:r>
+          </a:p>
+          <a:p>
+            <a:r>
+              <a:rPr lang="en-US" dirty="0"/>
+              <a:t>Images/Screens,</a:t>
+            </a:r>
+          </a:p>
+          <a:p>
+            <a:r>
+              <a:rPr lang="en-US" dirty="0"/>
+              <a:t>Embed relevant learning videos/case study</a:t>
+            </a:r>
+            <a:endParaRPr lang="en-IN" dirty="0"/>
+          </a:p>
+        </p:txBody>
+      </p:sp>
+    </p:spTree>
+    <p:extLst>
+      <p:ext uri="{BB962C8B-B14F-4D97-AF65-F5344CB8AC3E}">
+        <p14:creationId xmlns:p14="http://schemas.microsoft.com/office/powerpoint/2010/main" val="1621637293"/>
+      </p:ext>
+    </p:extLst>
+  </p:cSld>
+  <p:clrMapOvr>
+    <a:masterClrMapping/>
+  </p:clrMapOvr>
+</p:sld>
+</file>
+
+<file path=ppt/slides/slide21.xml><?xml version="1.0" encoding="utf-8"?>
+<p:sld xmlns:a="http://schemas.openxmlformats.org/drawingml/2006/main" xmlns:r="http://schemas.openxmlformats.org/officeDocument/2006/relationships" xmlns:p="http://schemas.openxmlformats.org/presentationml/2006/main">
+  <p:cSld>
+    <p:spTree>
+      <p:nvGrpSpPr>
+        <p:cNvPr id="1" name=""/>
+        <p:cNvGrpSpPr/>
+        <p:nvPr/>
+      </p:nvGrpSpPr>
+      <p:grpSpPr>
+        <a:xfrm>
+          <a:off x="0" y="0"/>
+          <a:ext cx="0" cy="0"/>
+          <a:chOff x="0" y="0"/>
+          <a:chExt cx="0" cy="0"/>
+        </a:xfrm>
+      </p:grpSpPr>
+      <p:sp>
+        <p:nvSpPr>
+          <p:cNvPr id="2" name="Title 1">
+            <a:extLst>
+              <a:ext uri="{FF2B5EF4-FFF2-40B4-BE49-F238E27FC236}">
+                <a16:creationId xmlns:a16="http://schemas.microsoft.com/office/drawing/2014/main" id="{590A3669-FC20-A360-44D8-83789DD6BEE5}"/>
+              </a:ext>
+            </a:extLst>
+          </p:cNvPr>
+          <p:cNvSpPr>
+            <a:spLocks noGrp="1"/>
+          </p:cNvSpPr>
+          <p:nvPr>
+            <p:ph type="title"/>
+          </p:nvPr>
+        </p:nvSpPr>
+        <p:spPr/>
+        <p:txBody>
+          <a:bodyPr/>
+          <a:lstStyle/>
+          <a:p>
+            <a:r>
+              <a:rPr lang="en-US" dirty="0">
+                <a:cs typeface="Calibri" panose="020F0502020204030204" pitchFamily="34" charset="0"/>
+              </a:rPr>
+              <a:t>Topic Week 8</a:t>
+            </a:r>
+            <a:endParaRPr lang="en-IN" dirty="0"/>
+          </a:p>
+        </p:txBody>
+      </p:sp>
+      <p:sp>
+        <p:nvSpPr>
+          <p:cNvPr id="3" name="Content Placeholder 2">
+            <a:extLst>
+              <a:ext uri="{FF2B5EF4-FFF2-40B4-BE49-F238E27FC236}">
+                <a16:creationId xmlns:a16="http://schemas.microsoft.com/office/drawing/2014/main" id="{68FDFF87-6288-B2D0-832B-42615EAC0407}"/>
+              </a:ext>
+            </a:extLst>
+          </p:cNvPr>
+          <p:cNvSpPr>
+            <a:spLocks noGrp="1"/>
+          </p:cNvSpPr>
+          <p:nvPr>
+            <p:ph idx="1"/>
+          </p:nvPr>
+        </p:nvSpPr>
+        <p:spPr/>
+        <p:txBody>
+          <a:bodyPr/>
+          <a:lstStyle/>
+          <a:p>
+            <a:endParaRPr lang="en-IN"/>
+          </a:p>
+        </p:txBody>
+      </p:sp>
     </p:spTree>
     <p:extLst>
       <p:ext uri="{BB962C8B-B14F-4D97-AF65-F5344CB8AC3E}">
@@ -22322,7 +27216,7 @@
 </p:sld>
 </file>
 
-<file path=ppt/slides/slide21.xml><?xml version="1.0" encoding="utf-8"?>
+<file path=ppt/slides/slide22.xml><?xml version="1.0" encoding="utf-8"?>
 <p:sld xmlns:a="http://schemas.openxmlformats.org/drawingml/2006/main" xmlns:r="http://schemas.openxmlformats.org/officeDocument/2006/relationships" xmlns:p="http://schemas.openxmlformats.org/presentationml/2006/main">
   <p:cSld>
     <p:spTree>
@@ -22481,7 +27375,7 @@
 </p:sld>
 </file>
 
-<file path=ppt/slides/slide22.xml><?xml version="1.0" encoding="utf-8"?>
+<file path=ppt/slides/slide23.xml><?xml version="1.0" encoding="utf-8"?>
 <p:sld xmlns:a="http://schemas.openxmlformats.org/drawingml/2006/main" xmlns:r="http://schemas.openxmlformats.org/officeDocument/2006/relationships" xmlns:p="http://schemas.openxmlformats.org/presentationml/2006/main">
   <p:cSld>
     <p:spTree>
@@ -22567,7 +27461,7 @@
 </p:sld>
 </file>
 
-<file path=ppt/slides/slide23.xml><?xml version="1.0" encoding="utf-8"?>
+<file path=ppt/slides/slide24.xml><?xml version="1.0" encoding="utf-8"?>
 <p:sld xmlns:a="http://schemas.openxmlformats.org/drawingml/2006/main" xmlns:r="http://schemas.openxmlformats.org/officeDocument/2006/relationships" xmlns:p="http://schemas.openxmlformats.org/presentationml/2006/main">
   <p:cSld>
     <p:spTree>
@@ -22726,7 +27620,7 @@
 </p:sld>
 </file>
 
-<file path=ppt/slides/slide24.xml><?xml version="1.0" encoding="utf-8"?>
+<file path=ppt/slides/slide25.xml><?xml version="1.0" encoding="utf-8"?>
 <p:sld xmlns:a="http://schemas.openxmlformats.org/drawingml/2006/main" xmlns:r="http://schemas.openxmlformats.org/officeDocument/2006/relationships" xmlns:p="http://schemas.openxmlformats.org/presentationml/2006/main">
   <p:cSld>
     <p:spTree>
@@ -22812,7 +27706,7 @@
 </p:sld>
 </file>
 
-<file path=ppt/slides/slide25.xml><?xml version="1.0" encoding="utf-8"?>
+<file path=ppt/slides/slide26.xml><?xml version="1.0" encoding="utf-8"?>
 <p:sld xmlns:a="http://schemas.openxmlformats.org/drawingml/2006/main" xmlns:r="http://schemas.openxmlformats.org/officeDocument/2006/relationships" xmlns:p="http://schemas.openxmlformats.org/presentationml/2006/main">
   <p:cSld>
     <p:spTree>
@@ -24629,6 +29523,15 @@
 </file>
 
 <file path=customXml/item1.xml><?xml version="1.0" encoding="utf-8"?>
+<?mso-contentType ?>
+<FormTemplates xmlns="http://schemas.microsoft.com/sharepoint/v3/contenttype/forms">
+  <Display>DocumentLibraryForm</Display>
+  <Edit>DocumentLibraryForm</Edit>
+  <New>DocumentLibraryForm</New>
+</FormTemplates>
+</file>
+
+<file path=customXml/item2.xml><?xml version="1.0" encoding="utf-8"?>
 <ct:contentTypeSchema xmlns:ct="http://schemas.microsoft.com/office/2006/metadata/contentType" xmlns:ma="http://schemas.microsoft.com/office/2006/metadata/properties/metaAttributes" ct:_="" ma:_="" ma:contentTypeName="Document" ma:contentTypeID="0x010100E6AAEA0FB2DF124395BB30136811E0F6" ma:contentTypeVersion="12" ma:contentTypeDescription="Create a new document." ma:contentTypeScope="" ma:versionID="bf34af3db09d99911fe43e5f817c16f4">
   <xsd:schema xmlns:xsd="http://www.w3.org/2001/XMLSchema" xmlns:xs="http://www.w3.org/2001/XMLSchema" xmlns:p="http://schemas.microsoft.com/office/2006/metadata/properties" xmlns:ns3="46ccd29f-f70d-4609-a317-8968d41a404d" xmlns:ns4="347dcaf8-0ddc-426e-8eaa-fa982e2d5739" targetNamespace="http://schemas.microsoft.com/office/2006/metadata/properties" ma:root="true" ma:fieldsID="0c108ae30d7427021d65d16ed5a618e8" ns3:_="" ns4:_="">
     <xsd:import namespace="46ccd29f-f70d-4609-a317-8968d41a404d"/>
@@ -24843,15 +29746,6 @@
 </ct:contentTypeSchema>
 </file>
 
-<file path=customXml/item2.xml><?xml version="1.0" encoding="utf-8"?>
-<?mso-contentType ?>
-<FormTemplates xmlns="http://schemas.microsoft.com/sharepoint/v3/contenttype/forms">
-  <Display>DocumentLibraryForm</Display>
-  <Edit>DocumentLibraryForm</Edit>
-  <New>DocumentLibraryForm</New>
-</FormTemplates>
-</file>
-
 <file path=customXml/item3.xml><?xml version="1.0" encoding="utf-8"?>
 <p:properties xmlns:p="http://schemas.microsoft.com/office/2006/metadata/properties" xmlns:xsi="http://www.w3.org/2001/XMLSchema-instance" xmlns:pc="http://schemas.microsoft.com/office/infopath/2007/PartnerControls">
   <documentManagement>
@@ -24861,6 +29755,14 @@
 </file>
 
 <file path=customXml/itemProps1.xml><?xml version="1.0" encoding="utf-8"?>
+<ds:datastoreItem xmlns:ds="http://schemas.openxmlformats.org/officeDocument/2006/customXml" ds:itemID="{BA9CBFD2-4135-4725-BBEC-E27ABA88DCD4}">
+  <ds:schemaRefs>
+    <ds:schemaRef ds:uri="http://schemas.microsoft.com/sharepoint/v3/contenttype/forms"/>
+  </ds:schemaRefs>
+</ds:datastoreItem>
+</file>
+
+<file path=customXml/itemProps2.xml><?xml version="1.0" encoding="utf-8"?>
 <ds:datastoreItem xmlns:ds="http://schemas.openxmlformats.org/officeDocument/2006/customXml" ds:itemID="{981E7C9C-D280-4B5D-A722-791933D0C78F}">
   <ds:schemaRefs>
     <ds:schemaRef ds:uri="http://schemas.microsoft.com/office/2006/metadata/contentType"/>
@@ -24875,14 +29777,6 @@
     <ds:schemaRef ds:uri="http://purl.org/dc/elements/1.1/"/>
     <ds:schemaRef ds:uri="http://purl.org/dc/terms/"/>
     <ds:schemaRef ds:uri="http://schemas.microsoft.com/internal/obd"/>
-  </ds:schemaRefs>
-</ds:datastoreItem>
-</file>
-
-<file path=customXml/itemProps2.xml><?xml version="1.0" encoding="utf-8"?>
-<ds:datastoreItem xmlns:ds="http://schemas.openxmlformats.org/officeDocument/2006/customXml" ds:itemID="{BA9CBFD2-4135-4725-BBEC-E27ABA88DCD4}">
-  <ds:schemaRefs>
-    <ds:schemaRef ds:uri="http://schemas.microsoft.com/sharepoint/v3/contenttype/forms"/>
   </ds:schemaRefs>
 </ds:datastoreItem>
 </file>
